--- a/workspace/graphics [自動保存済み].pptx
+++ b/workspace/graphics [自動保存済み].pptx
@@ -256,7 +256,7 @@
           <a:p>
             <a:fld id="{BDE6B29A-3B0B-4CF2-A9D6-582E4DDF12B3}" type="datetimeFigureOut">
               <a:rPr kumimoji="1" lang="ja-JP" altLang="en-US" smtClean="0"/>
-              <a:t>2016/5/8</a:t>
+              <a:t>2016/5/18</a:t>
             </a:fld>
             <a:endParaRPr kumimoji="1" lang="ja-JP" altLang="en-US"/>
           </a:p>
@@ -458,7 +458,7 @@
           <a:p>
             <a:fld id="{BDE6B29A-3B0B-4CF2-A9D6-582E4DDF12B3}" type="datetimeFigureOut">
               <a:rPr kumimoji="1" lang="ja-JP" altLang="en-US" smtClean="0"/>
-              <a:t>2016/5/8</a:t>
+              <a:t>2016/5/18</a:t>
             </a:fld>
             <a:endParaRPr kumimoji="1" lang="ja-JP" altLang="en-US"/>
           </a:p>
@@ -670,7 +670,7 @@
           <a:p>
             <a:fld id="{BDE6B29A-3B0B-4CF2-A9D6-582E4DDF12B3}" type="datetimeFigureOut">
               <a:rPr kumimoji="1" lang="ja-JP" altLang="en-US" smtClean="0"/>
-              <a:t>2016/5/8</a:t>
+              <a:t>2016/5/18</a:t>
             </a:fld>
             <a:endParaRPr kumimoji="1" lang="ja-JP" altLang="en-US"/>
           </a:p>
@@ -872,7 +872,7 @@
           <a:p>
             <a:fld id="{BDE6B29A-3B0B-4CF2-A9D6-582E4DDF12B3}" type="datetimeFigureOut">
               <a:rPr kumimoji="1" lang="ja-JP" altLang="en-US" smtClean="0"/>
-              <a:t>2016/5/8</a:t>
+              <a:t>2016/5/18</a:t>
             </a:fld>
             <a:endParaRPr kumimoji="1" lang="ja-JP" altLang="en-US"/>
           </a:p>
@@ -1118,7 +1118,7 @@
           <a:p>
             <a:fld id="{BDE6B29A-3B0B-4CF2-A9D6-582E4DDF12B3}" type="datetimeFigureOut">
               <a:rPr kumimoji="1" lang="ja-JP" altLang="en-US" smtClean="0"/>
-              <a:t>2016/5/8</a:t>
+              <a:t>2016/5/18</a:t>
             </a:fld>
             <a:endParaRPr kumimoji="1" lang="ja-JP" altLang="en-US"/>
           </a:p>
@@ -1414,7 +1414,7 @@
           <a:p>
             <a:fld id="{BDE6B29A-3B0B-4CF2-A9D6-582E4DDF12B3}" type="datetimeFigureOut">
               <a:rPr kumimoji="1" lang="ja-JP" altLang="en-US" smtClean="0"/>
-              <a:t>2016/5/8</a:t>
+              <a:t>2016/5/18</a:t>
             </a:fld>
             <a:endParaRPr kumimoji="1" lang="ja-JP" altLang="en-US"/>
           </a:p>
@@ -1845,7 +1845,7 @@
           <a:p>
             <a:fld id="{BDE6B29A-3B0B-4CF2-A9D6-582E4DDF12B3}" type="datetimeFigureOut">
               <a:rPr kumimoji="1" lang="ja-JP" altLang="en-US" smtClean="0"/>
-              <a:t>2016/5/8</a:t>
+              <a:t>2016/5/18</a:t>
             </a:fld>
             <a:endParaRPr kumimoji="1" lang="ja-JP" altLang="en-US"/>
           </a:p>
@@ -1963,7 +1963,7 @@
           <a:p>
             <a:fld id="{BDE6B29A-3B0B-4CF2-A9D6-582E4DDF12B3}" type="datetimeFigureOut">
               <a:rPr kumimoji="1" lang="ja-JP" altLang="en-US" smtClean="0"/>
-              <a:t>2016/5/8</a:t>
+              <a:t>2016/5/18</a:t>
             </a:fld>
             <a:endParaRPr kumimoji="1" lang="ja-JP" altLang="en-US"/>
           </a:p>
@@ -2058,7 +2058,7 @@
           <a:p>
             <a:fld id="{BDE6B29A-3B0B-4CF2-A9D6-582E4DDF12B3}" type="datetimeFigureOut">
               <a:rPr kumimoji="1" lang="ja-JP" altLang="en-US" smtClean="0"/>
-              <a:t>2016/5/8</a:t>
+              <a:t>2016/5/18</a:t>
             </a:fld>
             <a:endParaRPr kumimoji="1" lang="ja-JP" altLang="en-US"/>
           </a:p>
@@ -2367,7 +2367,7 @@
           <a:p>
             <a:fld id="{BDE6B29A-3B0B-4CF2-A9D6-582E4DDF12B3}" type="datetimeFigureOut">
               <a:rPr kumimoji="1" lang="ja-JP" altLang="en-US" smtClean="0"/>
-              <a:t>2016/5/8</a:t>
+              <a:t>2016/5/18</a:t>
             </a:fld>
             <a:endParaRPr kumimoji="1" lang="ja-JP" altLang="en-US"/>
           </a:p>
@@ -2620,7 +2620,7 @@
           <a:p>
             <a:fld id="{BDE6B29A-3B0B-4CF2-A9D6-582E4DDF12B3}" type="datetimeFigureOut">
               <a:rPr kumimoji="1" lang="ja-JP" altLang="en-US" smtClean="0"/>
-              <a:t>2016/5/8</a:t>
+              <a:t>2016/5/18</a:t>
             </a:fld>
             <a:endParaRPr kumimoji="1" lang="ja-JP" altLang="en-US"/>
           </a:p>
@@ -2865,7 +2865,7 @@
           <a:p>
             <a:fld id="{BDE6B29A-3B0B-4CF2-A9D6-582E4DDF12B3}" type="datetimeFigureOut">
               <a:rPr kumimoji="1" lang="ja-JP" altLang="en-US" smtClean="0"/>
-              <a:t>2016/5/8</a:t>
+              <a:t>2016/5/18</a:t>
             </a:fld>
             <a:endParaRPr kumimoji="1" lang="ja-JP" altLang="en-US"/>
           </a:p>
@@ -4120,7 +4120,7 @@
         </p:nvSpPr>
         <p:spPr>
           <a:xfrm>
-            <a:off x="3972150" y="798732"/>
+            <a:off x="381784" y="274296"/>
             <a:ext cx="3600000" cy="3600000"/>
           </a:xfrm>
           <a:prstGeom prst="rect">
@@ -4162,6 +4162,196 @@
           <a:p>
             <a:pPr algn="ctr"/>
             <a:endParaRPr kumimoji="1" lang="ja-JP" altLang="en-US"/>
+          </a:p>
+        </p:txBody>
+      </p:sp>
+      <p:sp>
+        <p:nvSpPr>
+          <p:cNvPr id="3" name="正方形/長方形 2"/>
+          <p:cNvSpPr/>
+          <p:nvPr/>
+        </p:nvSpPr>
+        <p:spPr>
+          <a:xfrm>
+            <a:off x="5459507" y="860612"/>
+            <a:ext cx="5795682" cy="1963271"/>
+          </a:xfrm>
+          <a:prstGeom prst="rect">
+            <a:avLst/>
+          </a:prstGeom>
+          <a:gradFill flip="none" rotWithShape="1">
+            <a:gsLst>
+              <a:gs pos="0">
+                <a:srgbClr val="00B050">
+                  <a:shade val="30000"/>
+                  <a:satMod val="115000"/>
+                </a:srgbClr>
+              </a:gs>
+              <a:gs pos="50000">
+                <a:srgbClr val="00B050">
+                  <a:shade val="67500"/>
+                  <a:satMod val="115000"/>
+                </a:srgbClr>
+              </a:gs>
+              <a:gs pos="100000">
+                <a:srgbClr val="00B050">
+                  <a:shade val="100000"/>
+                  <a:satMod val="115000"/>
+                </a:srgbClr>
+              </a:gs>
+            </a:gsLst>
+            <a:lin ang="16200000" scaled="1"/>
+            <a:tileRect/>
+          </a:gradFill>
+          <a:ln>
+            <a:noFill/>
+          </a:ln>
+          <a:effectLst>
+            <a:outerShdw blurRad="57785" dist="33020" dir="3180000" algn="ctr">
+              <a:srgbClr val="000000">
+                <a:alpha val="30000"/>
+              </a:srgbClr>
+            </a:outerShdw>
+          </a:effectLst>
+          <a:scene3d>
+            <a:camera prst="orthographicFront">
+              <a:rot lat="0" lon="0" rev="0"/>
+            </a:camera>
+            <a:lightRig rig="brightRoom" dir="t">
+              <a:rot lat="0" lon="0" rev="600000"/>
+            </a:lightRig>
+          </a:scene3d>
+          <a:sp3d prstMaterial="metal">
+            <a:bevelT w="38100" h="57150" prst="angle"/>
+          </a:sp3d>
+        </p:spPr>
+        <p:style>
+          <a:lnRef idx="2">
+            <a:schemeClr val="accent1">
+              <a:shade val="50000"/>
+            </a:schemeClr>
+          </a:lnRef>
+          <a:fillRef idx="1">
+            <a:schemeClr val="accent1"/>
+          </a:fillRef>
+          <a:effectRef idx="0">
+            <a:schemeClr val="accent1"/>
+          </a:effectRef>
+          <a:fontRef idx="minor">
+            <a:schemeClr val="lt1"/>
+          </a:fontRef>
+        </p:style>
+        <p:txBody>
+          <a:bodyPr lIns="90000" tIns="360000" rIns="90000" bIns="360000" rtlCol="0" anchor="ctr"/>
+          <a:lstStyle/>
+          <a:p>
+            <a:pPr algn="ctr"/>
+            <a:r>
+              <a:rPr kumimoji="1" lang="ja-JP" altLang="en-US" sz="9600" b="1" dirty="0" smtClean="0">
+                <a:latin typeface="03SmartFontUI" panose="02000600000000000000" pitchFamily="50" charset="-128"/>
+                <a:ea typeface="03SmartFontUI" panose="02000600000000000000" pitchFamily="50" charset="-128"/>
+              </a:rPr>
+              <a:t>ファイル</a:t>
+            </a:r>
+            <a:endParaRPr kumimoji="1" lang="ja-JP" altLang="en-US" sz="9600" b="1" dirty="0">
+              <a:latin typeface="03SmartFontUI" panose="02000600000000000000" pitchFamily="50" charset="-128"/>
+              <a:ea typeface="03SmartFontUI" panose="02000600000000000000" pitchFamily="50" charset="-128"/>
+            </a:endParaRPr>
+          </a:p>
+        </p:txBody>
+      </p:sp>
+      <p:sp>
+        <p:nvSpPr>
+          <p:cNvPr id="4" name="正方形/長方形 3"/>
+          <p:cNvSpPr/>
+          <p:nvPr/>
+        </p:nvSpPr>
+        <p:spPr>
+          <a:xfrm>
+            <a:off x="5459507" y="2892660"/>
+            <a:ext cx="5795682" cy="1963271"/>
+          </a:xfrm>
+          <a:prstGeom prst="rect">
+            <a:avLst/>
+          </a:prstGeom>
+          <a:gradFill flip="none" rotWithShape="1">
+            <a:gsLst>
+              <a:gs pos="0">
+                <a:srgbClr val="00B050">
+                  <a:shade val="30000"/>
+                  <a:satMod val="115000"/>
+                </a:srgbClr>
+              </a:gs>
+              <a:gs pos="50000">
+                <a:srgbClr val="00B050">
+                  <a:shade val="67500"/>
+                  <a:satMod val="115000"/>
+                </a:srgbClr>
+              </a:gs>
+              <a:gs pos="100000">
+                <a:srgbClr val="00B050">
+                  <a:shade val="100000"/>
+                  <a:satMod val="115000"/>
+                </a:srgbClr>
+              </a:gs>
+            </a:gsLst>
+            <a:lin ang="5400000" scaled="1"/>
+            <a:tileRect/>
+          </a:gradFill>
+          <a:ln>
+            <a:noFill/>
+          </a:ln>
+          <a:effectLst>
+            <a:outerShdw blurRad="57785" dist="33020" dir="3180000" algn="ctr">
+              <a:srgbClr val="000000">
+                <a:alpha val="30000"/>
+              </a:srgbClr>
+            </a:outerShdw>
+          </a:effectLst>
+          <a:scene3d>
+            <a:camera prst="orthographicFront">
+              <a:rot lat="0" lon="0" rev="0"/>
+            </a:camera>
+            <a:lightRig rig="brightRoom" dir="t">
+              <a:rot lat="0" lon="0" rev="600000"/>
+            </a:lightRig>
+          </a:scene3d>
+          <a:sp3d prstMaterial="metal">
+            <a:bevelT w="38100" h="57150" prst="angle"/>
+          </a:sp3d>
+        </p:spPr>
+        <p:style>
+          <a:lnRef idx="2">
+            <a:schemeClr val="accent1">
+              <a:shade val="50000"/>
+            </a:schemeClr>
+          </a:lnRef>
+          <a:fillRef idx="1">
+            <a:schemeClr val="accent1"/>
+          </a:fillRef>
+          <a:effectRef idx="0">
+            <a:schemeClr val="accent1"/>
+          </a:effectRef>
+          <a:fontRef idx="minor">
+            <a:schemeClr val="lt1"/>
+          </a:fontRef>
+        </p:style>
+        <p:txBody>
+          <a:bodyPr lIns="90000" tIns="360000" rIns="90000" bIns="360000" rtlCol="0" anchor="ctr"/>
+          <a:lstStyle/>
+          <a:p>
+            <a:pPr algn="ctr"/>
+            <a:r>
+              <a:rPr kumimoji="1" lang="ja-JP" altLang="en-US" sz="9600" b="1" dirty="0" smtClean="0">
+                <a:latin typeface="03SmartFontUI" panose="02000600000000000000" pitchFamily="50" charset="-128"/>
+                <a:ea typeface="03SmartFontUI" panose="02000600000000000000" pitchFamily="50" charset="-128"/>
+              </a:rPr>
+              <a:t>ファイル</a:t>
+            </a:r>
+            <a:endParaRPr kumimoji="1" lang="ja-JP" altLang="en-US" sz="9600" b="1" dirty="0">
+              <a:latin typeface="03SmartFontUI" panose="02000600000000000000" pitchFamily="50" charset="-128"/>
+              <a:ea typeface="03SmartFontUI" panose="02000600000000000000" pitchFamily="50" charset="-128"/>
+            </a:endParaRPr>
           </a:p>
         </p:txBody>
       </p:sp>

--- a/workspace/graphics [自動保存済み].pptx
+++ b/workspace/graphics [自動保存済み].pptx
@@ -8,6 +8,9 @@
     <p:sldId id="256" r:id="rId2"/>
     <p:sldId id="257" r:id="rId3"/>
     <p:sldId id="258" r:id="rId4"/>
+    <p:sldId id="259" r:id="rId5"/>
+    <p:sldId id="260" r:id="rId6"/>
+    <p:sldId id="261" r:id="rId7"/>
   </p:sldIdLst>
   <p:sldSz cx="12192000" cy="6858000"/>
   <p:notesSz cx="6858000" cy="9144000"/>
@@ -4114,6 +4117,94 @@
       </p:grpSpPr>
       <p:sp>
         <p:nvSpPr>
+          <p:cNvPr id="9" name="正方形/長方形 8"/>
+          <p:cNvSpPr/>
+          <p:nvPr/>
+        </p:nvSpPr>
+        <p:spPr>
+          <a:xfrm>
+            <a:off x="2198435" y="4240755"/>
+            <a:ext cx="1800000" cy="1800000"/>
+          </a:xfrm>
+          <a:prstGeom prst="rect">
+            <a:avLst/>
+          </a:prstGeom>
+          <a:gradFill flip="none" rotWithShape="1">
+            <a:gsLst>
+              <a:gs pos="0">
+                <a:srgbClr val="00B050">
+                  <a:shade val="30000"/>
+                  <a:satMod val="115000"/>
+                </a:srgbClr>
+              </a:gs>
+              <a:gs pos="50000">
+                <a:srgbClr val="00B050">
+                  <a:shade val="67500"/>
+                  <a:satMod val="115000"/>
+                </a:srgbClr>
+              </a:gs>
+              <a:gs pos="100000">
+                <a:srgbClr val="00B050">
+                  <a:shade val="100000"/>
+                  <a:satMod val="115000"/>
+                </a:srgbClr>
+              </a:gs>
+            </a:gsLst>
+            <a:lin ang="5400000" scaled="1"/>
+            <a:tileRect/>
+          </a:gradFill>
+          <a:ln>
+            <a:noFill/>
+          </a:ln>
+          <a:effectLst>
+            <a:outerShdw blurRad="57785" dist="33020" dir="3180000" algn="ctr">
+              <a:srgbClr val="000000">
+                <a:alpha val="30000"/>
+              </a:srgbClr>
+            </a:outerShdw>
+          </a:effectLst>
+          <a:scene3d>
+            <a:camera prst="orthographicFront">
+              <a:rot lat="0" lon="0" rev="0"/>
+            </a:camera>
+            <a:lightRig rig="brightRoom" dir="t">
+              <a:rot lat="0" lon="0" rev="600000"/>
+            </a:lightRig>
+          </a:scene3d>
+          <a:sp3d prstMaterial="metal">
+            <a:bevelT w="38100" h="57150" prst="angle"/>
+          </a:sp3d>
+        </p:spPr>
+        <p:style>
+          <a:lnRef idx="2">
+            <a:schemeClr val="accent1">
+              <a:shade val="50000"/>
+            </a:schemeClr>
+          </a:lnRef>
+          <a:fillRef idx="1">
+            <a:schemeClr val="accent1"/>
+          </a:fillRef>
+          <a:effectRef idx="0">
+            <a:schemeClr val="accent1"/>
+          </a:effectRef>
+          <a:fontRef idx="minor">
+            <a:schemeClr val="lt1"/>
+          </a:fontRef>
+        </p:style>
+        <p:txBody>
+          <a:bodyPr lIns="90000" tIns="360000" rIns="90000" bIns="360000" rtlCol="0" anchor="ctr"/>
+          <a:lstStyle/>
+          <a:p>
+            <a:pPr algn="ctr"/>
+            <a:endParaRPr kumimoji="1" lang="ja-JP" altLang="en-US" sz="9600" b="1" dirty="0">
+              <a:latin typeface="03SmartFontUI" panose="02000600000000000000" pitchFamily="50" charset="-128"/>
+              <a:ea typeface="03SmartFontUI" panose="02000600000000000000" pitchFamily="50" charset="-128"/>
+            </a:endParaRPr>
+          </a:p>
+        </p:txBody>
+      </p:sp>
+      <p:sp>
+        <p:nvSpPr>
           <p:cNvPr id="2" name="正方形/長方形 1"/>
           <p:cNvSpPr/>
           <p:nvPr/>
@@ -4173,7 +4264,7 @@
         </p:nvSpPr>
         <p:spPr>
           <a:xfrm>
-            <a:off x="5459507" y="860612"/>
+            <a:off x="4095165" y="111025"/>
             <a:ext cx="5795682" cy="1963271"/>
           </a:xfrm>
           <a:prstGeom prst="rect">
@@ -4268,7 +4359,7 @@
         </p:nvSpPr>
         <p:spPr>
           <a:xfrm>
-            <a:off x="5459507" y="2892660"/>
+            <a:off x="4095165" y="2074296"/>
             <a:ext cx="5795682" cy="1963271"/>
           </a:xfrm>
           <a:prstGeom prst="rect">
@@ -4355,10 +4446,687 @@
           </a:p>
         </p:txBody>
       </p:sp>
+      <p:sp>
+        <p:nvSpPr>
+          <p:cNvPr id="5" name="正方形/長方形 4"/>
+          <p:cNvSpPr/>
+          <p:nvPr/>
+        </p:nvSpPr>
+        <p:spPr>
+          <a:xfrm>
+            <a:off x="4857166" y="4275692"/>
+            <a:ext cx="1800000" cy="1800000"/>
+          </a:xfrm>
+          <a:prstGeom prst="rect">
+            <a:avLst/>
+          </a:prstGeom>
+          <a:gradFill flip="none" rotWithShape="1">
+            <a:gsLst>
+              <a:gs pos="0">
+                <a:srgbClr val="00B050">
+                  <a:shade val="30000"/>
+                  <a:satMod val="115000"/>
+                </a:srgbClr>
+              </a:gs>
+              <a:gs pos="50000">
+                <a:srgbClr val="00B050">
+                  <a:shade val="67500"/>
+                  <a:satMod val="115000"/>
+                </a:srgbClr>
+              </a:gs>
+              <a:gs pos="100000">
+                <a:srgbClr val="00B050">
+                  <a:shade val="100000"/>
+                  <a:satMod val="115000"/>
+                </a:srgbClr>
+              </a:gs>
+            </a:gsLst>
+            <a:lin ang="16200000" scaled="1"/>
+            <a:tileRect/>
+          </a:gradFill>
+          <a:ln>
+            <a:noFill/>
+          </a:ln>
+          <a:effectLst>
+            <a:outerShdw blurRad="57785" dist="33020" dir="3180000" algn="ctr">
+              <a:srgbClr val="000000">
+                <a:alpha val="30000"/>
+              </a:srgbClr>
+            </a:outerShdw>
+          </a:effectLst>
+          <a:scene3d>
+            <a:camera prst="orthographicFront">
+              <a:rot lat="0" lon="0" rev="0"/>
+            </a:camera>
+            <a:lightRig rig="brightRoom" dir="t">
+              <a:rot lat="0" lon="0" rev="600000"/>
+            </a:lightRig>
+          </a:scene3d>
+          <a:sp3d prstMaterial="metal">
+            <a:bevelT w="38100" h="57150" prst="angle"/>
+          </a:sp3d>
+        </p:spPr>
+        <p:style>
+          <a:lnRef idx="2">
+            <a:schemeClr val="accent1">
+              <a:shade val="50000"/>
+            </a:schemeClr>
+          </a:lnRef>
+          <a:fillRef idx="1">
+            <a:schemeClr val="accent1"/>
+          </a:fillRef>
+          <a:effectRef idx="0">
+            <a:schemeClr val="accent1"/>
+          </a:effectRef>
+          <a:fontRef idx="minor">
+            <a:schemeClr val="lt1"/>
+          </a:fontRef>
+        </p:style>
+        <p:txBody>
+          <a:bodyPr lIns="90000" tIns="360000" rIns="90000" bIns="360000" rtlCol="0" anchor="ctr"/>
+          <a:lstStyle/>
+          <a:p>
+            <a:pPr algn="ctr"/>
+            <a:endParaRPr kumimoji="1" lang="ja-JP" altLang="en-US" sz="9600" b="1" dirty="0">
+              <a:latin typeface="03SmartFontUI" panose="02000600000000000000" pitchFamily="50" charset="-128"/>
+              <a:ea typeface="03SmartFontUI" panose="02000600000000000000" pitchFamily="50" charset="-128"/>
+            </a:endParaRPr>
+          </a:p>
+        </p:txBody>
+      </p:sp>
     </p:spTree>
     <p:extLst>
       <p:ext uri="{BB962C8B-B14F-4D97-AF65-F5344CB8AC3E}">
         <p14:creationId xmlns:p14="http://schemas.microsoft.com/office/powerpoint/2010/main" val="66927973"/>
+      </p:ext>
+    </p:extLst>
+  </p:cSld>
+  <p:clrMapOvr>
+    <a:masterClrMapping/>
+  </p:clrMapOvr>
+</p:sld>
+</file>
+
+<file path=ppt/slides/slide4.xml><?xml version="1.0" encoding="utf-8"?>
+<p:sld xmlns:a="http://schemas.openxmlformats.org/drawingml/2006/main" xmlns:r="http://schemas.openxmlformats.org/officeDocument/2006/relationships" xmlns:p="http://schemas.openxmlformats.org/presentationml/2006/main">
+  <p:cSld>
+    <p:spTree>
+      <p:nvGrpSpPr>
+        <p:cNvPr id="1" name=""/>
+        <p:cNvGrpSpPr/>
+        <p:nvPr/>
+      </p:nvGrpSpPr>
+      <p:grpSpPr>
+        <a:xfrm>
+          <a:off x="0" y="0"/>
+          <a:ext cx="0" cy="0"/>
+          <a:chOff x="0" y="0"/>
+          <a:chExt cx="0" cy="0"/>
+        </a:xfrm>
+      </p:grpSpPr>
+      <p:sp>
+        <p:nvSpPr>
+          <p:cNvPr id="2" name="正方形/長方形 1"/>
+          <p:cNvSpPr/>
+          <p:nvPr/>
+        </p:nvSpPr>
+        <p:spPr>
+          <a:xfrm>
+            <a:off x="848230" y="0"/>
+            <a:ext cx="5400000" cy="7200000"/>
+          </a:xfrm>
+          <a:prstGeom prst="rect">
+            <a:avLst/>
+          </a:prstGeom>
+          <a:solidFill>
+            <a:schemeClr val="bg1"/>
+          </a:solidFill>
+          <a:ln>
+            <a:noFill/>
+          </a:ln>
+          <a:effectLst>
+            <a:outerShdw blurRad="381000" dist="342900" dir="2700000" algn="tl" rotWithShape="0">
+              <a:prstClr val="black">
+                <a:alpha val="40000"/>
+              </a:prstClr>
+            </a:outerShdw>
+          </a:effectLst>
+          <a:scene3d>
+            <a:camera prst="orthographicFront">
+              <a:rot lat="0" lon="0" rev="0"/>
+            </a:camera>
+            <a:lightRig rig="brightRoom" dir="t">
+              <a:rot lat="0" lon="0" rev="600000"/>
+            </a:lightRig>
+          </a:scene3d>
+          <a:sp3d prstMaterial="metal">
+            <a:bevelT w="38100" h="57150" prst="angle"/>
+          </a:sp3d>
+        </p:spPr>
+        <p:style>
+          <a:lnRef idx="2">
+            <a:schemeClr val="accent1">
+              <a:shade val="50000"/>
+            </a:schemeClr>
+          </a:lnRef>
+          <a:fillRef idx="1">
+            <a:schemeClr val="accent1"/>
+          </a:fillRef>
+          <a:effectRef idx="0">
+            <a:schemeClr val="accent1"/>
+          </a:effectRef>
+          <a:fontRef idx="minor">
+            <a:schemeClr val="lt1"/>
+          </a:fontRef>
+        </p:style>
+        <p:txBody>
+          <a:bodyPr lIns="90000" tIns="46800" rIns="90000" bIns="360000" rtlCol="0" anchor="ctr"/>
+          <a:lstStyle/>
+          <a:p>
+            <a:pPr algn="ctr"/>
+            <a:endParaRPr kumimoji="1" lang="ja-JP" altLang="en-US" sz="9600" dirty="0"/>
+          </a:p>
+        </p:txBody>
+      </p:sp>
+      <p:sp>
+        <p:nvSpPr>
+          <p:cNvPr id="3" name="正方形/長方形 2"/>
+          <p:cNvSpPr/>
+          <p:nvPr/>
+        </p:nvSpPr>
+        <p:spPr>
+          <a:xfrm>
+            <a:off x="848230" y="0"/>
+            <a:ext cx="5400000" cy="1800000"/>
+          </a:xfrm>
+          <a:prstGeom prst="rect">
+            <a:avLst/>
+          </a:prstGeom>
+          <a:gradFill>
+            <a:gsLst>
+              <a:gs pos="0">
+                <a:schemeClr val="accent1">
+                  <a:lumMod val="5000"/>
+                  <a:lumOff val="95000"/>
+                </a:schemeClr>
+              </a:gs>
+              <a:gs pos="54000">
+                <a:schemeClr val="accent6">
+                  <a:lumMod val="60000"/>
+                  <a:lumOff val="40000"/>
+                </a:schemeClr>
+              </a:gs>
+              <a:gs pos="100000">
+                <a:schemeClr val="bg1"/>
+              </a:gs>
+            </a:gsLst>
+            <a:lin ang="5400000" scaled="1"/>
+          </a:gradFill>
+          <a:ln>
+            <a:noFill/>
+          </a:ln>
+          <a:effectLst>
+            <a:outerShdw blurRad="57785" dist="33020" dir="3180000" algn="ctr">
+              <a:srgbClr val="000000">
+                <a:alpha val="30000"/>
+              </a:srgbClr>
+            </a:outerShdw>
+          </a:effectLst>
+          <a:scene3d>
+            <a:camera prst="orthographicFront">
+              <a:rot lat="0" lon="0" rev="0"/>
+            </a:camera>
+            <a:lightRig rig="brightRoom" dir="t">
+              <a:rot lat="0" lon="0" rev="600000"/>
+            </a:lightRig>
+          </a:scene3d>
+          <a:sp3d prstMaterial="metal">
+            <a:bevelT w="38100" h="57150" prst="angle"/>
+          </a:sp3d>
+        </p:spPr>
+        <p:style>
+          <a:lnRef idx="2">
+            <a:schemeClr val="accent1">
+              <a:shade val="50000"/>
+            </a:schemeClr>
+          </a:lnRef>
+          <a:fillRef idx="1">
+            <a:schemeClr val="accent1"/>
+          </a:fillRef>
+          <a:effectRef idx="0">
+            <a:schemeClr val="accent1"/>
+          </a:effectRef>
+          <a:fontRef idx="minor">
+            <a:schemeClr val="lt1"/>
+          </a:fontRef>
+        </p:style>
+        <p:txBody>
+          <a:bodyPr lIns="90000" tIns="46800" rIns="90000" bIns="360000" rtlCol="0" anchor="ctr"/>
+          <a:lstStyle/>
+          <a:p>
+            <a:pPr algn="ctr"/>
+            <a:endParaRPr kumimoji="1" lang="ja-JP" altLang="en-US" sz="9600" dirty="0"/>
+          </a:p>
+        </p:txBody>
+      </p:sp>
+      <p:sp>
+        <p:nvSpPr>
+          <p:cNvPr id="5" name="正方形/長方形 4"/>
+          <p:cNvSpPr/>
+          <p:nvPr/>
+        </p:nvSpPr>
+        <p:spPr>
+          <a:xfrm>
+            <a:off x="7997372" y="900000"/>
+            <a:ext cx="3600000" cy="3599542"/>
+          </a:xfrm>
+          <a:prstGeom prst="rect">
+            <a:avLst/>
+          </a:prstGeom>
+          <a:solidFill>
+            <a:schemeClr val="bg1">
+              <a:lumMod val="95000"/>
+            </a:schemeClr>
+          </a:solidFill>
+          <a:ln>
+            <a:noFill/>
+          </a:ln>
+          <a:effectLst>
+            <a:innerShdw blurRad="457200">
+              <a:prstClr val="black"/>
+            </a:innerShdw>
+          </a:effectLst>
+        </p:spPr>
+        <p:style>
+          <a:lnRef idx="2">
+            <a:schemeClr val="accent1">
+              <a:shade val="50000"/>
+            </a:schemeClr>
+          </a:lnRef>
+          <a:fillRef idx="1">
+            <a:schemeClr val="accent1"/>
+          </a:fillRef>
+          <a:effectRef idx="0">
+            <a:schemeClr val="accent1"/>
+          </a:effectRef>
+          <a:fontRef idx="minor">
+            <a:schemeClr val="lt1"/>
+          </a:fontRef>
+        </p:style>
+        <p:txBody>
+          <a:bodyPr lIns="90000" tIns="46800" rIns="90000" bIns="360000" rtlCol="0" anchor="ctr"/>
+          <a:lstStyle/>
+          <a:p>
+            <a:pPr algn="ctr"/>
+            <a:endParaRPr kumimoji="1" lang="ja-JP" altLang="en-US" sz="9600" dirty="0"/>
+          </a:p>
+        </p:txBody>
+      </p:sp>
+    </p:spTree>
+    <p:extLst>
+      <p:ext uri="{BB962C8B-B14F-4D97-AF65-F5344CB8AC3E}">
+        <p14:creationId xmlns:p14="http://schemas.microsoft.com/office/powerpoint/2010/main" val="3121065945"/>
+      </p:ext>
+    </p:extLst>
+  </p:cSld>
+  <p:clrMapOvr>
+    <a:masterClrMapping/>
+  </p:clrMapOvr>
+</p:sld>
+</file>
+
+<file path=ppt/slides/slide5.xml><?xml version="1.0" encoding="utf-8"?>
+<p:sld xmlns:a="http://schemas.openxmlformats.org/drawingml/2006/main" xmlns:r="http://schemas.openxmlformats.org/officeDocument/2006/relationships" xmlns:p="http://schemas.openxmlformats.org/presentationml/2006/main">
+  <p:cSld>
+    <p:spTree>
+      <p:nvGrpSpPr>
+        <p:cNvPr id="1" name=""/>
+        <p:cNvGrpSpPr/>
+        <p:nvPr/>
+      </p:nvGrpSpPr>
+      <p:grpSpPr>
+        <a:xfrm>
+          <a:off x="0" y="0"/>
+          <a:ext cx="0" cy="0"/>
+          <a:chOff x="0" y="0"/>
+          <a:chExt cx="0" cy="0"/>
+        </a:xfrm>
+      </p:grpSpPr>
+      <p:sp>
+        <p:nvSpPr>
+          <p:cNvPr id="2" name="正方形/長方形 1"/>
+          <p:cNvSpPr/>
+          <p:nvPr/>
+        </p:nvSpPr>
+        <p:spPr>
+          <a:xfrm>
+            <a:off x="336000" y="189000"/>
+            <a:ext cx="11520000" cy="6480000"/>
+          </a:xfrm>
+          <a:prstGeom prst="rect">
+            <a:avLst/>
+          </a:prstGeom>
+          <a:solidFill>
+            <a:schemeClr val="bg1">
+              <a:lumMod val="95000"/>
+            </a:schemeClr>
+          </a:solidFill>
+          <a:ln>
+            <a:noFill/>
+          </a:ln>
+          <a:effectLst>
+            <a:outerShdw blurRad="355600" sx="102000" sy="102000" algn="ctr" rotWithShape="0">
+              <a:prstClr val="black">
+                <a:alpha val="40000"/>
+              </a:prstClr>
+            </a:outerShdw>
+          </a:effectLst>
+        </p:spPr>
+        <p:style>
+          <a:lnRef idx="2">
+            <a:schemeClr val="accent1">
+              <a:shade val="50000"/>
+            </a:schemeClr>
+          </a:lnRef>
+          <a:fillRef idx="1">
+            <a:schemeClr val="accent1"/>
+          </a:fillRef>
+          <a:effectRef idx="0">
+            <a:schemeClr val="accent1"/>
+          </a:effectRef>
+          <a:fontRef idx="minor">
+            <a:schemeClr val="lt1"/>
+          </a:fontRef>
+        </p:style>
+        <p:txBody>
+          <a:bodyPr lIns="90000" tIns="46800" rIns="90000" bIns="360000" rtlCol="0" anchor="ctr"/>
+          <a:lstStyle/>
+          <a:p>
+            <a:pPr algn="ctr"/>
+            <a:endParaRPr kumimoji="1" lang="ja-JP" altLang="en-US" sz="9600" dirty="0"/>
+          </a:p>
+        </p:txBody>
+      </p:sp>
+    </p:spTree>
+    <p:extLst>
+      <p:ext uri="{BB962C8B-B14F-4D97-AF65-F5344CB8AC3E}">
+        <p14:creationId xmlns:p14="http://schemas.microsoft.com/office/powerpoint/2010/main" val="892139829"/>
+      </p:ext>
+    </p:extLst>
+  </p:cSld>
+  <p:clrMapOvr>
+    <a:masterClrMapping/>
+  </p:clrMapOvr>
+</p:sld>
+</file>
+
+<file path=ppt/slides/slide6.xml><?xml version="1.0" encoding="utf-8"?>
+<p:sld xmlns:a="http://schemas.openxmlformats.org/drawingml/2006/main" xmlns:r="http://schemas.openxmlformats.org/officeDocument/2006/relationships" xmlns:p="http://schemas.openxmlformats.org/presentationml/2006/main">
+  <p:cSld>
+    <p:spTree>
+      <p:nvGrpSpPr>
+        <p:cNvPr id="1" name=""/>
+        <p:cNvGrpSpPr/>
+        <p:nvPr/>
+      </p:nvGrpSpPr>
+      <p:grpSpPr>
+        <a:xfrm>
+          <a:off x="0" y="0"/>
+          <a:ext cx="0" cy="0"/>
+          <a:chOff x="0" y="0"/>
+          <a:chExt cx="0" cy="0"/>
+        </a:xfrm>
+      </p:grpSpPr>
+      <p:sp>
+        <p:nvSpPr>
+          <p:cNvPr id="2" name="正方形/長方形 1"/>
+          <p:cNvSpPr/>
+          <p:nvPr/>
+        </p:nvSpPr>
+        <p:spPr>
+          <a:xfrm rot="2695839">
+            <a:off x="9161711" y="3956208"/>
+            <a:ext cx="1800000" cy="1800000"/>
+          </a:xfrm>
+          <a:prstGeom prst="rect">
+            <a:avLst/>
+          </a:prstGeom>
+          <a:solidFill>
+            <a:srgbClr val="FF0000"/>
+          </a:solidFill>
+          <a:ln>
+            <a:noFill/>
+          </a:ln>
+          <a:effectLst>
+            <a:outerShdw blurRad="107950" dist="12700" dir="5400000" algn="ctr">
+              <a:srgbClr val="000000"/>
+            </a:outerShdw>
+          </a:effectLst>
+          <a:scene3d>
+            <a:camera prst="orthographicFront">
+              <a:rot lat="0" lon="0" rev="0"/>
+            </a:camera>
+            <a:lightRig rig="soft" dir="t">
+              <a:rot lat="0" lon="0" rev="0"/>
+            </a:lightRig>
+          </a:scene3d>
+          <a:sp3d contourW="44450" prstMaterial="matte">
+            <a:bevelT w="63500" h="63500" prst="artDeco"/>
+            <a:contourClr>
+              <a:srgbClr val="FFFFFF"/>
+            </a:contourClr>
+          </a:sp3d>
+        </p:spPr>
+        <p:style>
+          <a:lnRef idx="2">
+            <a:schemeClr val="accent1">
+              <a:shade val="50000"/>
+            </a:schemeClr>
+          </a:lnRef>
+          <a:fillRef idx="1">
+            <a:schemeClr val="accent1"/>
+          </a:fillRef>
+          <a:effectRef idx="0">
+            <a:schemeClr val="accent1"/>
+          </a:effectRef>
+          <a:fontRef idx="minor">
+            <a:schemeClr val="lt1"/>
+          </a:fontRef>
+        </p:style>
+        <p:txBody>
+          <a:bodyPr lIns="90000" tIns="46800" rIns="90000" bIns="360000" rtlCol="0" anchor="ctr"/>
+          <a:lstStyle/>
+          <a:p>
+            <a:pPr algn="ctr"/>
+            <a:endParaRPr kumimoji="1" lang="ja-JP" altLang="en-US" sz="9600" dirty="0"/>
+          </a:p>
+        </p:txBody>
+      </p:sp>
+      <p:sp>
+        <p:nvSpPr>
+          <p:cNvPr id="3" name="テキスト ボックス 2"/>
+          <p:cNvSpPr txBox="1"/>
+          <p:nvPr/>
+        </p:nvSpPr>
+        <p:spPr>
+          <a:xfrm>
+            <a:off x="9704485" y="4071378"/>
+            <a:ext cx="1192696" cy="1569660"/>
+          </a:xfrm>
+          <a:prstGeom prst="rect">
+            <a:avLst/>
+          </a:prstGeom>
+          <a:noFill/>
+        </p:spPr>
+        <p:txBody>
+          <a:bodyPr wrap="square" rtlCol="0">
+            <a:spAutoFit/>
+          </a:bodyPr>
+          <a:lstStyle/>
+          <a:p>
+            <a:r>
+              <a:rPr kumimoji="1" lang="en-US" altLang="ja-JP" sz="9600" b="1" dirty="0" smtClean="0">
+                <a:solidFill>
+                  <a:schemeClr val="bg1"/>
+                </a:solidFill>
+                <a:latin typeface="Agency FB" panose="020B0503020202020204" pitchFamily="34" charset="0"/>
+              </a:rPr>
+              <a:t>S</a:t>
+            </a:r>
+            <a:endParaRPr kumimoji="1" lang="ja-JP" altLang="en-US" sz="9600" b="1" dirty="0">
+              <a:solidFill>
+                <a:schemeClr val="bg1"/>
+              </a:solidFill>
+              <a:latin typeface="Agency FB" panose="020B0503020202020204" pitchFamily="34" charset="0"/>
+            </a:endParaRPr>
+          </a:p>
+        </p:txBody>
+      </p:sp>
+      <p:sp>
+        <p:nvSpPr>
+          <p:cNvPr id="4" name="円/楕円 3"/>
+          <p:cNvSpPr/>
+          <p:nvPr/>
+        </p:nvSpPr>
+        <p:spPr>
+          <a:xfrm>
+            <a:off x="964096" y="778963"/>
+            <a:ext cx="3600000" cy="3600000"/>
+          </a:xfrm>
+          <a:prstGeom prst="ellipse">
+            <a:avLst/>
+          </a:prstGeom>
+          <a:gradFill flip="none" rotWithShape="1">
+            <a:gsLst>
+              <a:gs pos="0">
+                <a:schemeClr val="bg1">
+                  <a:lumMod val="65000"/>
+                  <a:shade val="30000"/>
+                  <a:satMod val="115000"/>
+                </a:schemeClr>
+              </a:gs>
+              <a:gs pos="50000">
+                <a:schemeClr val="bg1">
+                  <a:lumMod val="65000"/>
+                  <a:shade val="67500"/>
+                  <a:satMod val="115000"/>
+                </a:schemeClr>
+              </a:gs>
+              <a:gs pos="100000">
+                <a:schemeClr val="bg1">
+                  <a:lumMod val="65000"/>
+                  <a:shade val="100000"/>
+                  <a:satMod val="115000"/>
+                </a:schemeClr>
+              </a:gs>
+            </a:gsLst>
+            <a:lin ang="16200000" scaled="1"/>
+            <a:tileRect/>
+          </a:gradFill>
+          <a:ln>
+            <a:noFill/>
+          </a:ln>
+          <a:effectLst>
+            <a:outerShdw blurRad="57785" dist="33020" dir="3180000" algn="ctr">
+              <a:srgbClr val="000000">
+                <a:alpha val="30000"/>
+              </a:srgbClr>
+            </a:outerShdw>
+          </a:effectLst>
+          <a:scene3d>
+            <a:camera prst="orthographicFront">
+              <a:rot lat="0" lon="0" rev="0"/>
+            </a:camera>
+            <a:lightRig rig="brightRoom" dir="t">
+              <a:rot lat="0" lon="0" rev="600000"/>
+            </a:lightRig>
+          </a:scene3d>
+          <a:sp3d prstMaterial="metal">
+            <a:bevelT w="38100" h="57150" prst="angle"/>
+          </a:sp3d>
+        </p:spPr>
+        <p:style>
+          <a:lnRef idx="2">
+            <a:schemeClr val="accent1">
+              <a:shade val="50000"/>
+            </a:schemeClr>
+          </a:lnRef>
+          <a:fillRef idx="1">
+            <a:schemeClr val="accent1"/>
+          </a:fillRef>
+          <a:effectRef idx="0">
+            <a:schemeClr val="accent1"/>
+          </a:effectRef>
+          <a:fontRef idx="minor">
+            <a:schemeClr val="lt1"/>
+          </a:fontRef>
+        </p:style>
+        <p:txBody>
+          <a:bodyPr lIns="90000" tIns="46800" rIns="90000" bIns="360000" rtlCol="0" anchor="ctr"/>
+          <a:lstStyle/>
+          <a:p>
+            <a:pPr algn="ctr"/>
+            <a:endParaRPr kumimoji="1" lang="ja-JP" altLang="en-US" sz="9600" dirty="0"/>
+          </a:p>
+        </p:txBody>
+      </p:sp>
+      <p:sp>
+        <p:nvSpPr>
+          <p:cNvPr id="5" name="円/楕円 4"/>
+          <p:cNvSpPr/>
+          <p:nvPr/>
+        </p:nvSpPr>
+        <p:spPr>
+          <a:xfrm>
+            <a:off x="1864096" y="1678963"/>
+            <a:ext cx="1800000" cy="1800000"/>
+          </a:xfrm>
+          <a:prstGeom prst="ellipse">
+            <a:avLst/>
+          </a:prstGeom>
+          <a:solidFill>
+            <a:schemeClr val="bg1">
+              <a:lumMod val="65000"/>
+            </a:schemeClr>
+          </a:solidFill>
+          <a:ln>
+            <a:noFill/>
+          </a:ln>
+          <a:effectLst>
+            <a:innerShdw blurRad="622300">
+              <a:prstClr val="black"/>
+            </a:innerShdw>
+          </a:effectLst>
+        </p:spPr>
+        <p:style>
+          <a:lnRef idx="2">
+            <a:schemeClr val="accent1">
+              <a:shade val="50000"/>
+            </a:schemeClr>
+          </a:lnRef>
+          <a:fillRef idx="1">
+            <a:schemeClr val="accent1"/>
+          </a:fillRef>
+          <a:effectRef idx="0">
+            <a:schemeClr val="accent1"/>
+          </a:effectRef>
+          <a:fontRef idx="minor">
+            <a:schemeClr val="lt1"/>
+          </a:fontRef>
+        </p:style>
+        <p:txBody>
+          <a:bodyPr lIns="90000" tIns="46800" rIns="90000" bIns="360000" rtlCol="0" anchor="ctr"/>
+          <a:lstStyle/>
+          <a:p>
+            <a:pPr algn="ctr"/>
+            <a:endParaRPr kumimoji="1" lang="ja-JP" altLang="en-US" sz="9600" dirty="0"/>
+          </a:p>
+        </p:txBody>
+      </p:sp>
+    </p:spTree>
+    <p:extLst>
+      <p:ext uri="{BB962C8B-B14F-4D97-AF65-F5344CB8AC3E}">
+        <p14:creationId xmlns:p14="http://schemas.microsoft.com/office/powerpoint/2010/main" val="887361437"/>
       </p:ext>
     </p:extLst>
   </p:cSld>

--- a/workspace/graphics [自動保存済み].pptx
+++ b/workspace/graphics [自動保存済み].pptx
@@ -259,7 +259,7 @@
           <a:p>
             <a:fld id="{BDE6B29A-3B0B-4CF2-A9D6-582E4DDF12B3}" type="datetimeFigureOut">
               <a:rPr kumimoji="1" lang="ja-JP" altLang="en-US" smtClean="0"/>
-              <a:t>2016/5/18</a:t>
+              <a:t>2016/5/20</a:t>
             </a:fld>
             <a:endParaRPr kumimoji="1" lang="ja-JP" altLang="en-US"/>
           </a:p>
@@ -461,7 +461,7 @@
           <a:p>
             <a:fld id="{BDE6B29A-3B0B-4CF2-A9D6-582E4DDF12B3}" type="datetimeFigureOut">
               <a:rPr kumimoji="1" lang="ja-JP" altLang="en-US" smtClean="0"/>
-              <a:t>2016/5/18</a:t>
+              <a:t>2016/5/20</a:t>
             </a:fld>
             <a:endParaRPr kumimoji="1" lang="ja-JP" altLang="en-US"/>
           </a:p>
@@ -673,7 +673,7 @@
           <a:p>
             <a:fld id="{BDE6B29A-3B0B-4CF2-A9D6-582E4DDF12B3}" type="datetimeFigureOut">
               <a:rPr kumimoji="1" lang="ja-JP" altLang="en-US" smtClean="0"/>
-              <a:t>2016/5/18</a:t>
+              <a:t>2016/5/20</a:t>
             </a:fld>
             <a:endParaRPr kumimoji="1" lang="ja-JP" altLang="en-US"/>
           </a:p>
@@ -875,7 +875,7 @@
           <a:p>
             <a:fld id="{BDE6B29A-3B0B-4CF2-A9D6-582E4DDF12B3}" type="datetimeFigureOut">
               <a:rPr kumimoji="1" lang="ja-JP" altLang="en-US" smtClean="0"/>
-              <a:t>2016/5/18</a:t>
+              <a:t>2016/5/20</a:t>
             </a:fld>
             <a:endParaRPr kumimoji="1" lang="ja-JP" altLang="en-US"/>
           </a:p>
@@ -1121,7 +1121,7 @@
           <a:p>
             <a:fld id="{BDE6B29A-3B0B-4CF2-A9D6-582E4DDF12B3}" type="datetimeFigureOut">
               <a:rPr kumimoji="1" lang="ja-JP" altLang="en-US" smtClean="0"/>
-              <a:t>2016/5/18</a:t>
+              <a:t>2016/5/20</a:t>
             </a:fld>
             <a:endParaRPr kumimoji="1" lang="ja-JP" altLang="en-US"/>
           </a:p>
@@ -1417,7 +1417,7 @@
           <a:p>
             <a:fld id="{BDE6B29A-3B0B-4CF2-A9D6-582E4DDF12B3}" type="datetimeFigureOut">
               <a:rPr kumimoji="1" lang="ja-JP" altLang="en-US" smtClean="0"/>
-              <a:t>2016/5/18</a:t>
+              <a:t>2016/5/20</a:t>
             </a:fld>
             <a:endParaRPr kumimoji="1" lang="ja-JP" altLang="en-US"/>
           </a:p>
@@ -1848,7 +1848,7 @@
           <a:p>
             <a:fld id="{BDE6B29A-3B0B-4CF2-A9D6-582E4DDF12B3}" type="datetimeFigureOut">
               <a:rPr kumimoji="1" lang="ja-JP" altLang="en-US" smtClean="0"/>
-              <a:t>2016/5/18</a:t>
+              <a:t>2016/5/20</a:t>
             </a:fld>
             <a:endParaRPr kumimoji="1" lang="ja-JP" altLang="en-US"/>
           </a:p>
@@ -1966,7 +1966,7 @@
           <a:p>
             <a:fld id="{BDE6B29A-3B0B-4CF2-A9D6-582E4DDF12B3}" type="datetimeFigureOut">
               <a:rPr kumimoji="1" lang="ja-JP" altLang="en-US" smtClean="0"/>
-              <a:t>2016/5/18</a:t>
+              <a:t>2016/5/20</a:t>
             </a:fld>
             <a:endParaRPr kumimoji="1" lang="ja-JP" altLang="en-US"/>
           </a:p>
@@ -2061,7 +2061,7 @@
           <a:p>
             <a:fld id="{BDE6B29A-3B0B-4CF2-A9D6-582E4DDF12B3}" type="datetimeFigureOut">
               <a:rPr kumimoji="1" lang="ja-JP" altLang="en-US" smtClean="0"/>
-              <a:t>2016/5/18</a:t>
+              <a:t>2016/5/20</a:t>
             </a:fld>
             <a:endParaRPr kumimoji="1" lang="ja-JP" altLang="en-US"/>
           </a:p>
@@ -2370,7 +2370,7 @@
           <a:p>
             <a:fld id="{BDE6B29A-3B0B-4CF2-A9D6-582E4DDF12B3}" type="datetimeFigureOut">
               <a:rPr kumimoji="1" lang="ja-JP" altLang="en-US" smtClean="0"/>
-              <a:t>2016/5/18</a:t>
+              <a:t>2016/5/20</a:t>
             </a:fld>
             <a:endParaRPr kumimoji="1" lang="ja-JP" altLang="en-US"/>
           </a:p>
@@ -2623,7 +2623,7 @@
           <a:p>
             <a:fld id="{BDE6B29A-3B0B-4CF2-A9D6-582E4DDF12B3}" type="datetimeFigureOut">
               <a:rPr kumimoji="1" lang="ja-JP" altLang="en-US" smtClean="0"/>
-              <a:t>2016/5/18</a:t>
+              <a:t>2016/5/20</a:t>
             </a:fld>
             <a:endParaRPr kumimoji="1" lang="ja-JP" altLang="en-US"/>
           </a:p>
@@ -2868,7 +2868,7 @@
           <a:p>
             <a:fld id="{BDE6B29A-3B0B-4CF2-A9D6-582E4DDF12B3}" type="datetimeFigureOut">
               <a:rPr kumimoji="1" lang="ja-JP" altLang="en-US" smtClean="0"/>
-              <a:t>2016/5/18</a:t>
+              <a:t>2016/5/20</a:t>
             </a:fld>
             <a:endParaRPr kumimoji="1" lang="ja-JP" altLang="en-US"/>
           </a:p>
@@ -3281,7 +3281,7 @@
         </p:nvSpPr>
         <p:spPr>
           <a:xfrm>
-            <a:off x="1552914" y="4470399"/>
+            <a:off x="202914" y="5058000"/>
             <a:ext cx="1800000" cy="1800000"/>
           </a:xfrm>
           <a:prstGeom prst="rect">
@@ -3387,7 +3387,7 @@
         </p:nvSpPr>
         <p:spPr>
           <a:xfrm>
-            <a:off x="1552914" y="2032115"/>
+            <a:off x="-504486" y="2193480"/>
             <a:ext cx="1800000" cy="1800000"/>
           </a:xfrm>
           <a:prstGeom prst="ellipse">
@@ -3575,6 +3575,267 @@
           </a:fontRef>
         </p:style>
       </p:cxnSp>
+      <p:sp>
+        <p:nvSpPr>
+          <p:cNvPr id="10" name="正方形/長方形 9"/>
+          <p:cNvSpPr/>
+          <p:nvPr/>
+        </p:nvSpPr>
+        <p:spPr>
+          <a:xfrm>
+            <a:off x="2881029" y="3607115"/>
+            <a:ext cx="576000" cy="576000"/>
+          </a:xfrm>
+          <a:prstGeom prst="rect">
+            <a:avLst/>
+          </a:prstGeom>
+          <a:solidFill>
+            <a:schemeClr val="accent1">
+              <a:lumMod val="60000"/>
+              <a:lumOff val="40000"/>
+            </a:schemeClr>
+          </a:solidFill>
+          <a:scene3d>
+            <a:camera prst="orthographicFront"/>
+            <a:lightRig rig="threePt" dir="t"/>
+          </a:scene3d>
+          <a:sp3d>
+            <a:bevelT w="381000" prst="angle"/>
+          </a:sp3d>
+        </p:spPr>
+        <p:style>
+          <a:lnRef idx="2">
+            <a:schemeClr val="accent1">
+              <a:shade val="50000"/>
+            </a:schemeClr>
+          </a:lnRef>
+          <a:fillRef idx="1">
+            <a:schemeClr val="accent1"/>
+          </a:fillRef>
+          <a:effectRef idx="0">
+            <a:schemeClr val="accent1"/>
+          </a:effectRef>
+          <a:fontRef idx="minor">
+            <a:schemeClr val="lt1"/>
+          </a:fontRef>
+        </p:style>
+        <p:txBody>
+          <a:bodyPr rtlCol="0" anchor="ctr"/>
+          <a:lstStyle/>
+          <a:p>
+            <a:pPr algn="ctr"/>
+            <a:endParaRPr kumimoji="1" lang="ja-JP" altLang="en-US"/>
+          </a:p>
+        </p:txBody>
+      </p:sp>
+      <p:sp>
+        <p:nvSpPr>
+          <p:cNvPr id="11" name="二等辺三角形 10"/>
+          <p:cNvSpPr/>
+          <p:nvPr/>
+        </p:nvSpPr>
+        <p:spPr>
+          <a:xfrm>
+            <a:off x="2881029" y="3031115"/>
+            <a:ext cx="576000" cy="576000"/>
+          </a:xfrm>
+          <a:prstGeom prst="triangle">
+            <a:avLst/>
+          </a:prstGeom>
+          <a:solidFill>
+            <a:schemeClr val="bg1">
+              <a:lumMod val="65000"/>
+            </a:schemeClr>
+          </a:solidFill>
+          <a:scene3d>
+            <a:camera prst="orthographicFront"/>
+            <a:lightRig rig="threePt" dir="t"/>
+          </a:scene3d>
+          <a:sp3d>
+            <a:bevelT w="190500" h="190500" prst="angle"/>
+          </a:sp3d>
+        </p:spPr>
+        <p:style>
+          <a:lnRef idx="2">
+            <a:schemeClr val="accent1">
+              <a:shade val="50000"/>
+            </a:schemeClr>
+          </a:lnRef>
+          <a:fillRef idx="1">
+            <a:schemeClr val="accent1"/>
+          </a:fillRef>
+          <a:effectRef idx="0">
+            <a:schemeClr val="accent1"/>
+          </a:effectRef>
+          <a:fontRef idx="minor">
+            <a:schemeClr val="lt1"/>
+          </a:fontRef>
+        </p:style>
+        <p:txBody>
+          <a:bodyPr rtlCol="0" anchor="ctr"/>
+          <a:lstStyle/>
+          <a:p>
+            <a:pPr algn="ctr"/>
+            <a:endParaRPr kumimoji="1" lang="ja-JP" altLang="en-US"/>
+          </a:p>
+        </p:txBody>
+      </p:sp>
+      <p:sp>
+        <p:nvSpPr>
+          <p:cNvPr id="12" name="二等辺三角形 11"/>
+          <p:cNvSpPr/>
+          <p:nvPr/>
+        </p:nvSpPr>
+        <p:spPr>
+          <a:xfrm rot="16200000">
+            <a:off x="2305029" y="3616030"/>
+            <a:ext cx="576000" cy="576000"/>
+          </a:xfrm>
+          <a:prstGeom prst="triangle">
+            <a:avLst/>
+          </a:prstGeom>
+          <a:solidFill>
+            <a:schemeClr val="bg1">
+              <a:lumMod val="65000"/>
+            </a:schemeClr>
+          </a:solidFill>
+          <a:scene3d>
+            <a:camera prst="orthographicFront"/>
+            <a:lightRig rig="threePt" dir="t"/>
+          </a:scene3d>
+          <a:sp3d>
+            <a:bevelT w="190500" h="190500" prst="angle"/>
+          </a:sp3d>
+        </p:spPr>
+        <p:style>
+          <a:lnRef idx="2">
+            <a:schemeClr val="accent1">
+              <a:shade val="50000"/>
+            </a:schemeClr>
+          </a:lnRef>
+          <a:fillRef idx="1">
+            <a:schemeClr val="accent1"/>
+          </a:fillRef>
+          <a:effectRef idx="0">
+            <a:schemeClr val="accent1"/>
+          </a:effectRef>
+          <a:fontRef idx="minor">
+            <a:schemeClr val="lt1"/>
+          </a:fontRef>
+        </p:style>
+        <p:txBody>
+          <a:bodyPr rtlCol="0" anchor="ctr"/>
+          <a:lstStyle/>
+          <a:p>
+            <a:pPr algn="ctr"/>
+            <a:endParaRPr kumimoji="1" lang="ja-JP" altLang="en-US"/>
+          </a:p>
+        </p:txBody>
+      </p:sp>
+      <p:sp>
+        <p:nvSpPr>
+          <p:cNvPr id="13" name="二等辺三角形 12"/>
+          <p:cNvSpPr/>
+          <p:nvPr/>
+        </p:nvSpPr>
+        <p:spPr>
+          <a:xfrm rot="10800000">
+            <a:off x="2881029" y="4192030"/>
+            <a:ext cx="576000" cy="576000"/>
+          </a:xfrm>
+          <a:prstGeom prst="triangle">
+            <a:avLst/>
+          </a:prstGeom>
+          <a:solidFill>
+            <a:schemeClr val="bg1">
+              <a:lumMod val="65000"/>
+            </a:schemeClr>
+          </a:solidFill>
+          <a:scene3d>
+            <a:camera prst="orthographicFront"/>
+            <a:lightRig rig="threePt" dir="t"/>
+          </a:scene3d>
+          <a:sp3d>
+            <a:bevelT w="190500" h="190500" prst="angle"/>
+          </a:sp3d>
+        </p:spPr>
+        <p:style>
+          <a:lnRef idx="2">
+            <a:schemeClr val="accent1">
+              <a:shade val="50000"/>
+            </a:schemeClr>
+          </a:lnRef>
+          <a:fillRef idx="1">
+            <a:schemeClr val="accent1"/>
+          </a:fillRef>
+          <a:effectRef idx="0">
+            <a:schemeClr val="accent1"/>
+          </a:effectRef>
+          <a:fontRef idx="minor">
+            <a:schemeClr val="lt1"/>
+          </a:fontRef>
+        </p:style>
+        <p:txBody>
+          <a:bodyPr rtlCol="0" anchor="ctr"/>
+          <a:lstStyle/>
+          <a:p>
+            <a:pPr algn="ctr"/>
+            <a:endParaRPr kumimoji="1" lang="ja-JP" altLang="en-US"/>
+          </a:p>
+        </p:txBody>
+      </p:sp>
+      <p:sp>
+        <p:nvSpPr>
+          <p:cNvPr id="14" name="二等辺三角形 13"/>
+          <p:cNvSpPr/>
+          <p:nvPr/>
+        </p:nvSpPr>
+        <p:spPr>
+          <a:xfrm rot="5400000">
+            <a:off x="3465183" y="3616030"/>
+            <a:ext cx="576000" cy="576000"/>
+          </a:xfrm>
+          <a:prstGeom prst="triangle">
+            <a:avLst/>
+          </a:prstGeom>
+          <a:solidFill>
+            <a:schemeClr val="bg1">
+              <a:lumMod val="65000"/>
+            </a:schemeClr>
+          </a:solidFill>
+          <a:scene3d>
+            <a:camera prst="orthographicFront"/>
+            <a:lightRig rig="threePt" dir="t"/>
+          </a:scene3d>
+          <a:sp3d>
+            <a:bevelT w="190500" h="190500" prst="angle"/>
+          </a:sp3d>
+        </p:spPr>
+        <p:style>
+          <a:lnRef idx="2">
+            <a:schemeClr val="accent1">
+              <a:shade val="50000"/>
+            </a:schemeClr>
+          </a:lnRef>
+          <a:fillRef idx="1">
+            <a:schemeClr val="accent1"/>
+          </a:fillRef>
+          <a:effectRef idx="0">
+            <a:schemeClr val="accent1"/>
+          </a:effectRef>
+          <a:fontRef idx="minor">
+            <a:schemeClr val="lt1"/>
+          </a:fontRef>
+        </p:style>
+        <p:txBody>
+          <a:bodyPr rtlCol="0" anchor="ctr"/>
+          <a:lstStyle/>
+          <a:p>
+            <a:pPr algn="ctr"/>
+            <a:endParaRPr kumimoji="1" lang="ja-JP" altLang="en-US"/>
+          </a:p>
+        </p:txBody>
+      </p:sp>
     </p:spTree>
     <p:extLst>
       <p:ext uri="{BB962C8B-B14F-4D97-AF65-F5344CB8AC3E}">
@@ -5120,6 +5381,206 @@
           <a:p>
             <a:pPr algn="ctr"/>
             <a:endParaRPr kumimoji="1" lang="ja-JP" altLang="en-US" sz="9600" dirty="0"/>
+          </a:p>
+        </p:txBody>
+      </p:sp>
+      <p:sp>
+        <p:nvSpPr>
+          <p:cNvPr id="7" name="正方形/長方形 6"/>
+          <p:cNvSpPr/>
+          <p:nvPr/>
+        </p:nvSpPr>
+        <p:spPr>
+          <a:xfrm>
+            <a:off x="7148999" y="1173311"/>
+            <a:ext cx="1800000" cy="1800000"/>
+          </a:xfrm>
+          <a:prstGeom prst="rect">
+            <a:avLst/>
+          </a:prstGeom>
+          <a:scene3d>
+            <a:camera prst="orthographicFront"/>
+            <a:lightRig rig="threePt" dir="t"/>
+          </a:scene3d>
+          <a:sp3d>
+            <a:bevelT w="165100" prst="coolSlant"/>
+          </a:sp3d>
+        </p:spPr>
+        <p:style>
+          <a:lnRef idx="2">
+            <a:schemeClr val="accent1">
+              <a:shade val="50000"/>
+            </a:schemeClr>
+          </a:lnRef>
+          <a:fillRef idx="1">
+            <a:schemeClr val="accent1"/>
+          </a:fillRef>
+          <a:effectRef idx="0">
+            <a:schemeClr val="accent1"/>
+          </a:effectRef>
+          <a:fontRef idx="minor">
+            <a:schemeClr val="lt1"/>
+          </a:fontRef>
+        </p:style>
+        <p:txBody>
+          <a:bodyPr rtlCol="0" anchor="ctr"/>
+          <a:lstStyle/>
+          <a:p>
+            <a:pPr algn="ctr"/>
+            <a:endParaRPr kumimoji="1" lang="ja-JP" altLang="en-US"/>
+          </a:p>
+        </p:txBody>
+      </p:sp>
+      <p:sp>
+        <p:nvSpPr>
+          <p:cNvPr id="6" name="正方形/長方形 5"/>
+          <p:cNvSpPr/>
+          <p:nvPr/>
+        </p:nvSpPr>
+        <p:spPr>
+          <a:xfrm>
+            <a:off x="7238999" y="1260145"/>
+            <a:ext cx="1620000" cy="1620000"/>
+          </a:xfrm>
+          <a:prstGeom prst="rect">
+            <a:avLst/>
+          </a:prstGeom>
+          <a:solidFill>
+            <a:srgbClr val="FF0000"/>
+          </a:solidFill>
+          <a:ln>
+            <a:noFill/>
+          </a:ln>
+          <a:scene3d>
+            <a:camera prst="orthographicFront"/>
+            <a:lightRig rig="threePt" dir="t"/>
+          </a:scene3d>
+          <a:sp3d>
+            <a:bevelT w="165100" prst="coolSlant"/>
+          </a:sp3d>
+        </p:spPr>
+        <p:style>
+          <a:lnRef idx="2">
+            <a:schemeClr val="accent1">
+              <a:shade val="50000"/>
+            </a:schemeClr>
+          </a:lnRef>
+          <a:fillRef idx="1">
+            <a:schemeClr val="accent1"/>
+          </a:fillRef>
+          <a:effectRef idx="0">
+            <a:schemeClr val="accent1"/>
+          </a:effectRef>
+          <a:fontRef idx="minor">
+            <a:schemeClr val="lt1"/>
+          </a:fontRef>
+        </p:style>
+        <p:txBody>
+          <a:bodyPr rtlCol="0" anchor="ctr"/>
+          <a:lstStyle/>
+          <a:p>
+            <a:pPr algn="ctr"/>
+            <a:endParaRPr kumimoji="1" lang="ja-JP" altLang="en-US" dirty="0"/>
+          </a:p>
+        </p:txBody>
+      </p:sp>
+      <p:sp>
+        <p:nvSpPr>
+          <p:cNvPr id="8" name="正方形/長方形 7"/>
+          <p:cNvSpPr/>
+          <p:nvPr/>
+        </p:nvSpPr>
+        <p:spPr>
+          <a:xfrm>
+            <a:off x="5776507" y="3496582"/>
+            <a:ext cx="1800000" cy="1800000"/>
+          </a:xfrm>
+          <a:prstGeom prst="rect">
+            <a:avLst/>
+          </a:prstGeom>
+          <a:scene3d>
+            <a:camera prst="orthographicFront"/>
+            <a:lightRig rig="threePt" dir="t"/>
+          </a:scene3d>
+          <a:sp3d>
+            <a:bevelT w="165100" prst="coolSlant"/>
+          </a:sp3d>
+        </p:spPr>
+        <p:style>
+          <a:lnRef idx="2">
+            <a:schemeClr val="accent1">
+              <a:shade val="50000"/>
+            </a:schemeClr>
+          </a:lnRef>
+          <a:fillRef idx="1">
+            <a:schemeClr val="accent1"/>
+          </a:fillRef>
+          <a:effectRef idx="0">
+            <a:schemeClr val="accent1"/>
+          </a:effectRef>
+          <a:fontRef idx="minor">
+            <a:schemeClr val="lt1"/>
+          </a:fontRef>
+        </p:style>
+        <p:txBody>
+          <a:bodyPr rtlCol="0" anchor="ctr"/>
+          <a:lstStyle/>
+          <a:p>
+            <a:pPr algn="ctr"/>
+            <a:endParaRPr kumimoji="1" lang="ja-JP" altLang="en-US"/>
+          </a:p>
+        </p:txBody>
+      </p:sp>
+      <p:sp>
+        <p:nvSpPr>
+          <p:cNvPr id="9" name="正方形/長方形 8"/>
+          <p:cNvSpPr/>
+          <p:nvPr/>
+        </p:nvSpPr>
+        <p:spPr>
+          <a:xfrm>
+            <a:off x="5866507" y="3583416"/>
+            <a:ext cx="1620000" cy="1620000"/>
+          </a:xfrm>
+          <a:prstGeom prst="rect">
+            <a:avLst/>
+          </a:prstGeom>
+          <a:solidFill>
+            <a:srgbClr val="FF0000"/>
+          </a:solidFill>
+          <a:ln>
+            <a:noFill/>
+          </a:ln>
+          <a:scene3d>
+            <a:camera prst="orthographicFront"/>
+            <a:lightRig rig="threePt" dir="t"/>
+          </a:scene3d>
+          <a:sp3d>
+            <a:bevelT w="152400" h="95250" prst="softRound"/>
+          </a:sp3d>
+        </p:spPr>
+        <p:style>
+          <a:lnRef idx="2">
+            <a:schemeClr val="accent1">
+              <a:shade val="50000"/>
+            </a:schemeClr>
+          </a:lnRef>
+          <a:fillRef idx="1">
+            <a:schemeClr val="accent1"/>
+          </a:fillRef>
+          <a:effectRef idx="0">
+            <a:schemeClr val="accent1"/>
+          </a:effectRef>
+          <a:fontRef idx="minor">
+            <a:schemeClr val="lt1"/>
+          </a:fontRef>
+        </p:style>
+        <p:txBody>
+          <a:bodyPr rtlCol="0" anchor="ctr"/>
+          <a:lstStyle/>
+          <a:p>
+            <a:pPr algn="ctr"/>
+            <a:endParaRPr kumimoji="1" lang="ja-JP" altLang="en-US" dirty="0"/>
           </a:p>
         </p:txBody>
       </p:sp>

--- a/workspace/graphics [自動保存済み].pptx
+++ b/workspace/graphics [自動保存済み].pptx
@@ -11,6 +11,7 @@
     <p:sldId id="259" r:id="rId5"/>
     <p:sldId id="260" r:id="rId6"/>
     <p:sldId id="261" r:id="rId7"/>
+    <p:sldId id="262" r:id="rId8"/>
   </p:sldIdLst>
   <p:sldSz cx="12192000" cy="6858000"/>
   <p:notesSz cx="6858000" cy="9144000"/>
@@ -259,7 +260,7 @@
           <a:p>
             <a:fld id="{BDE6B29A-3B0B-4CF2-A9D6-582E4DDF12B3}" type="datetimeFigureOut">
               <a:rPr kumimoji="1" lang="ja-JP" altLang="en-US" smtClean="0"/>
-              <a:t>2016/5/20</a:t>
+              <a:t>2016/5/21</a:t>
             </a:fld>
             <a:endParaRPr kumimoji="1" lang="ja-JP" altLang="en-US"/>
           </a:p>
@@ -461,7 +462,7 @@
           <a:p>
             <a:fld id="{BDE6B29A-3B0B-4CF2-A9D6-582E4DDF12B3}" type="datetimeFigureOut">
               <a:rPr kumimoji="1" lang="ja-JP" altLang="en-US" smtClean="0"/>
-              <a:t>2016/5/20</a:t>
+              <a:t>2016/5/21</a:t>
             </a:fld>
             <a:endParaRPr kumimoji="1" lang="ja-JP" altLang="en-US"/>
           </a:p>
@@ -673,7 +674,7 @@
           <a:p>
             <a:fld id="{BDE6B29A-3B0B-4CF2-A9D6-582E4DDF12B3}" type="datetimeFigureOut">
               <a:rPr kumimoji="1" lang="ja-JP" altLang="en-US" smtClean="0"/>
-              <a:t>2016/5/20</a:t>
+              <a:t>2016/5/21</a:t>
             </a:fld>
             <a:endParaRPr kumimoji="1" lang="ja-JP" altLang="en-US"/>
           </a:p>
@@ -875,7 +876,7 @@
           <a:p>
             <a:fld id="{BDE6B29A-3B0B-4CF2-A9D6-582E4DDF12B3}" type="datetimeFigureOut">
               <a:rPr kumimoji="1" lang="ja-JP" altLang="en-US" smtClean="0"/>
-              <a:t>2016/5/20</a:t>
+              <a:t>2016/5/21</a:t>
             </a:fld>
             <a:endParaRPr kumimoji="1" lang="ja-JP" altLang="en-US"/>
           </a:p>
@@ -1121,7 +1122,7 @@
           <a:p>
             <a:fld id="{BDE6B29A-3B0B-4CF2-A9D6-582E4DDF12B3}" type="datetimeFigureOut">
               <a:rPr kumimoji="1" lang="ja-JP" altLang="en-US" smtClean="0"/>
-              <a:t>2016/5/20</a:t>
+              <a:t>2016/5/21</a:t>
             </a:fld>
             <a:endParaRPr kumimoji="1" lang="ja-JP" altLang="en-US"/>
           </a:p>
@@ -1417,7 +1418,7 @@
           <a:p>
             <a:fld id="{BDE6B29A-3B0B-4CF2-A9D6-582E4DDF12B3}" type="datetimeFigureOut">
               <a:rPr kumimoji="1" lang="ja-JP" altLang="en-US" smtClean="0"/>
-              <a:t>2016/5/20</a:t>
+              <a:t>2016/5/21</a:t>
             </a:fld>
             <a:endParaRPr kumimoji="1" lang="ja-JP" altLang="en-US"/>
           </a:p>
@@ -1848,7 +1849,7 @@
           <a:p>
             <a:fld id="{BDE6B29A-3B0B-4CF2-A9D6-582E4DDF12B3}" type="datetimeFigureOut">
               <a:rPr kumimoji="1" lang="ja-JP" altLang="en-US" smtClean="0"/>
-              <a:t>2016/5/20</a:t>
+              <a:t>2016/5/21</a:t>
             </a:fld>
             <a:endParaRPr kumimoji="1" lang="ja-JP" altLang="en-US"/>
           </a:p>
@@ -1966,7 +1967,7 @@
           <a:p>
             <a:fld id="{BDE6B29A-3B0B-4CF2-A9D6-582E4DDF12B3}" type="datetimeFigureOut">
               <a:rPr kumimoji="1" lang="ja-JP" altLang="en-US" smtClean="0"/>
-              <a:t>2016/5/20</a:t>
+              <a:t>2016/5/21</a:t>
             </a:fld>
             <a:endParaRPr kumimoji="1" lang="ja-JP" altLang="en-US"/>
           </a:p>
@@ -2061,7 +2062,7 @@
           <a:p>
             <a:fld id="{BDE6B29A-3B0B-4CF2-A9D6-582E4DDF12B3}" type="datetimeFigureOut">
               <a:rPr kumimoji="1" lang="ja-JP" altLang="en-US" smtClean="0"/>
-              <a:t>2016/5/20</a:t>
+              <a:t>2016/5/21</a:t>
             </a:fld>
             <a:endParaRPr kumimoji="1" lang="ja-JP" altLang="en-US"/>
           </a:p>
@@ -2370,7 +2371,7 @@
           <a:p>
             <a:fld id="{BDE6B29A-3B0B-4CF2-A9D6-582E4DDF12B3}" type="datetimeFigureOut">
               <a:rPr kumimoji="1" lang="ja-JP" altLang="en-US" smtClean="0"/>
-              <a:t>2016/5/20</a:t>
+              <a:t>2016/5/21</a:t>
             </a:fld>
             <a:endParaRPr kumimoji="1" lang="ja-JP" altLang="en-US"/>
           </a:p>
@@ -2623,7 +2624,7 @@
           <a:p>
             <a:fld id="{BDE6B29A-3B0B-4CF2-A9D6-582E4DDF12B3}" type="datetimeFigureOut">
               <a:rPr kumimoji="1" lang="ja-JP" altLang="en-US" smtClean="0"/>
-              <a:t>2016/5/20</a:t>
+              <a:t>2016/5/21</a:t>
             </a:fld>
             <a:endParaRPr kumimoji="1" lang="ja-JP" altLang="en-US"/>
           </a:p>
@@ -2868,7 +2869,7 @@
           <a:p>
             <a:fld id="{BDE6B29A-3B0B-4CF2-A9D6-582E4DDF12B3}" type="datetimeFigureOut">
               <a:rPr kumimoji="1" lang="ja-JP" altLang="en-US" smtClean="0"/>
-              <a:t>2016/5/20</a:t>
+              <a:t>2016/5/21</a:t>
             </a:fld>
             <a:endParaRPr kumimoji="1" lang="ja-JP" altLang="en-US"/>
           </a:p>
@@ -5597,6 +5598,88 @@
 </p:sld>
 </file>
 
+<file path=ppt/slides/slide7.xml><?xml version="1.0" encoding="utf-8"?>
+<p:sld xmlns:a="http://schemas.openxmlformats.org/drawingml/2006/main" xmlns:r="http://schemas.openxmlformats.org/officeDocument/2006/relationships" xmlns:p="http://schemas.openxmlformats.org/presentationml/2006/main">
+  <p:cSld>
+    <p:spTree>
+      <p:nvGrpSpPr>
+        <p:cNvPr id="1" name=""/>
+        <p:cNvGrpSpPr/>
+        <p:nvPr/>
+      </p:nvGrpSpPr>
+      <p:grpSpPr>
+        <a:xfrm>
+          <a:off x="0" y="0"/>
+          <a:ext cx="0" cy="0"/>
+          <a:chOff x="0" y="0"/>
+          <a:chExt cx="0" cy="0"/>
+        </a:xfrm>
+      </p:grpSpPr>
+      <p:sp>
+        <p:nvSpPr>
+          <p:cNvPr id="2" name="正方形/長方形 1"/>
+          <p:cNvSpPr/>
+          <p:nvPr/>
+        </p:nvSpPr>
+        <p:spPr>
+          <a:xfrm>
+            <a:off x="4660211" y="3249000"/>
+            <a:ext cx="1800000" cy="1800000"/>
+          </a:xfrm>
+          <a:prstGeom prst="rect">
+            <a:avLst/>
+          </a:prstGeom>
+          <a:pattFill prst="wdDnDiag">
+            <a:fgClr>
+              <a:srgbClr val="9DE5FF"/>
+            </a:fgClr>
+            <a:bgClr>
+              <a:srgbClr val="FFFF00"/>
+            </a:bgClr>
+          </a:pattFill>
+          <a:ln>
+            <a:noFill/>
+          </a:ln>
+          <a:effectLst/>
+        </p:spPr>
+        <p:style>
+          <a:lnRef idx="2">
+            <a:schemeClr val="accent1">
+              <a:shade val="50000"/>
+            </a:schemeClr>
+          </a:lnRef>
+          <a:fillRef idx="1">
+            <a:schemeClr val="accent1"/>
+          </a:fillRef>
+          <a:effectRef idx="0">
+            <a:schemeClr val="accent1"/>
+          </a:effectRef>
+          <a:fontRef idx="minor">
+            <a:schemeClr val="lt1"/>
+          </a:fontRef>
+        </p:style>
+        <p:txBody>
+          <a:bodyPr lIns="90000" tIns="46800" rIns="90000" bIns="360000" rtlCol="0" anchor="ctr"/>
+          <a:lstStyle/>
+          <a:p>
+            <a:pPr algn="ctr"/>
+            <a:endParaRPr kumimoji="1" lang="ja-JP" altLang="en-US" sz="9600" dirty="0"/>
+          </a:p>
+        </p:txBody>
+      </p:sp>
+    </p:spTree>
+    <p:extLst>
+      <p:ext uri="{BB962C8B-B14F-4D97-AF65-F5344CB8AC3E}">
+        <p14:creationId xmlns:p14="http://schemas.microsoft.com/office/powerpoint/2010/main" val="2124711303"/>
+      </p:ext>
+    </p:extLst>
+  </p:cSld>
+  <p:clrMapOvr>
+    <a:masterClrMapping/>
+  </p:clrMapOvr>
+</p:sld>
+</file>
+
 <file path=ppt/theme/theme1.xml><?xml version="1.0" encoding="utf-8"?>
 <a:theme xmlns:a="http://schemas.openxmlformats.org/drawingml/2006/main" name="Office テーマ">
   <a:themeElements>

--- a/workspace/graphics [自動保存済み].pptx
+++ b/workspace/graphics [自動保存済み].pptx
@@ -260,7 +260,7 @@
           <a:p>
             <a:fld id="{BDE6B29A-3B0B-4CF2-A9D6-582E4DDF12B3}" type="datetimeFigureOut">
               <a:rPr kumimoji="1" lang="ja-JP" altLang="en-US" smtClean="0"/>
-              <a:t>2016/5/21</a:t>
+              <a:t>2016/5/23</a:t>
             </a:fld>
             <a:endParaRPr kumimoji="1" lang="ja-JP" altLang="en-US"/>
           </a:p>
@@ -462,7 +462,7 @@
           <a:p>
             <a:fld id="{BDE6B29A-3B0B-4CF2-A9D6-582E4DDF12B3}" type="datetimeFigureOut">
               <a:rPr kumimoji="1" lang="ja-JP" altLang="en-US" smtClean="0"/>
-              <a:t>2016/5/21</a:t>
+              <a:t>2016/5/23</a:t>
             </a:fld>
             <a:endParaRPr kumimoji="1" lang="ja-JP" altLang="en-US"/>
           </a:p>
@@ -674,7 +674,7 @@
           <a:p>
             <a:fld id="{BDE6B29A-3B0B-4CF2-A9D6-582E4DDF12B3}" type="datetimeFigureOut">
               <a:rPr kumimoji="1" lang="ja-JP" altLang="en-US" smtClean="0"/>
-              <a:t>2016/5/21</a:t>
+              <a:t>2016/5/23</a:t>
             </a:fld>
             <a:endParaRPr kumimoji="1" lang="ja-JP" altLang="en-US"/>
           </a:p>
@@ -876,7 +876,7 @@
           <a:p>
             <a:fld id="{BDE6B29A-3B0B-4CF2-A9D6-582E4DDF12B3}" type="datetimeFigureOut">
               <a:rPr kumimoji="1" lang="ja-JP" altLang="en-US" smtClean="0"/>
-              <a:t>2016/5/21</a:t>
+              <a:t>2016/5/23</a:t>
             </a:fld>
             <a:endParaRPr kumimoji="1" lang="ja-JP" altLang="en-US"/>
           </a:p>
@@ -1122,7 +1122,7 @@
           <a:p>
             <a:fld id="{BDE6B29A-3B0B-4CF2-A9D6-582E4DDF12B3}" type="datetimeFigureOut">
               <a:rPr kumimoji="1" lang="ja-JP" altLang="en-US" smtClean="0"/>
-              <a:t>2016/5/21</a:t>
+              <a:t>2016/5/23</a:t>
             </a:fld>
             <a:endParaRPr kumimoji="1" lang="ja-JP" altLang="en-US"/>
           </a:p>
@@ -1418,7 +1418,7 @@
           <a:p>
             <a:fld id="{BDE6B29A-3B0B-4CF2-A9D6-582E4DDF12B3}" type="datetimeFigureOut">
               <a:rPr kumimoji="1" lang="ja-JP" altLang="en-US" smtClean="0"/>
-              <a:t>2016/5/21</a:t>
+              <a:t>2016/5/23</a:t>
             </a:fld>
             <a:endParaRPr kumimoji="1" lang="ja-JP" altLang="en-US"/>
           </a:p>
@@ -1849,7 +1849,7 @@
           <a:p>
             <a:fld id="{BDE6B29A-3B0B-4CF2-A9D6-582E4DDF12B3}" type="datetimeFigureOut">
               <a:rPr kumimoji="1" lang="ja-JP" altLang="en-US" smtClean="0"/>
-              <a:t>2016/5/21</a:t>
+              <a:t>2016/5/23</a:t>
             </a:fld>
             <a:endParaRPr kumimoji="1" lang="ja-JP" altLang="en-US"/>
           </a:p>
@@ -1967,7 +1967,7 @@
           <a:p>
             <a:fld id="{BDE6B29A-3B0B-4CF2-A9D6-582E4DDF12B3}" type="datetimeFigureOut">
               <a:rPr kumimoji="1" lang="ja-JP" altLang="en-US" smtClean="0"/>
-              <a:t>2016/5/21</a:t>
+              <a:t>2016/5/23</a:t>
             </a:fld>
             <a:endParaRPr kumimoji="1" lang="ja-JP" altLang="en-US"/>
           </a:p>
@@ -2062,7 +2062,7 @@
           <a:p>
             <a:fld id="{BDE6B29A-3B0B-4CF2-A9D6-582E4DDF12B3}" type="datetimeFigureOut">
               <a:rPr kumimoji="1" lang="ja-JP" altLang="en-US" smtClean="0"/>
-              <a:t>2016/5/21</a:t>
+              <a:t>2016/5/23</a:t>
             </a:fld>
             <a:endParaRPr kumimoji="1" lang="ja-JP" altLang="en-US"/>
           </a:p>
@@ -2371,7 +2371,7 @@
           <a:p>
             <a:fld id="{BDE6B29A-3B0B-4CF2-A9D6-582E4DDF12B3}" type="datetimeFigureOut">
               <a:rPr kumimoji="1" lang="ja-JP" altLang="en-US" smtClean="0"/>
-              <a:t>2016/5/21</a:t>
+              <a:t>2016/5/23</a:t>
             </a:fld>
             <a:endParaRPr kumimoji="1" lang="ja-JP" altLang="en-US"/>
           </a:p>
@@ -2624,7 +2624,7 @@
           <a:p>
             <a:fld id="{BDE6B29A-3B0B-4CF2-A9D6-582E4DDF12B3}" type="datetimeFigureOut">
               <a:rPr kumimoji="1" lang="ja-JP" altLang="en-US" smtClean="0"/>
-              <a:t>2016/5/21</a:t>
+              <a:t>2016/5/23</a:t>
             </a:fld>
             <a:endParaRPr kumimoji="1" lang="ja-JP" altLang="en-US"/>
           </a:p>
@@ -2869,7 +2869,7 @@
           <a:p>
             <a:fld id="{BDE6B29A-3B0B-4CF2-A9D6-582E4DDF12B3}" type="datetimeFigureOut">
               <a:rPr kumimoji="1" lang="ja-JP" altLang="en-US" smtClean="0"/>
-              <a:t>2016/5/21</a:t>
+              <a:t>2016/5/23</a:t>
             </a:fld>
             <a:endParaRPr kumimoji="1" lang="ja-JP" altLang="en-US"/>
           </a:p>
@@ -5623,7 +5623,7 @@
         </p:nvSpPr>
         <p:spPr>
           <a:xfrm>
-            <a:off x="4660211" y="3249000"/>
+            <a:off x="1042952" y="4230635"/>
             <a:ext cx="1800000" cy="1800000"/>
           </a:xfrm>
           <a:prstGeom prst="rect">
@@ -5664,6 +5664,483 @@
           <a:p>
             <a:pPr algn="ctr"/>
             <a:endParaRPr kumimoji="1" lang="ja-JP" altLang="en-US" sz="9600" dirty="0"/>
+          </a:p>
+        </p:txBody>
+      </p:sp>
+      <p:sp>
+        <p:nvSpPr>
+          <p:cNvPr id="3" name="正方形/長方形 2"/>
+          <p:cNvSpPr/>
+          <p:nvPr/>
+        </p:nvSpPr>
+        <p:spPr>
+          <a:xfrm>
+            <a:off x="-204000" y="-594209"/>
+            <a:ext cx="12600000" cy="2520000"/>
+          </a:xfrm>
+          <a:prstGeom prst="rect">
+            <a:avLst/>
+          </a:prstGeom>
+          <a:blipFill>
+            <a:blip r:embed="rId2"/>
+            <a:tile tx="0" ty="0" sx="100000" sy="100000" flip="none" algn="tl"/>
+          </a:blipFill>
+          <a:ln>
+            <a:noFill/>
+          </a:ln>
+          <a:effectLst>
+            <a:outerShdw blurRad="57785" dist="33020" dir="3180000" algn="ctr">
+              <a:srgbClr val="000000">
+                <a:alpha val="30000"/>
+              </a:srgbClr>
+            </a:outerShdw>
+          </a:effectLst>
+          <a:scene3d>
+            <a:camera prst="orthographicFront">
+              <a:rot lat="0" lon="0" rev="0"/>
+            </a:camera>
+            <a:lightRig rig="brightRoom" dir="t">
+              <a:rot lat="0" lon="0" rev="600000"/>
+            </a:lightRig>
+          </a:scene3d>
+          <a:sp3d prstMaterial="metal">
+            <a:bevelT w="38100" h="57150" prst="angle"/>
+          </a:sp3d>
+        </p:spPr>
+        <p:style>
+          <a:lnRef idx="2">
+            <a:schemeClr val="accent1">
+              <a:shade val="50000"/>
+            </a:schemeClr>
+          </a:lnRef>
+          <a:fillRef idx="1">
+            <a:schemeClr val="accent1"/>
+          </a:fillRef>
+          <a:effectRef idx="0">
+            <a:schemeClr val="accent1"/>
+          </a:effectRef>
+          <a:fontRef idx="minor">
+            <a:schemeClr val="lt1"/>
+          </a:fontRef>
+        </p:style>
+        <p:txBody>
+          <a:bodyPr lIns="90000" tIns="46800" rIns="90000" bIns="360000" rtlCol="0" anchor="ctr"/>
+          <a:lstStyle/>
+          <a:p>
+            <a:pPr algn="ctr"/>
+            <a:endParaRPr kumimoji="1" lang="ja-JP" altLang="en-US" sz="9600" dirty="0"/>
+          </a:p>
+        </p:txBody>
+      </p:sp>
+      <p:sp>
+        <p:nvSpPr>
+          <p:cNvPr id="4" name="正方形/長方形 3"/>
+          <p:cNvSpPr/>
+          <p:nvPr/>
+        </p:nvSpPr>
+        <p:spPr>
+          <a:xfrm>
+            <a:off x="7850529" y="3664858"/>
+            <a:ext cx="1800000" cy="1800000"/>
+          </a:xfrm>
+          <a:prstGeom prst="rect">
+            <a:avLst/>
+          </a:prstGeom>
+          <a:noFill/>
+          <a:ln w="190500">
+            <a:solidFill>
+              <a:srgbClr val="FFC000"/>
+            </a:solidFill>
+          </a:ln>
+          <a:scene3d>
+            <a:camera prst="orthographicFront"/>
+            <a:lightRig rig="threePt" dir="t"/>
+          </a:scene3d>
+          <a:sp3d>
+            <a:bevelT prst="angle"/>
+          </a:sp3d>
+        </p:spPr>
+        <p:style>
+          <a:lnRef idx="2">
+            <a:schemeClr val="accent1">
+              <a:shade val="50000"/>
+            </a:schemeClr>
+          </a:lnRef>
+          <a:fillRef idx="1">
+            <a:schemeClr val="accent1"/>
+          </a:fillRef>
+          <a:effectRef idx="0">
+            <a:schemeClr val="accent1"/>
+          </a:effectRef>
+          <a:fontRef idx="minor">
+            <a:schemeClr val="lt1"/>
+          </a:fontRef>
+        </p:style>
+        <p:txBody>
+          <a:bodyPr rtlCol="0" anchor="ctr"/>
+          <a:lstStyle/>
+          <a:p>
+            <a:pPr algn="ctr"/>
+            <a:endParaRPr kumimoji="1" lang="ja-JP" altLang="en-US"/>
+          </a:p>
+        </p:txBody>
+      </p:sp>
+      <p:sp>
+        <p:nvSpPr>
+          <p:cNvPr id="12" name="正方形/長方形 11"/>
+          <p:cNvSpPr/>
+          <p:nvPr/>
+        </p:nvSpPr>
+        <p:spPr>
+          <a:xfrm rot="18879003">
+            <a:off x="8733095" y="4934993"/>
+            <a:ext cx="1017403" cy="123942"/>
+          </a:xfrm>
+          <a:custGeom>
+            <a:avLst/>
+            <a:gdLst>
+              <a:gd name="connsiteX0" fmla="*/ 0 w 984234"/>
+              <a:gd name="connsiteY0" fmla="*/ 0 h 123942"/>
+              <a:gd name="connsiteX1" fmla="*/ 984234 w 984234"/>
+              <a:gd name="connsiteY1" fmla="*/ 0 h 123942"/>
+              <a:gd name="connsiteX2" fmla="*/ 984234 w 984234"/>
+              <a:gd name="connsiteY2" fmla="*/ 123942 h 123942"/>
+              <a:gd name="connsiteX3" fmla="*/ 0 w 984234"/>
+              <a:gd name="connsiteY3" fmla="*/ 123942 h 123942"/>
+              <a:gd name="connsiteX4" fmla="*/ 0 w 984234"/>
+              <a:gd name="connsiteY4" fmla="*/ 0 h 123942"/>
+              <a:gd name="connsiteX0" fmla="*/ 0 w 1115588"/>
+              <a:gd name="connsiteY0" fmla="*/ 2566 h 126508"/>
+              <a:gd name="connsiteX1" fmla="*/ 1115588 w 1115588"/>
+              <a:gd name="connsiteY1" fmla="*/ 0 h 126508"/>
+              <a:gd name="connsiteX2" fmla="*/ 984234 w 1115588"/>
+              <a:gd name="connsiteY2" fmla="*/ 126508 h 126508"/>
+              <a:gd name="connsiteX3" fmla="*/ 0 w 1115588"/>
+              <a:gd name="connsiteY3" fmla="*/ 126508 h 126508"/>
+              <a:gd name="connsiteX4" fmla="*/ 0 w 1115588"/>
+              <a:gd name="connsiteY4" fmla="*/ 2566 h 126508"/>
+              <a:gd name="connsiteX0" fmla="*/ 0 w 1108171"/>
+              <a:gd name="connsiteY0" fmla="*/ 14403 h 138345"/>
+              <a:gd name="connsiteX1" fmla="*/ 1108171 w 1108171"/>
+              <a:gd name="connsiteY1" fmla="*/ 0 h 138345"/>
+              <a:gd name="connsiteX2" fmla="*/ 984234 w 1108171"/>
+              <a:gd name="connsiteY2" fmla="*/ 138345 h 138345"/>
+              <a:gd name="connsiteX3" fmla="*/ 0 w 1108171"/>
+              <a:gd name="connsiteY3" fmla="*/ 138345 h 138345"/>
+              <a:gd name="connsiteX4" fmla="*/ 0 w 1108171"/>
+              <a:gd name="connsiteY4" fmla="*/ 14403 h 138345"/>
+              <a:gd name="connsiteX0" fmla="*/ 0 w 1108171"/>
+              <a:gd name="connsiteY0" fmla="*/ 14403 h 138345"/>
+              <a:gd name="connsiteX1" fmla="*/ 1108171 w 1108171"/>
+              <a:gd name="connsiteY1" fmla="*/ 0 h 138345"/>
+              <a:gd name="connsiteX2" fmla="*/ 984234 w 1108171"/>
+              <a:gd name="connsiteY2" fmla="*/ 138345 h 138345"/>
+              <a:gd name="connsiteX3" fmla="*/ 0 w 1108171"/>
+              <a:gd name="connsiteY3" fmla="*/ 138345 h 138345"/>
+              <a:gd name="connsiteX4" fmla="*/ 0 w 1108171"/>
+              <a:gd name="connsiteY4" fmla="*/ 14403 h 138345"/>
+              <a:gd name="connsiteX0" fmla="*/ 0 w 1117292"/>
+              <a:gd name="connsiteY0" fmla="*/ 0 h 123942"/>
+              <a:gd name="connsiteX1" fmla="*/ 1117293 w 1117292"/>
+              <a:gd name="connsiteY1" fmla="*/ 4170 h 123942"/>
+              <a:gd name="connsiteX2" fmla="*/ 984234 w 1117292"/>
+              <a:gd name="connsiteY2" fmla="*/ 123942 h 123942"/>
+              <a:gd name="connsiteX3" fmla="*/ 0 w 1117292"/>
+              <a:gd name="connsiteY3" fmla="*/ 123942 h 123942"/>
+              <a:gd name="connsiteX4" fmla="*/ 0 w 1117292"/>
+              <a:gd name="connsiteY4" fmla="*/ 0 h 123942"/>
+            </a:gdLst>
+            <a:ahLst/>
+            <a:cxnLst>
+              <a:cxn ang="0">
+                <a:pos x="connsiteX0" y="connsiteY0"/>
+              </a:cxn>
+              <a:cxn ang="0">
+                <a:pos x="connsiteX1" y="connsiteY1"/>
+              </a:cxn>
+              <a:cxn ang="0">
+                <a:pos x="connsiteX2" y="connsiteY2"/>
+              </a:cxn>
+              <a:cxn ang="0">
+                <a:pos x="connsiteX3" y="connsiteY3"/>
+              </a:cxn>
+              <a:cxn ang="0">
+                <a:pos x="connsiteX4" y="connsiteY4"/>
+              </a:cxn>
+            </a:cxnLst>
+            <a:rect l="l" t="t" r="r" b="b"/>
+            <a:pathLst>
+              <a:path w="1117292" h="123942">
+                <a:moveTo>
+                  <a:pt x="0" y="0"/>
+                </a:moveTo>
+                <a:lnTo>
+                  <a:pt x="1117293" y="4170"/>
+                </a:lnTo>
+                <a:lnTo>
+                  <a:pt x="984234" y="123942"/>
+                </a:lnTo>
+                <a:lnTo>
+                  <a:pt x="0" y="123942"/>
+                </a:lnTo>
+                <a:lnTo>
+                  <a:pt x="0" y="0"/>
+                </a:lnTo>
+                <a:close/>
+              </a:path>
+            </a:pathLst>
+          </a:custGeom>
+          <a:gradFill>
+            <a:gsLst>
+              <a:gs pos="0">
+                <a:schemeClr val="bg1"/>
+              </a:gs>
+              <a:gs pos="50000">
+                <a:srgbClr val="FF0000"/>
+              </a:gs>
+              <a:gs pos="100000">
+                <a:srgbClr val="FF0000"/>
+              </a:gs>
+            </a:gsLst>
+            <a:lin ang="2700000" scaled="0"/>
+          </a:gradFill>
+          <a:ln>
+            <a:noFill/>
+          </a:ln>
+          <a:effectLst>
+            <a:outerShdw blurRad="57785" dist="33020" dir="3180000" algn="ctr">
+              <a:srgbClr val="000000">
+                <a:alpha val="30000"/>
+              </a:srgbClr>
+            </a:outerShdw>
+          </a:effectLst>
+        </p:spPr>
+        <p:style>
+          <a:lnRef idx="2">
+            <a:schemeClr val="accent1">
+              <a:shade val="50000"/>
+            </a:schemeClr>
+          </a:lnRef>
+          <a:fillRef idx="1">
+            <a:schemeClr val="accent1"/>
+          </a:fillRef>
+          <a:effectRef idx="0">
+            <a:schemeClr val="accent1"/>
+          </a:effectRef>
+          <a:fontRef idx="minor">
+            <a:schemeClr val="lt1"/>
+          </a:fontRef>
+        </p:style>
+        <p:txBody>
+          <a:bodyPr rot="0" spcFirstLastPara="0" vertOverflow="overflow" horzOverflow="overflow" vert="horz" wrap="square" lIns="90000" tIns="46800" rIns="90000" bIns="360000" numCol="1" spcCol="0" rtlCol="0" fromWordArt="0" anchor="ctr" anchorCtr="0" forceAA="0" compatLnSpc="1">
+            <a:prstTxWarp prst="textNoShape">
+              <a:avLst/>
+            </a:prstTxWarp>
+            <a:noAutofit/>
+          </a:bodyPr>
+          <a:lstStyle/>
+          <a:p>
+            <a:pPr algn="ctr"/>
+            <a:endParaRPr kumimoji="1" lang="ja-JP" altLang="en-US" sz="9600" dirty="0"/>
+          </a:p>
+        </p:txBody>
+      </p:sp>
+      <p:sp>
+        <p:nvSpPr>
+          <p:cNvPr id="14" name="正方形/長方形 11"/>
+          <p:cNvSpPr/>
+          <p:nvPr/>
+        </p:nvSpPr>
+        <p:spPr>
+          <a:xfrm rot="2787089" flipV="1">
+            <a:off x="8735865" y="4300769"/>
+            <a:ext cx="1017403" cy="122400"/>
+          </a:xfrm>
+          <a:custGeom>
+            <a:avLst/>
+            <a:gdLst>
+              <a:gd name="connsiteX0" fmla="*/ 0 w 984234"/>
+              <a:gd name="connsiteY0" fmla="*/ 0 h 123942"/>
+              <a:gd name="connsiteX1" fmla="*/ 984234 w 984234"/>
+              <a:gd name="connsiteY1" fmla="*/ 0 h 123942"/>
+              <a:gd name="connsiteX2" fmla="*/ 984234 w 984234"/>
+              <a:gd name="connsiteY2" fmla="*/ 123942 h 123942"/>
+              <a:gd name="connsiteX3" fmla="*/ 0 w 984234"/>
+              <a:gd name="connsiteY3" fmla="*/ 123942 h 123942"/>
+              <a:gd name="connsiteX4" fmla="*/ 0 w 984234"/>
+              <a:gd name="connsiteY4" fmla="*/ 0 h 123942"/>
+              <a:gd name="connsiteX0" fmla="*/ 0 w 1115588"/>
+              <a:gd name="connsiteY0" fmla="*/ 2566 h 126508"/>
+              <a:gd name="connsiteX1" fmla="*/ 1115588 w 1115588"/>
+              <a:gd name="connsiteY1" fmla="*/ 0 h 126508"/>
+              <a:gd name="connsiteX2" fmla="*/ 984234 w 1115588"/>
+              <a:gd name="connsiteY2" fmla="*/ 126508 h 126508"/>
+              <a:gd name="connsiteX3" fmla="*/ 0 w 1115588"/>
+              <a:gd name="connsiteY3" fmla="*/ 126508 h 126508"/>
+              <a:gd name="connsiteX4" fmla="*/ 0 w 1115588"/>
+              <a:gd name="connsiteY4" fmla="*/ 2566 h 126508"/>
+              <a:gd name="connsiteX0" fmla="*/ 0 w 1108171"/>
+              <a:gd name="connsiteY0" fmla="*/ 14403 h 138345"/>
+              <a:gd name="connsiteX1" fmla="*/ 1108171 w 1108171"/>
+              <a:gd name="connsiteY1" fmla="*/ 0 h 138345"/>
+              <a:gd name="connsiteX2" fmla="*/ 984234 w 1108171"/>
+              <a:gd name="connsiteY2" fmla="*/ 138345 h 138345"/>
+              <a:gd name="connsiteX3" fmla="*/ 0 w 1108171"/>
+              <a:gd name="connsiteY3" fmla="*/ 138345 h 138345"/>
+              <a:gd name="connsiteX4" fmla="*/ 0 w 1108171"/>
+              <a:gd name="connsiteY4" fmla="*/ 14403 h 138345"/>
+              <a:gd name="connsiteX0" fmla="*/ 0 w 1108171"/>
+              <a:gd name="connsiteY0" fmla="*/ 14403 h 138345"/>
+              <a:gd name="connsiteX1" fmla="*/ 1108171 w 1108171"/>
+              <a:gd name="connsiteY1" fmla="*/ 0 h 138345"/>
+              <a:gd name="connsiteX2" fmla="*/ 984234 w 1108171"/>
+              <a:gd name="connsiteY2" fmla="*/ 138345 h 138345"/>
+              <a:gd name="connsiteX3" fmla="*/ 0 w 1108171"/>
+              <a:gd name="connsiteY3" fmla="*/ 138345 h 138345"/>
+              <a:gd name="connsiteX4" fmla="*/ 0 w 1108171"/>
+              <a:gd name="connsiteY4" fmla="*/ 14403 h 138345"/>
+              <a:gd name="connsiteX0" fmla="*/ 0 w 1117292"/>
+              <a:gd name="connsiteY0" fmla="*/ 0 h 123942"/>
+              <a:gd name="connsiteX1" fmla="*/ 1117293 w 1117292"/>
+              <a:gd name="connsiteY1" fmla="*/ 4170 h 123942"/>
+              <a:gd name="connsiteX2" fmla="*/ 984234 w 1117292"/>
+              <a:gd name="connsiteY2" fmla="*/ 123942 h 123942"/>
+              <a:gd name="connsiteX3" fmla="*/ 0 w 1117292"/>
+              <a:gd name="connsiteY3" fmla="*/ 123942 h 123942"/>
+              <a:gd name="connsiteX4" fmla="*/ 0 w 1117292"/>
+              <a:gd name="connsiteY4" fmla="*/ 0 h 123942"/>
+            </a:gdLst>
+            <a:ahLst/>
+            <a:cxnLst>
+              <a:cxn ang="0">
+                <a:pos x="connsiteX0" y="connsiteY0"/>
+              </a:cxn>
+              <a:cxn ang="0">
+                <a:pos x="connsiteX1" y="connsiteY1"/>
+              </a:cxn>
+              <a:cxn ang="0">
+                <a:pos x="connsiteX2" y="connsiteY2"/>
+              </a:cxn>
+              <a:cxn ang="0">
+                <a:pos x="connsiteX3" y="connsiteY3"/>
+              </a:cxn>
+              <a:cxn ang="0">
+                <a:pos x="connsiteX4" y="connsiteY4"/>
+              </a:cxn>
+            </a:cxnLst>
+            <a:rect l="l" t="t" r="r" b="b"/>
+            <a:pathLst>
+              <a:path w="1117292" h="123942">
+                <a:moveTo>
+                  <a:pt x="0" y="0"/>
+                </a:moveTo>
+                <a:lnTo>
+                  <a:pt x="1117293" y="4170"/>
+                </a:lnTo>
+                <a:lnTo>
+                  <a:pt x="984234" y="123942"/>
+                </a:lnTo>
+                <a:lnTo>
+                  <a:pt x="0" y="123942"/>
+                </a:lnTo>
+                <a:lnTo>
+                  <a:pt x="0" y="0"/>
+                </a:lnTo>
+                <a:close/>
+              </a:path>
+            </a:pathLst>
+          </a:custGeom>
+          <a:solidFill>
+            <a:srgbClr val="FF0000"/>
+          </a:solidFill>
+          <a:ln>
+            <a:noFill/>
+          </a:ln>
+          <a:effectLst>
+            <a:outerShdw blurRad="57785" dist="33020" dir="3180000" algn="ctr">
+              <a:srgbClr val="000000">
+                <a:alpha val="30000"/>
+              </a:srgbClr>
+            </a:outerShdw>
+          </a:effectLst>
+        </p:spPr>
+        <p:style>
+          <a:lnRef idx="2">
+            <a:schemeClr val="accent1">
+              <a:shade val="50000"/>
+            </a:schemeClr>
+          </a:lnRef>
+          <a:fillRef idx="1">
+            <a:schemeClr val="accent1"/>
+          </a:fillRef>
+          <a:effectRef idx="0">
+            <a:schemeClr val="accent1"/>
+          </a:effectRef>
+          <a:fontRef idx="minor">
+            <a:schemeClr val="lt1"/>
+          </a:fontRef>
+        </p:style>
+        <p:txBody>
+          <a:bodyPr rot="0" spcFirstLastPara="0" vertOverflow="overflow" horzOverflow="overflow" vert="horz" wrap="square" lIns="90000" tIns="46800" rIns="90000" bIns="360000" numCol="1" spcCol="0" rtlCol="0" fromWordArt="0" anchor="ctr" anchorCtr="0" forceAA="0" compatLnSpc="1">
+            <a:prstTxWarp prst="textNoShape">
+              <a:avLst/>
+            </a:prstTxWarp>
+            <a:noAutofit/>
+          </a:bodyPr>
+          <a:lstStyle/>
+          <a:p>
+            <a:pPr algn="ctr"/>
+            <a:endParaRPr kumimoji="1" lang="ja-JP" altLang="en-US" sz="9600" dirty="0"/>
+          </a:p>
+        </p:txBody>
+      </p:sp>
+      <p:sp>
+        <p:nvSpPr>
+          <p:cNvPr id="5" name="円/楕円 4"/>
+          <p:cNvSpPr/>
+          <p:nvPr/>
+        </p:nvSpPr>
+        <p:spPr>
+          <a:xfrm>
+            <a:off x="8406568" y="3763651"/>
+            <a:ext cx="540000" cy="540000"/>
+          </a:xfrm>
+          <a:prstGeom prst="ellipse">
+            <a:avLst/>
+          </a:prstGeom>
+          <a:solidFill>
+            <a:srgbClr val="00B0F0"/>
+          </a:solidFill>
+          <a:scene3d>
+            <a:camera prst="orthographicFront"/>
+            <a:lightRig rig="threePt" dir="t"/>
+          </a:scene3d>
+          <a:sp3d>
+            <a:bevelT w="1905000" prst="coolSlant"/>
+          </a:sp3d>
+        </p:spPr>
+        <p:style>
+          <a:lnRef idx="2">
+            <a:schemeClr val="accent1">
+              <a:shade val="50000"/>
+            </a:schemeClr>
+          </a:lnRef>
+          <a:fillRef idx="1">
+            <a:schemeClr val="accent1"/>
+          </a:fillRef>
+          <a:effectRef idx="0">
+            <a:schemeClr val="accent1"/>
+          </a:effectRef>
+          <a:fontRef idx="minor">
+            <a:schemeClr val="lt1"/>
+          </a:fontRef>
+        </p:style>
+        <p:txBody>
+          <a:bodyPr rtlCol="0" anchor="ctr"/>
+          <a:lstStyle/>
+          <a:p>
+            <a:pPr algn="ctr"/>
+            <a:endParaRPr kumimoji="1" lang="ja-JP" altLang="en-US"/>
           </a:p>
         </p:txBody>
       </p:sp>
@@ -5934,9 +6411,10 @@
   <a:objectDefaults>
     <a:spDef>
       <a:spPr>
-        <a:solidFill>
-          <a:srgbClr val="00B050"/>
-        </a:solidFill>
+        <a:blipFill>
+          <a:blip xmlns:r="http://schemas.openxmlformats.org/officeDocument/2006/relationships" r:embed="rId1"/>
+          <a:tile tx="0" ty="0" sx="100000" sy="100000" flip="none" algn="tl"/>
+        </a:blipFill>
         <a:ln>
           <a:noFill/>
         </a:ln>
@@ -5962,7 +6440,7 @@
       <a:bodyPr lIns="90000" tIns="46800" rIns="90000" bIns="360000" rtlCol="0" anchor="ctr"/>
       <a:lstStyle>
         <a:defPPr algn="ctr">
-          <a:defRPr sz="9600" dirty="0"/>
+          <a:defRPr kumimoji="1" sz="9600" dirty="0"/>
         </a:defPPr>
       </a:lstStyle>
       <a:style>

--- a/workspace/graphics [自動保存済み].pptx
+++ b/workspace/graphics [自動保存済み].pptx
@@ -12,6 +12,8 @@
     <p:sldId id="260" r:id="rId6"/>
     <p:sldId id="261" r:id="rId7"/>
     <p:sldId id="262" r:id="rId8"/>
+    <p:sldId id="263" r:id="rId9"/>
+    <p:sldId id="264" r:id="rId10"/>
   </p:sldIdLst>
   <p:sldSz cx="12192000" cy="6858000"/>
   <p:notesSz cx="6858000" cy="9144000"/>
@@ -260,7 +262,7 @@
           <a:p>
             <a:fld id="{BDE6B29A-3B0B-4CF2-A9D6-582E4DDF12B3}" type="datetimeFigureOut">
               <a:rPr kumimoji="1" lang="ja-JP" altLang="en-US" smtClean="0"/>
-              <a:t>2016/5/23</a:t>
+              <a:t>2016/5/27</a:t>
             </a:fld>
             <a:endParaRPr kumimoji="1" lang="ja-JP" altLang="en-US"/>
           </a:p>
@@ -462,7 +464,7 @@
           <a:p>
             <a:fld id="{BDE6B29A-3B0B-4CF2-A9D6-582E4DDF12B3}" type="datetimeFigureOut">
               <a:rPr kumimoji="1" lang="ja-JP" altLang="en-US" smtClean="0"/>
-              <a:t>2016/5/23</a:t>
+              <a:t>2016/5/27</a:t>
             </a:fld>
             <a:endParaRPr kumimoji="1" lang="ja-JP" altLang="en-US"/>
           </a:p>
@@ -674,7 +676,7 @@
           <a:p>
             <a:fld id="{BDE6B29A-3B0B-4CF2-A9D6-582E4DDF12B3}" type="datetimeFigureOut">
               <a:rPr kumimoji="1" lang="ja-JP" altLang="en-US" smtClean="0"/>
-              <a:t>2016/5/23</a:t>
+              <a:t>2016/5/27</a:t>
             </a:fld>
             <a:endParaRPr kumimoji="1" lang="ja-JP" altLang="en-US"/>
           </a:p>
@@ -876,7 +878,7 @@
           <a:p>
             <a:fld id="{BDE6B29A-3B0B-4CF2-A9D6-582E4DDF12B3}" type="datetimeFigureOut">
               <a:rPr kumimoji="1" lang="ja-JP" altLang="en-US" smtClean="0"/>
-              <a:t>2016/5/23</a:t>
+              <a:t>2016/5/27</a:t>
             </a:fld>
             <a:endParaRPr kumimoji="1" lang="ja-JP" altLang="en-US"/>
           </a:p>
@@ -1122,7 +1124,7 @@
           <a:p>
             <a:fld id="{BDE6B29A-3B0B-4CF2-A9D6-582E4DDF12B3}" type="datetimeFigureOut">
               <a:rPr kumimoji="1" lang="ja-JP" altLang="en-US" smtClean="0"/>
-              <a:t>2016/5/23</a:t>
+              <a:t>2016/5/27</a:t>
             </a:fld>
             <a:endParaRPr kumimoji="1" lang="ja-JP" altLang="en-US"/>
           </a:p>
@@ -1418,7 +1420,7 @@
           <a:p>
             <a:fld id="{BDE6B29A-3B0B-4CF2-A9D6-582E4DDF12B3}" type="datetimeFigureOut">
               <a:rPr kumimoji="1" lang="ja-JP" altLang="en-US" smtClean="0"/>
-              <a:t>2016/5/23</a:t>
+              <a:t>2016/5/27</a:t>
             </a:fld>
             <a:endParaRPr kumimoji="1" lang="ja-JP" altLang="en-US"/>
           </a:p>
@@ -1849,7 +1851,7 @@
           <a:p>
             <a:fld id="{BDE6B29A-3B0B-4CF2-A9D6-582E4DDF12B3}" type="datetimeFigureOut">
               <a:rPr kumimoji="1" lang="ja-JP" altLang="en-US" smtClean="0"/>
-              <a:t>2016/5/23</a:t>
+              <a:t>2016/5/27</a:t>
             </a:fld>
             <a:endParaRPr kumimoji="1" lang="ja-JP" altLang="en-US"/>
           </a:p>
@@ -1967,7 +1969,7 @@
           <a:p>
             <a:fld id="{BDE6B29A-3B0B-4CF2-A9D6-582E4DDF12B3}" type="datetimeFigureOut">
               <a:rPr kumimoji="1" lang="ja-JP" altLang="en-US" smtClean="0"/>
-              <a:t>2016/5/23</a:t>
+              <a:t>2016/5/27</a:t>
             </a:fld>
             <a:endParaRPr kumimoji="1" lang="ja-JP" altLang="en-US"/>
           </a:p>
@@ -2062,7 +2064,7 @@
           <a:p>
             <a:fld id="{BDE6B29A-3B0B-4CF2-A9D6-582E4DDF12B3}" type="datetimeFigureOut">
               <a:rPr kumimoji="1" lang="ja-JP" altLang="en-US" smtClean="0"/>
-              <a:t>2016/5/23</a:t>
+              <a:t>2016/5/27</a:t>
             </a:fld>
             <a:endParaRPr kumimoji="1" lang="ja-JP" altLang="en-US"/>
           </a:p>
@@ -2371,7 +2373,7 @@
           <a:p>
             <a:fld id="{BDE6B29A-3B0B-4CF2-A9D6-582E4DDF12B3}" type="datetimeFigureOut">
               <a:rPr kumimoji="1" lang="ja-JP" altLang="en-US" smtClean="0"/>
-              <a:t>2016/5/23</a:t>
+              <a:t>2016/5/27</a:t>
             </a:fld>
             <a:endParaRPr kumimoji="1" lang="ja-JP" altLang="en-US"/>
           </a:p>
@@ -2624,7 +2626,7 @@
           <a:p>
             <a:fld id="{BDE6B29A-3B0B-4CF2-A9D6-582E4DDF12B3}" type="datetimeFigureOut">
               <a:rPr kumimoji="1" lang="ja-JP" altLang="en-US" smtClean="0"/>
-              <a:t>2016/5/23</a:t>
+              <a:t>2016/5/27</a:t>
             </a:fld>
             <a:endParaRPr kumimoji="1" lang="ja-JP" altLang="en-US"/>
           </a:p>
@@ -2869,7 +2871,7 @@
           <a:p>
             <a:fld id="{BDE6B29A-3B0B-4CF2-A9D6-582E4DDF12B3}" type="datetimeFigureOut">
               <a:rPr kumimoji="1" lang="ja-JP" altLang="en-US" smtClean="0"/>
-              <a:t>2016/5/23</a:t>
+              <a:t>2016/5/27</a:t>
             </a:fld>
             <a:endParaRPr kumimoji="1" lang="ja-JP" altLang="en-US"/>
           </a:p>
@@ -5252,7 +5254,7 @@
         </p:nvSpPr>
         <p:spPr>
           <a:xfrm>
-            <a:off x="964096" y="778963"/>
+            <a:off x="331507" y="93163"/>
             <a:ext cx="3600000" cy="3600000"/>
           </a:xfrm>
           <a:prstGeom prst="ellipse">
@@ -5340,8 +5342,8 @@
         </p:nvSpPr>
         <p:spPr>
           <a:xfrm>
-            <a:off x="1864096" y="1678963"/>
-            <a:ext cx="1800000" cy="1800000"/>
+            <a:off x="1051507" y="813163"/>
+            <a:ext cx="2160000" cy="2160000"/>
           </a:xfrm>
           <a:prstGeom prst="ellipse">
             <a:avLst/>
@@ -5582,6 +5584,281 @@
           <a:p>
             <a:pPr algn="ctr"/>
             <a:endParaRPr kumimoji="1" lang="ja-JP" altLang="en-US" dirty="0"/>
+          </a:p>
+        </p:txBody>
+      </p:sp>
+      <p:sp>
+        <p:nvSpPr>
+          <p:cNvPr id="10" name="円/楕円 9"/>
+          <p:cNvSpPr/>
+          <p:nvPr/>
+        </p:nvSpPr>
+        <p:spPr>
+          <a:xfrm>
+            <a:off x="1051507" y="3693163"/>
+            <a:ext cx="3600000" cy="3600000"/>
+          </a:xfrm>
+          <a:prstGeom prst="ellipse">
+            <a:avLst/>
+          </a:prstGeom>
+          <a:gradFill flip="none" rotWithShape="1">
+            <a:gsLst>
+              <a:gs pos="0">
+                <a:srgbClr val="FFFF00">
+                  <a:shade val="30000"/>
+                  <a:satMod val="115000"/>
+                </a:srgbClr>
+              </a:gs>
+              <a:gs pos="50000">
+                <a:srgbClr val="FFFF00">
+                  <a:shade val="67500"/>
+                  <a:satMod val="115000"/>
+                </a:srgbClr>
+              </a:gs>
+              <a:gs pos="100000">
+                <a:srgbClr val="FFFF00">
+                  <a:shade val="100000"/>
+                  <a:satMod val="115000"/>
+                </a:srgbClr>
+              </a:gs>
+            </a:gsLst>
+            <a:lin ang="13500000" scaled="1"/>
+            <a:tileRect/>
+          </a:gradFill>
+          <a:ln>
+            <a:noFill/>
+          </a:ln>
+          <a:effectLst>
+            <a:outerShdw blurRad="57785" dist="33020" dir="3180000" algn="ctr">
+              <a:srgbClr val="000000">
+                <a:alpha val="30000"/>
+              </a:srgbClr>
+            </a:outerShdw>
+          </a:effectLst>
+          <a:scene3d>
+            <a:camera prst="orthographicFront">
+              <a:rot lat="0" lon="0" rev="0"/>
+            </a:camera>
+            <a:lightRig rig="brightRoom" dir="t">
+              <a:rot lat="0" lon="0" rev="600000"/>
+            </a:lightRig>
+          </a:scene3d>
+          <a:sp3d prstMaterial="metal">
+            <a:bevelT w="38100" h="57150" prst="angle"/>
+          </a:sp3d>
+        </p:spPr>
+        <p:style>
+          <a:lnRef idx="2">
+            <a:schemeClr val="accent1">
+              <a:shade val="50000"/>
+            </a:schemeClr>
+          </a:lnRef>
+          <a:fillRef idx="1">
+            <a:schemeClr val="accent1"/>
+          </a:fillRef>
+          <a:effectRef idx="0">
+            <a:schemeClr val="accent1"/>
+          </a:effectRef>
+          <a:fontRef idx="minor">
+            <a:schemeClr val="lt1"/>
+          </a:fontRef>
+        </p:style>
+        <p:txBody>
+          <a:bodyPr lIns="90000" tIns="46800" rIns="90000" bIns="360000" rtlCol="0" anchor="ctr"/>
+          <a:lstStyle/>
+          <a:p>
+            <a:pPr algn="ctr"/>
+            <a:endParaRPr kumimoji="1" lang="ja-JP" altLang="en-US" sz="9600" dirty="0"/>
+          </a:p>
+        </p:txBody>
+      </p:sp>
+      <p:sp>
+        <p:nvSpPr>
+          <p:cNvPr id="11" name="円/楕円 10"/>
+          <p:cNvSpPr/>
+          <p:nvPr/>
+        </p:nvSpPr>
+        <p:spPr>
+          <a:xfrm>
+            <a:off x="1771507" y="4413163"/>
+            <a:ext cx="2160000" cy="2160000"/>
+          </a:xfrm>
+          <a:prstGeom prst="ellipse">
+            <a:avLst/>
+          </a:prstGeom>
+          <a:solidFill>
+            <a:srgbClr val="92D050"/>
+          </a:solidFill>
+          <a:ln>
+            <a:noFill/>
+          </a:ln>
+          <a:effectLst>
+            <a:innerShdw blurRad="622300">
+              <a:prstClr val="black"/>
+            </a:innerShdw>
+          </a:effectLst>
+        </p:spPr>
+        <p:style>
+          <a:lnRef idx="2">
+            <a:schemeClr val="accent1">
+              <a:shade val="50000"/>
+            </a:schemeClr>
+          </a:lnRef>
+          <a:fillRef idx="1">
+            <a:schemeClr val="accent1"/>
+          </a:fillRef>
+          <a:effectRef idx="0">
+            <a:schemeClr val="accent1"/>
+          </a:effectRef>
+          <a:fontRef idx="minor">
+            <a:schemeClr val="lt1"/>
+          </a:fontRef>
+        </p:style>
+        <p:txBody>
+          <a:bodyPr lIns="90000" tIns="46800" rIns="90000" bIns="360000" rtlCol="0" anchor="ctr"/>
+          <a:lstStyle/>
+          <a:p>
+            <a:pPr algn="ctr"/>
+            <a:endParaRPr kumimoji="1" lang="ja-JP" altLang="en-US" sz="9600" dirty="0"/>
+          </a:p>
+        </p:txBody>
+      </p:sp>
+      <p:sp>
+        <p:nvSpPr>
+          <p:cNvPr id="12" name="円/楕円 11"/>
+          <p:cNvSpPr/>
+          <p:nvPr/>
+        </p:nvSpPr>
+        <p:spPr>
+          <a:xfrm>
+            <a:off x="3504007" y="93163"/>
+            <a:ext cx="3600000" cy="3600000"/>
+          </a:xfrm>
+          <a:prstGeom prst="ellipse">
+            <a:avLst/>
+          </a:prstGeom>
+          <a:gradFill flip="none" rotWithShape="1">
+            <a:gsLst>
+              <a:gs pos="0">
+                <a:schemeClr val="bg1">
+                  <a:lumMod val="65000"/>
+                  <a:shade val="30000"/>
+                  <a:satMod val="115000"/>
+                </a:schemeClr>
+              </a:gs>
+              <a:gs pos="50000">
+                <a:schemeClr val="bg1">
+                  <a:lumMod val="65000"/>
+                  <a:shade val="67500"/>
+                  <a:satMod val="115000"/>
+                </a:schemeClr>
+              </a:gs>
+              <a:gs pos="100000">
+                <a:schemeClr val="bg1">
+                  <a:lumMod val="65000"/>
+                  <a:shade val="100000"/>
+                  <a:satMod val="115000"/>
+                </a:schemeClr>
+              </a:gs>
+            </a:gsLst>
+            <a:lin ang="16200000" scaled="1"/>
+            <a:tileRect/>
+          </a:gradFill>
+          <a:ln>
+            <a:noFill/>
+          </a:ln>
+          <a:effectLst>
+            <a:outerShdw blurRad="57785" dist="33020" dir="3180000" algn="ctr">
+              <a:srgbClr val="000000">
+                <a:alpha val="30000"/>
+              </a:srgbClr>
+            </a:outerShdw>
+          </a:effectLst>
+          <a:scene3d>
+            <a:camera prst="orthographicFront">
+              <a:rot lat="0" lon="0" rev="0"/>
+            </a:camera>
+            <a:lightRig rig="brightRoom" dir="t">
+              <a:rot lat="0" lon="0" rev="600000"/>
+            </a:lightRig>
+          </a:scene3d>
+          <a:sp3d prstMaterial="metal">
+            <a:bevelT w="38100" h="57150" prst="angle"/>
+          </a:sp3d>
+        </p:spPr>
+        <p:style>
+          <a:lnRef idx="2">
+            <a:schemeClr val="accent1">
+              <a:shade val="50000"/>
+            </a:schemeClr>
+          </a:lnRef>
+          <a:fillRef idx="1">
+            <a:schemeClr val="accent1"/>
+          </a:fillRef>
+          <a:effectRef idx="0">
+            <a:schemeClr val="accent1"/>
+          </a:effectRef>
+          <a:fontRef idx="minor">
+            <a:schemeClr val="lt1"/>
+          </a:fontRef>
+        </p:style>
+        <p:txBody>
+          <a:bodyPr lIns="90000" tIns="46800" rIns="90000" bIns="360000" rtlCol="0" anchor="ctr"/>
+          <a:lstStyle/>
+          <a:p>
+            <a:pPr algn="ctr"/>
+            <a:endParaRPr kumimoji="1" lang="ja-JP" altLang="en-US" sz="9600" dirty="0"/>
+          </a:p>
+        </p:txBody>
+      </p:sp>
+      <p:sp>
+        <p:nvSpPr>
+          <p:cNvPr id="13" name="円/楕円 12"/>
+          <p:cNvSpPr/>
+          <p:nvPr/>
+        </p:nvSpPr>
+        <p:spPr>
+          <a:xfrm>
+            <a:off x="4224007" y="813163"/>
+            <a:ext cx="2160000" cy="2160000"/>
+          </a:xfrm>
+          <a:prstGeom prst="ellipse">
+            <a:avLst/>
+          </a:prstGeom>
+          <a:solidFill>
+            <a:srgbClr val="00B0F0"/>
+          </a:solidFill>
+          <a:ln>
+            <a:noFill/>
+          </a:ln>
+          <a:effectLst>
+            <a:innerShdw blurRad="622300">
+              <a:prstClr val="black"/>
+            </a:innerShdw>
+          </a:effectLst>
+        </p:spPr>
+        <p:style>
+          <a:lnRef idx="2">
+            <a:schemeClr val="accent1">
+              <a:shade val="50000"/>
+            </a:schemeClr>
+          </a:lnRef>
+          <a:fillRef idx="1">
+            <a:schemeClr val="accent1"/>
+          </a:fillRef>
+          <a:effectRef idx="0">
+            <a:schemeClr val="accent1"/>
+          </a:effectRef>
+          <a:fontRef idx="minor">
+            <a:schemeClr val="lt1"/>
+          </a:fontRef>
+        </p:style>
+        <p:txBody>
+          <a:bodyPr lIns="90000" tIns="46800" rIns="90000" bIns="360000" rtlCol="0" anchor="ctr"/>
+          <a:lstStyle/>
+          <a:p>
+            <a:pPr algn="ctr"/>
+            <a:endParaRPr kumimoji="1" lang="ja-JP" altLang="en-US" sz="9600" dirty="0"/>
           </a:p>
         </p:txBody>
       </p:sp>
@@ -6144,10 +6421,478 @@
           </a:p>
         </p:txBody>
       </p:sp>
+      <p:sp>
+        <p:nvSpPr>
+          <p:cNvPr id="6" name="正方形/長方形 5"/>
+          <p:cNvSpPr/>
+          <p:nvPr/>
+        </p:nvSpPr>
+        <p:spPr>
+          <a:xfrm>
+            <a:off x="3307976" y="2635623"/>
+            <a:ext cx="3482789" cy="3395011"/>
+          </a:xfrm>
+          <a:prstGeom prst="rect">
+            <a:avLst/>
+          </a:prstGeom>
+          <a:solidFill>
+            <a:srgbClr val="FFC000"/>
+          </a:solidFill>
+          <a:ln>
+            <a:noFill/>
+          </a:ln>
+          <a:effectLst>
+            <a:outerShdw blurRad="57785" dist="33020" dir="3180000" algn="ctr">
+              <a:srgbClr val="000000">
+                <a:alpha val="30000"/>
+              </a:srgbClr>
+            </a:outerShdw>
+          </a:effectLst>
+          <a:scene3d>
+            <a:camera prst="orthographicFront">
+              <a:rot lat="0" lon="0" rev="0"/>
+            </a:camera>
+            <a:lightRig rig="brightRoom" dir="t">
+              <a:rot lat="0" lon="0" rev="600000"/>
+            </a:lightRig>
+          </a:scene3d>
+          <a:sp3d prstMaterial="metal">
+            <a:bevelT w="38100" h="57150" prst="angle"/>
+          </a:sp3d>
+        </p:spPr>
+        <p:style>
+          <a:lnRef idx="2">
+            <a:schemeClr val="accent1">
+              <a:shade val="50000"/>
+            </a:schemeClr>
+          </a:lnRef>
+          <a:fillRef idx="1">
+            <a:schemeClr val="accent1"/>
+          </a:fillRef>
+          <a:effectRef idx="0">
+            <a:schemeClr val="accent1"/>
+          </a:effectRef>
+          <a:fontRef idx="minor">
+            <a:schemeClr val="lt1"/>
+          </a:fontRef>
+        </p:style>
+        <p:txBody>
+          <a:bodyPr lIns="90000" tIns="46800" rIns="90000" bIns="360000" rtlCol="0" anchor="ctr"/>
+          <a:lstStyle/>
+          <a:p>
+            <a:pPr algn="ctr"/>
+            <a:endParaRPr kumimoji="1" lang="ja-JP" altLang="en-US" sz="9600" dirty="0"/>
+          </a:p>
+        </p:txBody>
+      </p:sp>
     </p:spTree>
     <p:extLst>
       <p:ext uri="{BB962C8B-B14F-4D97-AF65-F5344CB8AC3E}">
         <p14:creationId xmlns:p14="http://schemas.microsoft.com/office/powerpoint/2010/main" val="2124711303"/>
+      </p:ext>
+    </p:extLst>
+  </p:cSld>
+  <p:clrMapOvr>
+    <a:masterClrMapping/>
+  </p:clrMapOvr>
+</p:sld>
+</file>
+
+<file path=ppt/slides/slide8.xml><?xml version="1.0" encoding="utf-8"?>
+<p:sld xmlns:a="http://schemas.openxmlformats.org/drawingml/2006/main" xmlns:r="http://schemas.openxmlformats.org/officeDocument/2006/relationships" xmlns:p="http://schemas.openxmlformats.org/presentationml/2006/main">
+  <p:cSld>
+    <p:spTree>
+      <p:nvGrpSpPr>
+        <p:cNvPr id="1" name=""/>
+        <p:cNvGrpSpPr/>
+        <p:nvPr/>
+      </p:nvGrpSpPr>
+      <p:grpSpPr>
+        <a:xfrm>
+          <a:off x="0" y="0"/>
+          <a:ext cx="0" cy="0"/>
+          <a:chOff x="0" y="0"/>
+          <a:chExt cx="0" cy="0"/>
+        </a:xfrm>
+      </p:grpSpPr>
+      <p:sp>
+        <p:nvSpPr>
+          <p:cNvPr id="3" name="正方形/長方形 2"/>
+          <p:cNvSpPr/>
+          <p:nvPr/>
+        </p:nvSpPr>
+        <p:spPr>
+          <a:xfrm>
+            <a:off x="1506071" y="1734670"/>
+            <a:ext cx="7200000" cy="1800000"/>
+          </a:xfrm>
+          <a:prstGeom prst="rect">
+            <a:avLst/>
+          </a:prstGeom>
+          <a:solidFill>
+            <a:srgbClr val="0070C0"/>
+          </a:solidFill>
+          <a:ln>
+            <a:noFill/>
+          </a:ln>
+          <a:effectLst>
+            <a:outerShdw blurRad="381000" sx="115000" sy="115000" algn="ctr" rotWithShape="0">
+              <a:prstClr val="black">
+                <a:alpha val="40000"/>
+              </a:prstClr>
+            </a:outerShdw>
+          </a:effectLst>
+          <a:scene3d>
+            <a:camera prst="orthographicFront">
+              <a:rot lat="0" lon="0" rev="0"/>
+            </a:camera>
+            <a:lightRig rig="brightRoom" dir="t">
+              <a:rot lat="0" lon="0" rev="600000"/>
+            </a:lightRig>
+          </a:scene3d>
+          <a:sp3d prstMaterial="metal">
+            <a:bevelT w="38100" h="57150" prst="angle"/>
+          </a:sp3d>
+        </p:spPr>
+        <p:style>
+          <a:lnRef idx="2">
+            <a:schemeClr val="accent1">
+              <a:shade val="50000"/>
+            </a:schemeClr>
+          </a:lnRef>
+          <a:fillRef idx="1">
+            <a:schemeClr val="accent1"/>
+          </a:fillRef>
+          <a:effectRef idx="0">
+            <a:schemeClr val="accent1"/>
+          </a:effectRef>
+          <a:fontRef idx="minor">
+            <a:schemeClr val="lt1"/>
+          </a:fontRef>
+        </p:style>
+        <p:txBody>
+          <a:bodyPr lIns="90000" tIns="46800" rIns="90000" bIns="360000" rtlCol="0" anchor="ctr"/>
+          <a:lstStyle/>
+          <a:p>
+            <a:pPr algn="ctr"/>
+            <a:endParaRPr kumimoji="1" lang="ja-JP" altLang="en-US" sz="9600" dirty="0"/>
+          </a:p>
+        </p:txBody>
+      </p:sp>
+    </p:spTree>
+    <p:extLst>
+      <p:ext uri="{BB962C8B-B14F-4D97-AF65-F5344CB8AC3E}">
+        <p14:creationId xmlns:p14="http://schemas.microsoft.com/office/powerpoint/2010/main" val="2529229790"/>
+      </p:ext>
+    </p:extLst>
+  </p:cSld>
+  <p:clrMapOvr>
+    <a:masterClrMapping/>
+  </p:clrMapOvr>
+</p:sld>
+</file>
+
+<file path=ppt/slides/slide9.xml><?xml version="1.0" encoding="utf-8"?>
+<p:sld xmlns:a="http://schemas.openxmlformats.org/drawingml/2006/main" xmlns:r="http://schemas.openxmlformats.org/officeDocument/2006/relationships" xmlns:p="http://schemas.openxmlformats.org/presentationml/2006/main">
+  <p:cSld>
+    <p:bg>
+      <p:bgPr>
+        <a:solidFill>
+          <a:schemeClr val="accent1">
+            <a:lumMod val="40000"/>
+            <a:lumOff val="60000"/>
+          </a:schemeClr>
+        </a:solidFill>
+        <a:effectLst/>
+      </p:bgPr>
+    </p:bg>
+    <p:spTree>
+      <p:nvGrpSpPr>
+        <p:cNvPr id="1" name=""/>
+        <p:cNvGrpSpPr/>
+        <p:nvPr/>
+      </p:nvGrpSpPr>
+      <p:grpSpPr>
+        <a:xfrm>
+          <a:off x="0" y="0"/>
+          <a:ext cx="0" cy="0"/>
+          <a:chOff x="0" y="0"/>
+          <a:chExt cx="0" cy="0"/>
+        </a:xfrm>
+      </p:grpSpPr>
+      <p:cxnSp>
+        <p:nvCxnSpPr>
+          <p:cNvPr id="6" name="直線コネクタ 5"/>
+          <p:cNvCxnSpPr/>
+          <p:nvPr/>
+        </p:nvCxnSpPr>
+        <p:spPr>
+          <a:xfrm flipV="1">
+            <a:off x="1229396" y="2730500"/>
+            <a:ext cx="342229" cy="330200"/>
+          </a:xfrm>
+          <a:prstGeom prst="line">
+            <a:avLst/>
+          </a:prstGeom>
+          <a:ln w="57150">
+            <a:solidFill>
+              <a:schemeClr val="bg1"/>
+            </a:solidFill>
+          </a:ln>
+        </p:spPr>
+        <p:style>
+          <a:lnRef idx="1">
+            <a:schemeClr val="accent1"/>
+          </a:lnRef>
+          <a:fillRef idx="0">
+            <a:schemeClr val="accent1"/>
+          </a:fillRef>
+          <a:effectRef idx="0">
+            <a:schemeClr val="accent1"/>
+          </a:effectRef>
+          <a:fontRef idx="minor">
+            <a:schemeClr val="tx1"/>
+          </a:fontRef>
+        </p:style>
+      </p:cxnSp>
+      <p:sp>
+        <p:nvSpPr>
+          <p:cNvPr id="9" name="正方形/長方形 8"/>
+          <p:cNvSpPr/>
+          <p:nvPr/>
+        </p:nvSpPr>
+        <p:spPr>
+          <a:xfrm>
+            <a:off x="6677026" y="676275"/>
+            <a:ext cx="695324" cy="590550"/>
+          </a:xfrm>
+          <a:prstGeom prst="rect">
+            <a:avLst/>
+          </a:prstGeom>
+          <a:solidFill>
+            <a:schemeClr val="bg1"/>
+          </a:solidFill>
+          <a:ln>
+            <a:noFill/>
+          </a:ln>
+          <a:effectLst>
+            <a:outerShdw blurRad="57785" dist="33020" dir="3180000" algn="ctr">
+              <a:srgbClr val="000000">
+                <a:alpha val="30000"/>
+              </a:srgbClr>
+            </a:outerShdw>
+          </a:effectLst>
+          <a:scene3d>
+            <a:camera prst="orthographicFront">
+              <a:rot lat="0" lon="0" rev="0"/>
+            </a:camera>
+            <a:lightRig rig="brightRoom" dir="t">
+              <a:rot lat="0" lon="0" rev="600000"/>
+            </a:lightRig>
+          </a:scene3d>
+          <a:sp3d prstMaterial="metal">
+            <a:bevelT w="38100" h="57150" prst="angle"/>
+          </a:sp3d>
+        </p:spPr>
+        <p:style>
+          <a:lnRef idx="2">
+            <a:schemeClr val="accent1">
+              <a:shade val="50000"/>
+            </a:schemeClr>
+          </a:lnRef>
+          <a:fillRef idx="1">
+            <a:schemeClr val="accent1"/>
+          </a:fillRef>
+          <a:effectRef idx="0">
+            <a:schemeClr val="accent1"/>
+          </a:effectRef>
+          <a:fontRef idx="minor">
+            <a:schemeClr val="lt1"/>
+          </a:fontRef>
+        </p:style>
+        <p:txBody>
+          <a:bodyPr lIns="90000" tIns="46800" rIns="90000" bIns="360000" rtlCol="0" anchor="ctr"/>
+          <a:lstStyle/>
+          <a:p>
+            <a:pPr algn="ctr"/>
+            <a:endParaRPr kumimoji="1" lang="ja-JP" altLang="en-US" sz="9600" dirty="0"/>
+          </a:p>
+        </p:txBody>
+      </p:sp>
+      <p:sp>
+        <p:nvSpPr>
+          <p:cNvPr id="10" name="正方形/長方形 9"/>
+          <p:cNvSpPr/>
+          <p:nvPr/>
+        </p:nvSpPr>
+        <p:spPr>
+          <a:xfrm>
+            <a:off x="6677025" y="1266825"/>
+            <a:ext cx="1409700" cy="590550"/>
+          </a:xfrm>
+          <a:prstGeom prst="rect">
+            <a:avLst/>
+          </a:prstGeom>
+          <a:solidFill>
+            <a:schemeClr val="bg1"/>
+          </a:solidFill>
+          <a:ln>
+            <a:noFill/>
+          </a:ln>
+          <a:effectLst>
+            <a:outerShdw blurRad="57785" dist="33020" dir="3180000" algn="ctr">
+              <a:srgbClr val="000000">
+                <a:alpha val="30000"/>
+              </a:srgbClr>
+            </a:outerShdw>
+          </a:effectLst>
+          <a:scene3d>
+            <a:camera prst="orthographicFront">
+              <a:rot lat="0" lon="0" rev="0"/>
+            </a:camera>
+            <a:lightRig rig="brightRoom" dir="t">
+              <a:rot lat="0" lon="0" rev="600000"/>
+            </a:lightRig>
+          </a:scene3d>
+          <a:sp3d prstMaterial="metal">
+            <a:bevelT w="38100" h="57150" prst="angle"/>
+          </a:sp3d>
+        </p:spPr>
+        <p:style>
+          <a:lnRef idx="2">
+            <a:schemeClr val="accent1">
+              <a:shade val="50000"/>
+            </a:schemeClr>
+          </a:lnRef>
+          <a:fillRef idx="1">
+            <a:schemeClr val="accent1"/>
+          </a:fillRef>
+          <a:effectRef idx="0">
+            <a:schemeClr val="accent1"/>
+          </a:effectRef>
+          <a:fontRef idx="minor">
+            <a:schemeClr val="lt1"/>
+          </a:fontRef>
+        </p:style>
+        <p:txBody>
+          <a:bodyPr lIns="90000" tIns="46800" rIns="90000" bIns="360000" rtlCol="0" anchor="ctr"/>
+          <a:lstStyle/>
+          <a:p>
+            <a:pPr algn="ctr"/>
+            <a:endParaRPr kumimoji="1" lang="ja-JP" altLang="en-US" sz="9600" dirty="0"/>
+          </a:p>
+        </p:txBody>
+      </p:sp>
+      <p:sp>
+        <p:nvSpPr>
+          <p:cNvPr id="11" name="正方形/長方形 10"/>
+          <p:cNvSpPr/>
+          <p:nvPr/>
+        </p:nvSpPr>
+        <p:spPr>
+          <a:xfrm>
+            <a:off x="6738939" y="862013"/>
+            <a:ext cx="219074" cy="219075"/>
+          </a:xfrm>
+          <a:prstGeom prst="rect">
+            <a:avLst/>
+          </a:prstGeom>
+          <a:solidFill>
+            <a:srgbClr val="0070C0"/>
+          </a:solidFill>
+          <a:ln>
+            <a:noFill/>
+          </a:ln>
+          <a:effectLst>
+            <a:outerShdw blurRad="57785" dist="33020" dir="3180000" algn="ctr">
+              <a:srgbClr val="000000">
+                <a:alpha val="30000"/>
+              </a:srgbClr>
+            </a:outerShdw>
+          </a:effectLst>
+        </p:spPr>
+        <p:style>
+          <a:lnRef idx="2">
+            <a:schemeClr val="accent1">
+              <a:shade val="50000"/>
+            </a:schemeClr>
+          </a:lnRef>
+          <a:fillRef idx="1">
+            <a:schemeClr val="accent1"/>
+          </a:fillRef>
+          <a:effectRef idx="0">
+            <a:schemeClr val="accent1"/>
+          </a:effectRef>
+          <a:fontRef idx="minor">
+            <a:schemeClr val="lt1"/>
+          </a:fontRef>
+        </p:style>
+        <p:txBody>
+          <a:bodyPr lIns="90000" tIns="46800" rIns="90000" bIns="360000" rtlCol="0" anchor="ctr"/>
+          <a:lstStyle/>
+          <a:p>
+            <a:pPr algn="ctr"/>
+            <a:endParaRPr kumimoji="1" lang="ja-JP" altLang="en-US" sz="9600" dirty="0"/>
+          </a:p>
+        </p:txBody>
+      </p:sp>
+      <p:sp>
+        <p:nvSpPr>
+          <p:cNvPr id="12" name="正方形/長方形 11"/>
+          <p:cNvSpPr/>
+          <p:nvPr/>
+        </p:nvSpPr>
+        <p:spPr>
+          <a:xfrm>
+            <a:off x="7055644" y="862013"/>
+            <a:ext cx="219074" cy="219075"/>
+          </a:xfrm>
+          <a:prstGeom prst="rect">
+            <a:avLst/>
+          </a:prstGeom>
+          <a:solidFill>
+            <a:srgbClr val="0070C0"/>
+          </a:solidFill>
+          <a:ln>
+            <a:noFill/>
+          </a:ln>
+          <a:effectLst>
+            <a:outerShdw blurRad="57785" dist="33020" dir="3180000" algn="ctr">
+              <a:srgbClr val="000000">
+                <a:alpha val="30000"/>
+              </a:srgbClr>
+            </a:outerShdw>
+          </a:effectLst>
+        </p:spPr>
+        <p:style>
+          <a:lnRef idx="2">
+            <a:schemeClr val="accent1">
+              <a:shade val="50000"/>
+            </a:schemeClr>
+          </a:lnRef>
+          <a:fillRef idx="1">
+            <a:schemeClr val="accent1"/>
+          </a:fillRef>
+          <a:effectRef idx="0">
+            <a:schemeClr val="accent1"/>
+          </a:effectRef>
+          <a:fontRef idx="minor">
+            <a:schemeClr val="lt1"/>
+          </a:fontRef>
+        </p:style>
+        <p:txBody>
+          <a:bodyPr lIns="90000" tIns="46800" rIns="90000" bIns="360000" rtlCol="0" anchor="ctr"/>
+          <a:lstStyle/>
+          <a:p>
+            <a:pPr algn="ctr"/>
+            <a:endParaRPr kumimoji="1" lang="ja-JP" altLang="en-US" sz="9600" dirty="0"/>
+          </a:p>
+        </p:txBody>
+      </p:sp>
+    </p:spTree>
+    <p:extLst>
+      <p:ext uri="{BB962C8B-B14F-4D97-AF65-F5344CB8AC3E}">
+        <p14:creationId xmlns:p14="http://schemas.microsoft.com/office/powerpoint/2010/main" val="3667381605"/>
       </p:ext>
     </p:extLst>
   </p:cSld>

--- a/workspace/graphics [自動保存済み].pptx
+++ b/workspace/graphics [自動保存済み].pptx
@@ -14,6 +14,7 @@
     <p:sldId id="262" r:id="rId8"/>
     <p:sldId id="263" r:id="rId9"/>
     <p:sldId id="264" r:id="rId10"/>
+    <p:sldId id="265" r:id="rId11"/>
   </p:sldIdLst>
   <p:sldSz cx="12192000" cy="6858000"/>
   <p:notesSz cx="6858000" cy="9144000"/>
@@ -120,7 +121,7 @@
             <a:srgbClr val="A4A3A4"/>
           </p15:clr>
         </p15:guide>
-        <p15:guide id="2" pos="3840" userDrawn="1">
+        <p15:guide id="2" pos="3817" userDrawn="1">
           <p15:clr>
             <a:srgbClr val="A4A3A4"/>
           </p15:clr>
@@ -262,7 +263,7 @@
           <a:p>
             <a:fld id="{BDE6B29A-3B0B-4CF2-A9D6-582E4DDF12B3}" type="datetimeFigureOut">
               <a:rPr kumimoji="1" lang="ja-JP" altLang="en-US" smtClean="0"/>
-              <a:t>2016/5/27</a:t>
+              <a:t>2016/5/29</a:t>
             </a:fld>
             <a:endParaRPr kumimoji="1" lang="ja-JP" altLang="en-US"/>
           </a:p>
@@ -464,7 +465,7 @@
           <a:p>
             <a:fld id="{BDE6B29A-3B0B-4CF2-A9D6-582E4DDF12B3}" type="datetimeFigureOut">
               <a:rPr kumimoji="1" lang="ja-JP" altLang="en-US" smtClean="0"/>
-              <a:t>2016/5/27</a:t>
+              <a:t>2016/5/29</a:t>
             </a:fld>
             <a:endParaRPr kumimoji="1" lang="ja-JP" altLang="en-US"/>
           </a:p>
@@ -676,7 +677,7 @@
           <a:p>
             <a:fld id="{BDE6B29A-3B0B-4CF2-A9D6-582E4DDF12B3}" type="datetimeFigureOut">
               <a:rPr kumimoji="1" lang="ja-JP" altLang="en-US" smtClean="0"/>
-              <a:t>2016/5/27</a:t>
+              <a:t>2016/5/29</a:t>
             </a:fld>
             <a:endParaRPr kumimoji="1" lang="ja-JP" altLang="en-US"/>
           </a:p>
@@ -878,7 +879,7 @@
           <a:p>
             <a:fld id="{BDE6B29A-3B0B-4CF2-A9D6-582E4DDF12B3}" type="datetimeFigureOut">
               <a:rPr kumimoji="1" lang="ja-JP" altLang="en-US" smtClean="0"/>
-              <a:t>2016/5/27</a:t>
+              <a:t>2016/5/29</a:t>
             </a:fld>
             <a:endParaRPr kumimoji="1" lang="ja-JP" altLang="en-US"/>
           </a:p>
@@ -1124,7 +1125,7 @@
           <a:p>
             <a:fld id="{BDE6B29A-3B0B-4CF2-A9D6-582E4DDF12B3}" type="datetimeFigureOut">
               <a:rPr kumimoji="1" lang="ja-JP" altLang="en-US" smtClean="0"/>
-              <a:t>2016/5/27</a:t>
+              <a:t>2016/5/29</a:t>
             </a:fld>
             <a:endParaRPr kumimoji="1" lang="ja-JP" altLang="en-US"/>
           </a:p>
@@ -1420,7 +1421,7 @@
           <a:p>
             <a:fld id="{BDE6B29A-3B0B-4CF2-A9D6-582E4DDF12B3}" type="datetimeFigureOut">
               <a:rPr kumimoji="1" lang="ja-JP" altLang="en-US" smtClean="0"/>
-              <a:t>2016/5/27</a:t>
+              <a:t>2016/5/29</a:t>
             </a:fld>
             <a:endParaRPr kumimoji="1" lang="ja-JP" altLang="en-US"/>
           </a:p>
@@ -1851,7 +1852,7 @@
           <a:p>
             <a:fld id="{BDE6B29A-3B0B-4CF2-A9D6-582E4DDF12B3}" type="datetimeFigureOut">
               <a:rPr kumimoji="1" lang="ja-JP" altLang="en-US" smtClean="0"/>
-              <a:t>2016/5/27</a:t>
+              <a:t>2016/5/29</a:t>
             </a:fld>
             <a:endParaRPr kumimoji="1" lang="ja-JP" altLang="en-US"/>
           </a:p>
@@ -1969,7 +1970,7 @@
           <a:p>
             <a:fld id="{BDE6B29A-3B0B-4CF2-A9D6-582E4DDF12B3}" type="datetimeFigureOut">
               <a:rPr kumimoji="1" lang="ja-JP" altLang="en-US" smtClean="0"/>
-              <a:t>2016/5/27</a:t>
+              <a:t>2016/5/29</a:t>
             </a:fld>
             <a:endParaRPr kumimoji="1" lang="ja-JP" altLang="en-US"/>
           </a:p>
@@ -2064,7 +2065,7 @@
           <a:p>
             <a:fld id="{BDE6B29A-3B0B-4CF2-A9D6-582E4DDF12B3}" type="datetimeFigureOut">
               <a:rPr kumimoji="1" lang="ja-JP" altLang="en-US" smtClean="0"/>
-              <a:t>2016/5/27</a:t>
+              <a:t>2016/5/29</a:t>
             </a:fld>
             <a:endParaRPr kumimoji="1" lang="ja-JP" altLang="en-US"/>
           </a:p>
@@ -2373,7 +2374,7 @@
           <a:p>
             <a:fld id="{BDE6B29A-3B0B-4CF2-A9D6-582E4DDF12B3}" type="datetimeFigureOut">
               <a:rPr kumimoji="1" lang="ja-JP" altLang="en-US" smtClean="0"/>
-              <a:t>2016/5/27</a:t>
+              <a:t>2016/5/29</a:t>
             </a:fld>
             <a:endParaRPr kumimoji="1" lang="ja-JP" altLang="en-US"/>
           </a:p>
@@ -2626,7 +2627,7 @@
           <a:p>
             <a:fld id="{BDE6B29A-3B0B-4CF2-A9D6-582E4DDF12B3}" type="datetimeFigureOut">
               <a:rPr kumimoji="1" lang="ja-JP" altLang="en-US" smtClean="0"/>
-              <a:t>2016/5/27</a:t>
+              <a:t>2016/5/29</a:t>
             </a:fld>
             <a:endParaRPr kumimoji="1" lang="ja-JP" altLang="en-US"/>
           </a:p>
@@ -2871,7 +2872,7 @@
           <a:p>
             <a:fld id="{BDE6B29A-3B0B-4CF2-A9D6-582E4DDF12B3}" type="datetimeFigureOut">
               <a:rPr kumimoji="1" lang="ja-JP" altLang="en-US" smtClean="0"/>
-              <a:t>2016/5/27</a:t>
+              <a:t>2016/5/29</a:t>
             </a:fld>
             <a:endParaRPr kumimoji="1" lang="ja-JP" altLang="en-US"/>
           </a:p>
@@ -3852,6 +3853,292 @@
 </p:sld>
 </file>
 
+<file path=ppt/slides/slide10.xml><?xml version="1.0" encoding="utf-8"?>
+<p:sld xmlns:a="http://schemas.openxmlformats.org/drawingml/2006/main" xmlns:r="http://schemas.openxmlformats.org/officeDocument/2006/relationships" xmlns:p="http://schemas.openxmlformats.org/presentationml/2006/main">
+  <p:cSld>
+    <p:spTree>
+      <p:nvGrpSpPr>
+        <p:cNvPr id="1" name=""/>
+        <p:cNvGrpSpPr/>
+        <p:nvPr/>
+      </p:nvGrpSpPr>
+      <p:grpSpPr>
+        <a:xfrm>
+          <a:off x="0" y="0"/>
+          <a:ext cx="0" cy="0"/>
+          <a:chOff x="0" y="0"/>
+          <a:chExt cx="0" cy="0"/>
+        </a:xfrm>
+      </p:grpSpPr>
+      <p:sp>
+        <p:nvSpPr>
+          <p:cNvPr id="2" name="正方形/長方形 1"/>
+          <p:cNvSpPr/>
+          <p:nvPr/>
+        </p:nvSpPr>
+        <p:spPr>
+          <a:xfrm>
+            <a:off x="0" y="0"/>
+            <a:ext cx="12192000" cy="6858000"/>
+          </a:xfrm>
+          <a:prstGeom prst="rect">
+            <a:avLst/>
+          </a:prstGeom>
+          <a:solidFill>
+            <a:schemeClr val="bg1">
+              <a:lumMod val="50000"/>
+            </a:schemeClr>
+          </a:solidFill>
+          <a:ln>
+            <a:noFill/>
+          </a:ln>
+          <a:effectLst>
+            <a:outerShdw blurRad="57785" dist="33020" dir="3180000" algn="ctr">
+              <a:srgbClr val="000000">
+                <a:alpha val="30000"/>
+              </a:srgbClr>
+            </a:outerShdw>
+          </a:effectLst>
+          <a:scene3d>
+            <a:camera prst="orthographicFront">
+              <a:rot lat="0" lon="0" rev="0"/>
+            </a:camera>
+            <a:lightRig rig="brightRoom" dir="t">
+              <a:rot lat="0" lon="0" rev="600000"/>
+            </a:lightRig>
+          </a:scene3d>
+          <a:sp3d prstMaterial="metal">
+            <a:bevelT w="38100" h="57150" prst="angle"/>
+          </a:sp3d>
+        </p:spPr>
+        <p:style>
+          <a:lnRef idx="2">
+            <a:schemeClr val="accent1">
+              <a:shade val="50000"/>
+            </a:schemeClr>
+          </a:lnRef>
+          <a:fillRef idx="1">
+            <a:schemeClr val="accent1"/>
+          </a:fillRef>
+          <a:effectRef idx="0">
+            <a:schemeClr val="accent1"/>
+          </a:effectRef>
+          <a:fontRef idx="minor">
+            <a:schemeClr val="lt1"/>
+          </a:fontRef>
+        </p:style>
+        <p:txBody>
+          <a:bodyPr lIns="90000" tIns="46800" rIns="90000" bIns="360000" rtlCol="0" anchor="ctr"/>
+          <a:lstStyle/>
+          <a:p>
+            <a:pPr algn="ctr"/>
+            <a:endParaRPr kumimoji="1" lang="ja-JP" altLang="en-US" sz="9600" dirty="0"/>
+          </a:p>
+        </p:txBody>
+      </p:sp>
+      <p:sp>
+        <p:nvSpPr>
+          <p:cNvPr id="3" name="正方形/長方形 2"/>
+          <p:cNvSpPr/>
+          <p:nvPr/>
+        </p:nvSpPr>
+        <p:spPr>
+          <a:xfrm>
+            <a:off x="1030515" y="696687"/>
+            <a:ext cx="10261600" cy="566056"/>
+          </a:xfrm>
+          <a:prstGeom prst="rect">
+            <a:avLst/>
+          </a:prstGeom>
+          <a:solidFill>
+            <a:schemeClr val="tx1">
+              <a:lumMod val="95000"/>
+              <a:lumOff val="5000"/>
+            </a:schemeClr>
+          </a:solidFill>
+          <a:ln>
+            <a:noFill/>
+          </a:ln>
+          <a:effectLst/>
+          <a:scene3d>
+            <a:camera prst="orthographicFront">
+              <a:rot lat="0" lon="0" rev="0"/>
+            </a:camera>
+            <a:lightRig rig="chilly" dir="t">
+              <a:rot lat="0" lon="0" rev="18480000"/>
+            </a:lightRig>
+          </a:scene3d>
+          <a:sp3d prstMaterial="clear">
+            <a:bevelT h="63500"/>
+          </a:sp3d>
+        </p:spPr>
+        <p:style>
+          <a:lnRef idx="2">
+            <a:schemeClr val="accent1">
+              <a:shade val="50000"/>
+            </a:schemeClr>
+          </a:lnRef>
+          <a:fillRef idx="1">
+            <a:schemeClr val="accent1"/>
+          </a:fillRef>
+          <a:effectRef idx="0">
+            <a:schemeClr val="accent1"/>
+          </a:effectRef>
+          <a:fontRef idx="minor">
+            <a:schemeClr val="lt1"/>
+          </a:fontRef>
+        </p:style>
+        <p:txBody>
+          <a:bodyPr lIns="90000" tIns="46800" rIns="90000" bIns="360000" rtlCol="0" anchor="ctr"/>
+          <a:lstStyle/>
+          <a:p>
+            <a:pPr algn="ctr"/>
+            <a:endParaRPr kumimoji="1" lang="ja-JP" altLang="en-US" sz="9600" dirty="0"/>
+          </a:p>
+        </p:txBody>
+      </p:sp>
+      <p:sp>
+        <p:nvSpPr>
+          <p:cNvPr id="4" name="正方形/長方形 3"/>
+          <p:cNvSpPr/>
+          <p:nvPr/>
+        </p:nvSpPr>
+        <p:spPr>
+          <a:xfrm>
+            <a:off x="1030515" y="1560287"/>
+            <a:ext cx="10261600" cy="1868713"/>
+          </a:xfrm>
+          <a:prstGeom prst="rect">
+            <a:avLst/>
+          </a:prstGeom>
+          <a:solidFill>
+            <a:schemeClr val="tx1">
+              <a:lumMod val="95000"/>
+              <a:lumOff val="5000"/>
+            </a:schemeClr>
+          </a:solidFill>
+          <a:ln>
+            <a:noFill/>
+          </a:ln>
+          <a:effectLst/>
+          <a:scene3d>
+            <a:camera prst="orthographicFront">
+              <a:rot lat="0" lon="0" rev="0"/>
+            </a:camera>
+            <a:lightRig rig="chilly" dir="t">
+              <a:rot lat="0" lon="0" rev="18480000"/>
+            </a:lightRig>
+          </a:scene3d>
+          <a:sp3d prstMaterial="clear">
+            <a:bevelT h="63500"/>
+          </a:sp3d>
+        </p:spPr>
+        <p:style>
+          <a:lnRef idx="2">
+            <a:schemeClr val="accent1">
+              <a:shade val="50000"/>
+            </a:schemeClr>
+          </a:lnRef>
+          <a:fillRef idx="1">
+            <a:schemeClr val="accent1"/>
+          </a:fillRef>
+          <a:effectRef idx="0">
+            <a:schemeClr val="accent1"/>
+          </a:effectRef>
+          <a:fontRef idx="minor">
+            <a:schemeClr val="lt1"/>
+          </a:fontRef>
+        </p:style>
+        <p:txBody>
+          <a:bodyPr lIns="90000" tIns="46800" rIns="90000" bIns="360000" rtlCol="0" anchor="ctr"/>
+          <a:lstStyle/>
+          <a:p>
+            <a:pPr algn="ctr"/>
+            <a:endParaRPr kumimoji="1" lang="ja-JP" altLang="en-US" sz="9600" dirty="0"/>
+          </a:p>
+        </p:txBody>
+      </p:sp>
+      <p:sp>
+        <p:nvSpPr>
+          <p:cNvPr id="6" name="正方形/長方形 5"/>
+          <p:cNvSpPr/>
+          <p:nvPr/>
+        </p:nvSpPr>
+        <p:spPr>
+          <a:xfrm>
+            <a:off x="1030515" y="3726544"/>
+            <a:ext cx="10261600" cy="1338942"/>
+          </a:xfrm>
+          <a:prstGeom prst="rect">
+            <a:avLst/>
+          </a:prstGeom>
+          <a:solidFill>
+            <a:schemeClr val="tx1">
+              <a:lumMod val="95000"/>
+              <a:lumOff val="5000"/>
+            </a:schemeClr>
+          </a:solidFill>
+          <a:ln>
+            <a:noFill/>
+          </a:ln>
+          <a:effectLst/>
+          <a:scene3d>
+            <a:camera prst="orthographicFront">
+              <a:rot lat="0" lon="0" rev="0"/>
+            </a:camera>
+            <a:lightRig rig="chilly" dir="t">
+              <a:rot lat="0" lon="0" rev="18480000"/>
+            </a:lightRig>
+          </a:scene3d>
+          <a:sp3d prstMaterial="clear">
+            <a:bevelT h="63500"/>
+          </a:sp3d>
+        </p:spPr>
+        <p:style>
+          <a:lnRef idx="2">
+            <a:schemeClr val="accent1">
+              <a:shade val="50000"/>
+            </a:schemeClr>
+          </a:lnRef>
+          <a:fillRef idx="1">
+            <a:schemeClr val="accent1"/>
+          </a:fillRef>
+          <a:effectRef idx="0">
+            <a:schemeClr val="accent1"/>
+          </a:effectRef>
+          <a:fontRef idx="minor">
+            <a:schemeClr val="lt1"/>
+          </a:fontRef>
+        </p:style>
+        <p:txBody>
+          <a:bodyPr lIns="90000" tIns="46800" rIns="90000" bIns="360000" rtlCol="0" anchor="ctr"/>
+          <a:lstStyle/>
+          <a:p>
+            <a:pPr algn="ctr"/>
+            <a:endParaRPr kumimoji="1" lang="ja-JP" altLang="en-US" sz="9600" dirty="0"/>
+          </a:p>
+        </p:txBody>
+      </p:sp>
+    </p:spTree>
+    <p:extLst>
+      <p:ext uri="{BB962C8B-B14F-4D97-AF65-F5344CB8AC3E}">
+        <p14:creationId xmlns:p14="http://schemas.microsoft.com/office/powerpoint/2010/main" val="4073472174"/>
+      </p:ext>
+    </p:extLst>
+  </p:cSld>
+  <p:clrMapOvr>
+    <a:masterClrMapping/>
+  </p:clrMapOvr>
+  <p:timing>
+    <p:tnLst>
+      <p:par>
+        <p:cTn id="1" dur="indefinite" restart="never" nodeType="tmRoot"/>
+      </p:par>
+    </p:tnLst>
+  </p:timing>
+</p:sld>
+</file>
+
 <file path=ppt/slides/slide2.xml><?xml version="1.0" encoding="utf-8"?>
 <p:sld xmlns:a="http://schemas.openxmlformats.org/drawingml/2006/main" xmlns:r="http://schemas.openxmlformats.org/officeDocument/2006/relationships" xmlns:p="http://schemas.openxmlformats.org/presentationml/2006/main">
   <p:cSld>
@@ -5894,30 +6181,31 @@
       </p:grpSpPr>
       <p:sp>
         <p:nvSpPr>
-          <p:cNvPr id="2" name="正方形/長方形 1"/>
+          <p:cNvPr id="10" name="正方形/長方形 9"/>
           <p:cNvSpPr/>
           <p:nvPr/>
         </p:nvSpPr>
         <p:spPr>
           <a:xfrm>
-            <a:off x="1042952" y="4230635"/>
+            <a:off x="3172056" y="2430635"/>
             <a:ext cx="1800000" cy="1800000"/>
           </a:xfrm>
           <a:prstGeom prst="rect">
             <a:avLst/>
           </a:prstGeom>
-          <a:pattFill prst="wdDnDiag">
-            <a:fgClr>
-              <a:srgbClr val="9DE5FF"/>
-            </a:fgClr>
-            <a:bgClr>
-              <a:srgbClr val="FFFF00"/>
-            </a:bgClr>
-          </a:pattFill>
-          <a:ln>
-            <a:noFill/>
-          </a:ln>
-          <a:effectLst/>
+          <a:solidFill>
+            <a:schemeClr val="accent1">
+              <a:lumMod val="60000"/>
+              <a:lumOff val="40000"/>
+            </a:schemeClr>
+          </a:solidFill>
+          <a:scene3d>
+            <a:camera prst="orthographicFront"/>
+            <a:lightRig rig="threePt" dir="t"/>
+          </a:scene3d>
+          <a:sp3d>
+            <a:bevelT w="381000" prst="angle"/>
+          </a:sp3d>
         </p:spPr>
         <p:style>
           <a:lnRef idx="2">
@@ -5936,11 +6224,11 @@
           </a:fontRef>
         </p:style>
         <p:txBody>
-          <a:bodyPr lIns="90000" tIns="46800" rIns="90000" bIns="360000" rtlCol="0" anchor="ctr"/>
+          <a:bodyPr rtlCol="0" anchor="ctr"/>
           <a:lstStyle/>
           <a:p>
             <a:pPr algn="ctr"/>
-            <a:endParaRPr kumimoji="1" lang="ja-JP" altLang="en-US" sz="9600" dirty="0"/>
+            <a:endParaRPr kumimoji="1" lang="ja-JP" altLang="en-US"/>
           </a:p>
         </p:txBody>
       </p:sp>
@@ -6429,7 +6717,7 @@
         </p:nvSpPr>
         <p:spPr>
           <a:xfrm>
-            <a:off x="3307976" y="2635623"/>
+            <a:off x="3388523" y="5402413"/>
             <a:ext cx="3482789" cy="3395011"/>
           </a:xfrm>
           <a:prstGeom prst="rect">
@@ -6459,6 +6747,58 @@
           <a:sp3d prstMaterial="metal">
             <a:bevelT w="38100" h="57150" prst="angle"/>
           </a:sp3d>
+        </p:spPr>
+        <p:style>
+          <a:lnRef idx="2">
+            <a:schemeClr val="accent1">
+              <a:shade val="50000"/>
+            </a:schemeClr>
+          </a:lnRef>
+          <a:fillRef idx="1">
+            <a:schemeClr val="accent1"/>
+          </a:fillRef>
+          <a:effectRef idx="0">
+            <a:schemeClr val="accent1"/>
+          </a:effectRef>
+          <a:fontRef idx="minor">
+            <a:schemeClr val="lt1"/>
+          </a:fontRef>
+        </p:style>
+        <p:txBody>
+          <a:bodyPr lIns="90000" tIns="46800" rIns="90000" bIns="360000" rtlCol="0" anchor="ctr"/>
+          <a:lstStyle/>
+          <a:p>
+            <a:pPr algn="ctr"/>
+            <a:endParaRPr kumimoji="1" lang="ja-JP" altLang="en-US" sz="9600" dirty="0"/>
+          </a:p>
+        </p:txBody>
+      </p:sp>
+      <p:sp>
+        <p:nvSpPr>
+          <p:cNvPr id="2" name="正方形/長方形 1"/>
+          <p:cNvSpPr/>
+          <p:nvPr/>
+        </p:nvSpPr>
+        <p:spPr>
+          <a:xfrm>
+            <a:off x="3172836" y="2430635"/>
+            <a:ext cx="1800000" cy="180000"/>
+          </a:xfrm>
+          <a:prstGeom prst="rect">
+            <a:avLst/>
+          </a:prstGeom>
+          <a:pattFill prst="wdDnDiag">
+            <a:fgClr>
+              <a:schemeClr val="bg1"/>
+            </a:fgClr>
+            <a:bgClr>
+              <a:srgbClr val="FFC000"/>
+            </a:bgClr>
+          </a:pattFill>
+          <a:ln>
+            <a:noFill/>
+          </a:ln>
+          <a:effectLst/>
         </p:spPr>
         <p:style>
           <a:lnRef idx="2">
@@ -6899,6 +7239,13 @@
   <p:clrMapOvr>
     <a:masterClrMapping/>
   </p:clrMapOvr>
+  <p:timing>
+    <p:tnLst>
+      <p:par>
+        <p:cTn id="1" dur="indefinite" restart="never" nodeType="tmRoot"/>
+      </p:par>
+    </p:tnLst>
+  </p:timing>
 </p:sld>
 </file>
 

--- a/workspace/graphics [自動保存済み].pptx
+++ b/workspace/graphics [自動保存済み].pptx
@@ -13,8 +13,9 @@
     <p:sldId id="261" r:id="rId7"/>
     <p:sldId id="262" r:id="rId8"/>
     <p:sldId id="263" r:id="rId9"/>
-    <p:sldId id="264" r:id="rId10"/>
-    <p:sldId id="265" r:id="rId11"/>
+    <p:sldId id="266" r:id="rId10"/>
+    <p:sldId id="264" r:id="rId11"/>
+    <p:sldId id="265" r:id="rId12"/>
   </p:sldIdLst>
   <p:sldSz cx="12192000" cy="6858000"/>
   <p:notesSz cx="6858000" cy="9144000"/>
@@ -263,7 +264,7 @@
           <a:p>
             <a:fld id="{BDE6B29A-3B0B-4CF2-A9D6-582E4DDF12B3}" type="datetimeFigureOut">
               <a:rPr kumimoji="1" lang="ja-JP" altLang="en-US" smtClean="0"/>
-              <a:t>2016/5/29</a:t>
+              <a:t>2016/6/1</a:t>
             </a:fld>
             <a:endParaRPr kumimoji="1" lang="ja-JP" altLang="en-US"/>
           </a:p>
@@ -465,7 +466,7 @@
           <a:p>
             <a:fld id="{BDE6B29A-3B0B-4CF2-A9D6-582E4DDF12B3}" type="datetimeFigureOut">
               <a:rPr kumimoji="1" lang="ja-JP" altLang="en-US" smtClean="0"/>
-              <a:t>2016/5/29</a:t>
+              <a:t>2016/6/1</a:t>
             </a:fld>
             <a:endParaRPr kumimoji="1" lang="ja-JP" altLang="en-US"/>
           </a:p>
@@ -677,7 +678,7 @@
           <a:p>
             <a:fld id="{BDE6B29A-3B0B-4CF2-A9D6-582E4DDF12B3}" type="datetimeFigureOut">
               <a:rPr kumimoji="1" lang="ja-JP" altLang="en-US" smtClean="0"/>
-              <a:t>2016/5/29</a:t>
+              <a:t>2016/6/1</a:t>
             </a:fld>
             <a:endParaRPr kumimoji="1" lang="ja-JP" altLang="en-US"/>
           </a:p>
@@ -879,7 +880,7 @@
           <a:p>
             <a:fld id="{BDE6B29A-3B0B-4CF2-A9D6-582E4DDF12B3}" type="datetimeFigureOut">
               <a:rPr kumimoji="1" lang="ja-JP" altLang="en-US" smtClean="0"/>
-              <a:t>2016/5/29</a:t>
+              <a:t>2016/6/1</a:t>
             </a:fld>
             <a:endParaRPr kumimoji="1" lang="ja-JP" altLang="en-US"/>
           </a:p>
@@ -1125,7 +1126,7 @@
           <a:p>
             <a:fld id="{BDE6B29A-3B0B-4CF2-A9D6-582E4DDF12B3}" type="datetimeFigureOut">
               <a:rPr kumimoji="1" lang="ja-JP" altLang="en-US" smtClean="0"/>
-              <a:t>2016/5/29</a:t>
+              <a:t>2016/6/1</a:t>
             </a:fld>
             <a:endParaRPr kumimoji="1" lang="ja-JP" altLang="en-US"/>
           </a:p>
@@ -1421,7 +1422,7 @@
           <a:p>
             <a:fld id="{BDE6B29A-3B0B-4CF2-A9D6-582E4DDF12B3}" type="datetimeFigureOut">
               <a:rPr kumimoji="1" lang="ja-JP" altLang="en-US" smtClean="0"/>
-              <a:t>2016/5/29</a:t>
+              <a:t>2016/6/1</a:t>
             </a:fld>
             <a:endParaRPr kumimoji="1" lang="ja-JP" altLang="en-US"/>
           </a:p>
@@ -1852,7 +1853,7 @@
           <a:p>
             <a:fld id="{BDE6B29A-3B0B-4CF2-A9D6-582E4DDF12B3}" type="datetimeFigureOut">
               <a:rPr kumimoji="1" lang="ja-JP" altLang="en-US" smtClean="0"/>
-              <a:t>2016/5/29</a:t>
+              <a:t>2016/6/1</a:t>
             </a:fld>
             <a:endParaRPr kumimoji="1" lang="ja-JP" altLang="en-US"/>
           </a:p>
@@ -1970,7 +1971,7 @@
           <a:p>
             <a:fld id="{BDE6B29A-3B0B-4CF2-A9D6-582E4DDF12B3}" type="datetimeFigureOut">
               <a:rPr kumimoji="1" lang="ja-JP" altLang="en-US" smtClean="0"/>
-              <a:t>2016/5/29</a:t>
+              <a:t>2016/6/1</a:t>
             </a:fld>
             <a:endParaRPr kumimoji="1" lang="ja-JP" altLang="en-US"/>
           </a:p>
@@ -2065,7 +2066,7 @@
           <a:p>
             <a:fld id="{BDE6B29A-3B0B-4CF2-A9D6-582E4DDF12B3}" type="datetimeFigureOut">
               <a:rPr kumimoji="1" lang="ja-JP" altLang="en-US" smtClean="0"/>
-              <a:t>2016/5/29</a:t>
+              <a:t>2016/6/1</a:t>
             </a:fld>
             <a:endParaRPr kumimoji="1" lang="ja-JP" altLang="en-US"/>
           </a:p>
@@ -2374,7 +2375,7 @@
           <a:p>
             <a:fld id="{BDE6B29A-3B0B-4CF2-A9D6-582E4DDF12B3}" type="datetimeFigureOut">
               <a:rPr kumimoji="1" lang="ja-JP" altLang="en-US" smtClean="0"/>
-              <a:t>2016/5/29</a:t>
+              <a:t>2016/6/1</a:t>
             </a:fld>
             <a:endParaRPr kumimoji="1" lang="ja-JP" altLang="en-US"/>
           </a:p>
@@ -2627,7 +2628,7 @@
           <a:p>
             <a:fld id="{BDE6B29A-3B0B-4CF2-A9D6-582E4DDF12B3}" type="datetimeFigureOut">
               <a:rPr kumimoji="1" lang="ja-JP" altLang="en-US" smtClean="0"/>
-              <a:t>2016/5/29</a:t>
+              <a:t>2016/6/1</a:t>
             </a:fld>
             <a:endParaRPr kumimoji="1" lang="ja-JP" altLang="en-US"/>
           </a:p>
@@ -2872,7 +2873,7 @@
           <a:p>
             <a:fld id="{BDE6B29A-3B0B-4CF2-A9D6-582E4DDF12B3}" type="datetimeFigureOut">
               <a:rPr kumimoji="1" lang="ja-JP" altLang="en-US" smtClean="0"/>
-              <a:t>2016/5/29</a:t>
+              <a:t>2016/6/1</a:t>
             </a:fld>
             <a:endParaRPr kumimoji="1" lang="ja-JP" altLang="en-US"/>
           </a:p>
@@ -3856,6 +3857,323 @@
 <file path=ppt/slides/slide10.xml><?xml version="1.0" encoding="utf-8"?>
 <p:sld xmlns:a="http://schemas.openxmlformats.org/drawingml/2006/main" xmlns:r="http://schemas.openxmlformats.org/officeDocument/2006/relationships" xmlns:p="http://schemas.openxmlformats.org/presentationml/2006/main">
   <p:cSld>
+    <p:bg>
+      <p:bgPr>
+        <a:solidFill>
+          <a:schemeClr val="accent1">
+            <a:lumMod val="40000"/>
+            <a:lumOff val="60000"/>
+          </a:schemeClr>
+        </a:solidFill>
+        <a:effectLst/>
+      </p:bgPr>
+    </p:bg>
+    <p:spTree>
+      <p:nvGrpSpPr>
+        <p:cNvPr id="1" name=""/>
+        <p:cNvGrpSpPr/>
+        <p:nvPr/>
+      </p:nvGrpSpPr>
+      <p:grpSpPr>
+        <a:xfrm>
+          <a:off x="0" y="0"/>
+          <a:ext cx="0" cy="0"/>
+          <a:chOff x="0" y="0"/>
+          <a:chExt cx="0" cy="0"/>
+        </a:xfrm>
+      </p:grpSpPr>
+      <p:cxnSp>
+        <p:nvCxnSpPr>
+          <p:cNvPr id="6" name="直線コネクタ 5"/>
+          <p:cNvCxnSpPr/>
+          <p:nvPr/>
+        </p:nvCxnSpPr>
+        <p:spPr>
+          <a:xfrm flipV="1">
+            <a:off x="1229396" y="2730500"/>
+            <a:ext cx="342229" cy="330200"/>
+          </a:xfrm>
+          <a:prstGeom prst="line">
+            <a:avLst/>
+          </a:prstGeom>
+          <a:ln w="57150">
+            <a:solidFill>
+              <a:schemeClr val="bg1"/>
+            </a:solidFill>
+          </a:ln>
+        </p:spPr>
+        <p:style>
+          <a:lnRef idx="1">
+            <a:schemeClr val="accent1"/>
+          </a:lnRef>
+          <a:fillRef idx="0">
+            <a:schemeClr val="accent1"/>
+          </a:fillRef>
+          <a:effectRef idx="0">
+            <a:schemeClr val="accent1"/>
+          </a:effectRef>
+          <a:fontRef idx="minor">
+            <a:schemeClr val="tx1"/>
+          </a:fontRef>
+        </p:style>
+      </p:cxnSp>
+      <p:sp>
+        <p:nvSpPr>
+          <p:cNvPr id="9" name="正方形/長方形 8"/>
+          <p:cNvSpPr/>
+          <p:nvPr/>
+        </p:nvSpPr>
+        <p:spPr>
+          <a:xfrm>
+            <a:off x="6677026" y="676275"/>
+            <a:ext cx="695324" cy="590550"/>
+          </a:xfrm>
+          <a:prstGeom prst="rect">
+            <a:avLst/>
+          </a:prstGeom>
+          <a:solidFill>
+            <a:schemeClr val="bg1"/>
+          </a:solidFill>
+          <a:ln>
+            <a:noFill/>
+          </a:ln>
+          <a:effectLst>
+            <a:outerShdw blurRad="57785" dist="33020" dir="3180000" algn="ctr">
+              <a:srgbClr val="000000">
+                <a:alpha val="30000"/>
+              </a:srgbClr>
+            </a:outerShdw>
+          </a:effectLst>
+          <a:scene3d>
+            <a:camera prst="orthographicFront">
+              <a:rot lat="0" lon="0" rev="0"/>
+            </a:camera>
+            <a:lightRig rig="brightRoom" dir="t">
+              <a:rot lat="0" lon="0" rev="600000"/>
+            </a:lightRig>
+          </a:scene3d>
+          <a:sp3d prstMaterial="metal">
+            <a:bevelT w="38100" h="57150" prst="angle"/>
+          </a:sp3d>
+        </p:spPr>
+        <p:style>
+          <a:lnRef idx="2">
+            <a:schemeClr val="accent1">
+              <a:shade val="50000"/>
+            </a:schemeClr>
+          </a:lnRef>
+          <a:fillRef idx="1">
+            <a:schemeClr val="accent1"/>
+          </a:fillRef>
+          <a:effectRef idx="0">
+            <a:schemeClr val="accent1"/>
+          </a:effectRef>
+          <a:fontRef idx="minor">
+            <a:schemeClr val="lt1"/>
+          </a:fontRef>
+        </p:style>
+        <p:txBody>
+          <a:bodyPr lIns="90000" tIns="46800" rIns="90000" bIns="360000" rtlCol="0" anchor="ctr"/>
+          <a:lstStyle/>
+          <a:p>
+            <a:pPr algn="ctr"/>
+            <a:endParaRPr kumimoji="1" lang="ja-JP" altLang="en-US" sz="9600" dirty="0"/>
+          </a:p>
+        </p:txBody>
+      </p:sp>
+      <p:sp>
+        <p:nvSpPr>
+          <p:cNvPr id="10" name="正方形/長方形 9"/>
+          <p:cNvSpPr/>
+          <p:nvPr/>
+        </p:nvSpPr>
+        <p:spPr>
+          <a:xfrm>
+            <a:off x="6677025" y="1266825"/>
+            <a:ext cx="1409700" cy="590550"/>
+          </a:xfrm>
+          <a:prstGeom prst="rect">
+            <a:avLst/>
+          </a:prstGeom>
+          <a:solidFill>
+            <a:schemeClr val="bg1"/>
+          </a:solidFill>
+          <a:ln>
+            <a:noFill/>
+          </a:ln>
+          <a:effectLst>
+            <a:outerShdw blurRad="57785" dist="33020" dir="3180000" algn="ctr">
+              <a:srgbClr val="000000">
+                <a:alpha val="30000"/>
+              </a:srgbClr>
+            </a:outerShdw>
+          </a:effectLst>
+          <a:scene3d>
+            <a:camera prst="orthographicFront">
+              <a:rot lat="0" lon="0" rev="0"/>
+            </a:camera>
+            <a:lightRig rig="brightRoom" dir="t">
+              <a:rot lat="0" lon="0" rev="600000"/>
+            </a:lightRig>
+          </a:scene3d>
+          <a:sp3d prstMaterial="metal">
+            <a:bevelT w="38100" h="57150" prst="angle"/>
+          </a:sp3d>
+        </p:spPr>
+        <p:style>
+          <a:lnRef idx="2">
+            <a:schemeClr val="accent1">
+              <a:shade val="50000"/>
+            </a:schemeClr>
+          </a:lnRef>
+          <a:fillRef idx="1">
+            <a:schemeClr val="accent1"/>
+          </a:fillRef>
+          <a:effectRef idx="0">
+            <a:schemeClr val="accent1"/>
+          </a:effectRef>
+          <a:fontRef idx="minor">
+            <a:schemeClr val="lt1"/>
+          </a:fontRef>
+        </p:style>
+        <p:txBody>
+          <a:bodyPr lIns="90000" tIns="46800" rIns="90000" bIns="360000" rtlCol="0" anchor="ctr"/>
+          <a:lstStyle/>
+          <a:p>
+            <a:pPr algn="ctr"/>
+            <a:endParaRPr kumimoji="1" lang="ja-JP" altLang="en-US" sz="9600" dirty="0"/>
+          </a:p>
+        </p:txBody>
+      </p:sp>
+      <p:sp>
+        <p:nvSpPr>
+          <p:cNvPr id="11" name="正方形/長方形 10"/>
+          <p:cNvSpPr/>
+          <p:nvPr/>
+        </p:nvSpPr>
+        <p:spPr>
+          <a:xfrm>
+            <a:off x="6738939" y="862013"/>
+            <a:ext cx="219074" cy="219075"/>
+          </a:xfrm>
+          <a:prstGeom prst="rect">
+            <a:avLst/>
+          </a:prstGeom>
+          <a:solidFill>
+            <a:srgbClr val="0070C0"/>
+          </a:solidFill>
+          <a:ln>
+            <a:noFill/>
+          </a:ln>
+          <a:effectLst>
+            <a:outerShdw blurRad="57785" dist="33020" dir="3180000" algn="ctr">
+              <a:srgbClr val="000000">
+                <a:alpha val="30000"/>
+              </a:srgbClr>
+            </a:outerShdw>
+          </a:effectLst>
+        </p:spPr>
+        <p:style>
+          <a:lnRef idx="2">
+            <a:schemeClr val="accent1">
+              <a:shade val="50000"/>
+            </a:schemeClr>
+          </a:lnRef>
+          <a:fillRef idx="1">
+            <a:schemeClr val="accent1"/>
+          </a:fillRef>
+          <a:effectRef idx="0">
+            <a:schemeClr val="accent1"/>
+          </a:effectRef>
+          <a:fontRef idx="minor">
+            <a:schemeClr val="lt1"/>
+          </a:fontRef>
+        </p:style>
+        <p:txBody>
+          <a:bodyPr lIns="90000" tIns="46800" rIns="90000" bIns="360000" rtlCol="0" anchor="ctr"/>
+          <a:lstStyle/>
+          <a:p>
+            <a:pPr algn="ctr"/>
+            <a:endParaRPr kumimoji="1" lang="ja-JP" altLang="en-US" sz="9600" dirty="0"/>
+          </a:p>
+        </p:txBody>
+      </p:sp>
+      <p:sp>
+        <p:nvSpPr>
+          <p:cNvPr id="12" name="正方形/長方形 11"/>
+          <p:cNvSpPr/>
+          <p:nvPr/>
+        </p:nvSpPr>
+        <p:spPr>
+          <a:xfrm>
+            <a:off x="7055644" y="862013"/>
+            <a:ext cx="219074" cy="219075"/>
+          </a:xfrm>
+          <a:prstGeom prst="rect">
+            <a:avLst/>
+          </a:prstGeom>
+          <a:solidFill>
+            <a:srgbClr val="0070C0"/>
+          </a:solidFill>
+          <a:ln>
+            <a:noFill/>
+          </a:ln>
+          <a:effectLst>
+            <a:outerShdw blurRad="57785" dist="33020" dir="3180000" algn="ctr">
+              <a:srgbClr val="000000">
+                <a:alpha val="30000"/>
+              </a:srgbClr>
+            </a:outerShdw>
+          </a:effectLst>
+        </p:spPr>
+        <p:style>
+          <a:lnRef idx="2">
+            <a:schemeClr val="accent1">
+              <a:shade val="50000"/>
+            </a:schemeClr>
+          </a:lnRef>
+          <a:fillRef idx="1">
+            <a:schemeClr val="accent1"/>
+          </a:fillRef>
+          <a:effectRef idx="0">
+            <a:schemeClr val="accent1"/>
+          </a:effectRef>
+          <a:fontRef idx="minor">
+            <a:schemeClr val="lt1"/>
+          </a:fontRef>
+        </p:style>
+        <p:txBody>
+          <a:bodyPr lIns="90000" tIns="46800" rIns="90000" bIns="360000" rtlCol="0" anchor="ctr"/>
+          <a:lstStyle/>
+          <a:p>
+            <a:pPr algn="ctr"/>
+            <a:endParaRPr kumimoji="1" lang="ja-JP" altLang="en-US" sz="9600" dirty="0"/>
+          </a:p>
+        </p:txBody>
+      </p:sp>
+    </p:spTree>
+    <p:extLst>
+      <p:ext uri="{BB962C8B-B14F-4D97-AF65-F5344CB8AC3E}">
+        <p14:creationId xmlns:p14="http://schemas.microsoft.com/office/powerpoint/2010/main" val="3667381605"/>
+      </p:ext>
+    </p:extLst>
+  </p:cSld>
+  <p:clrMapOvr>
+    <a:masterClrMapping/>
+  </p:clrMapOvr>
+  <p:timing>
+    <p:tnLst>
+      <p:par>
+        <p:cTn id="1" dur="indefinite" restart="never" nodeType="tmRoot"/>
+      </p:par>
+    </p:tnLst>
+  </p:timing>
+</p:sld>
+</file>
+
+<file path=ppt/slides/slide11.xml><?xml version="1.0" encoding="utf-8"?>
+<p:sld xmlns:a="http://schemas.openxmlformats.org/drawingml/2006/main" xmlns:r="http://schemas.openxmlformats.org/officeDocument/2006/relationships" xmlns:p="http://schemas.openxmlformats.org/presentationml/2006/main">
+  <p:cSld>
     <p:spTree>
       <p:nvGrpSpPr>
         <p:cNvPr id="1" name=""/>
@@ -6935,17 +7253,6 @@
 <file path=ppt/slides/slide9.xml><?xml version="1.0" encoding="utf-8"?>
 <p:sld xmlns:a="http://schemas.openxmlformats.org/drawingml/2006/main" xmlns:r="http://schemas.openxmlformats.org/officeDocument/2006/relationships" xmlns:p="http://schemas.openxmlformats.org/presentationml/2006/main">
   <p:cSld>
-    <p:bg>
-      <p:bgPr>
-        <a:solidFill>
-          <a:schemeClr val="accent1">
-            <a:lumMod val="40000"/>
-            <a:lumOff val="60000"/>
-          </a:schemeClr>
-        </a:solidFill>
-        <a:effectLst/>
-      </p:bgPr>
-    </p:bg>
     <p:spTree>
       <p:nvGrpSpPr>
         <p:cNvPr id="1" name=""/>
@@ -6960,66 +7267,32 @@
           <a:chExt cx="0" cy="0"/>
         </a:xfrm>
       </p:grpSpPr>
-      <p:cxnSp>
-        <p:nvCxnSpPr>
-          <p:cNvPr id="6" name="直線コネクタ 5"/>
-          <p:cNvCxnSpPr/>
+      <p:sp>
+        <p:nvSpPr>
+          <p:cNvPr id="4" name="1 つの角を丸めた四角形 3"/>
+          <p:cNvSpPr/>
           <p:nvPr/>
-        </p:nvCxnSpPr>
+        </p:nvSpPr>
         <p:spPr>
           <a:xfrm flipV="1">
-            <a:off x="1229396" y="2730500"/>
-            <a:ext cx="342229" cy="330200"/>
-          </a:xfrm>
-          <a:prstGeom prst="line">
+            <a:off x="1910821" y="931333"/>
+            <a:ext cx="4148667" cy="1015999"/>
+          </a:xfrm>
+          <a:prstGeom prst="round1Rect">
             <a:avLst/>
           </a:prstGeom>
-          <a:ln w="57150">
-            <a:solidFill>
-              <a:schemeClr val="bg1"/>
-            </a:solidFill>
-          </a:ln>
-        </p:spPr>
-        <p:style>
-          <a:lnRef idx="1">
-            <a:schemeClr val="accent1"/>
-          </a:lnRef>
-          <a:fillRef idx="0">
-            <a:schemeClr val="accent1"/>
-          </a:fillRef>
-          <a:effectRef idx="0">
-            <a:schemeClr val="accent1"/>
-          </a:effectRef>
-          <a:fontRef idx="minor">
-            <a:schemeClr val="tx1"/>
-          </a:fontRef>
-        </p:style>
-      </p:cxnSp>
-      <p:sp>
-        <p:nvSpPr>
-          <p:cNvPr id="9" name="正方形/長方形 8"/>
-          <p:cNvSpPr/>
-          <p:nvPr/>
-        </p:nvSpPr>
-        <p:spPr>
-          <a:xfrm>
-            <a:off x="6677026" y="676275"/>
-            <a:ext cx="695324" cy="590550"/>
-          </a:xfrm>
-          <a:prstGeom prst="rect">
-            <a:avLst/>
-          </a:prstGeom>
-          <a:solidFill>
-            <a:schemeClr val="bg1"/>
-          </a:solidFill>
+          <a:blipFill>
+            <a:blip r:embed="rId2"/>
+            <a:tile tx="0" ty="0" sx="100000" sy="100000" flip="none" algn="tl"/>
+          </a:blipFill>
           <a:ln>
             <a:noFill/>
           </a:ln>
           <a:effectLst>
-            <a:outerShdw blurRad="57785" dist="33020" dir="3180000" algn="ctr">
-              <a:srgbClr val="000000">
-                <a:alpha val="30000"/>
-              </a:srgbClr>
+            <a:outerShdw blurRad="63500" sx="102000" sy="102000" algn="ctr" rotWithShape="0">
+              <a:prstClr val="black">
+                <a:alpha val="40000"/>
+              </a:prstClr>
             </a:outerShdw>
           </a:effectLst>
           <a:scene3d>
@@ -7059,193 +7332,16 @@
           </a:p>
         </p:txBody>
       </p:sp>
-      <p:sp>
-        <p:nvSpPr>
-          <p:cNvPr id="10" name="正方形/長方形 9"/>
-          <p:cNvSpPr/>
-          <p:nvPr/>
-        </p:nvSpPr>
-        <p:spPr>
-          <a:xfrm>
-            <a:off x="6677025" y="1266825"/>
-            <a:ext cx="1409700" cy="590550"/>
-          </a:xfrm>
-          <a:prstGeom prst="rect">
-            <a:avLst/>
-          </a:prstGeom>
-          <a:solidFill>
-            <a:schemeClr val="bg1"/>
-          </a:solidFill>
-          <a:ln>
-            <a:noFill/>
-          </a:ln>
-          <a:effectLst>
-            <a:outerShdw blurRad="57785" dist="33020" dir="3180000" algn="ctr">
-              <a:srgbClr val="000000">
-                <a:alpha val="30000"/>
-              </a:srgbClr>
-            </a:outerShdw>
-          </a:effectLst>
-          <a:scene3d>
-            <a:camera prst="orthographicFront">
-              <a:rot lat="0" lon="0" rev="0"/>
-            </a:camera>
-            <a:lightRig rig="brightRoom" dir="t">
-              <a:rot lat="0" lon="0" rev="600000"/>
-            </a:lightRig>
-          </a:scene3d>
-          <a:sp3d prstMaterial="metal">
-            <a:bevelT w="38100" h="57150" prst="angle"/>
-          </a:sp3d>
-        </p:spPr>
-        <p:style>
-          <a:lnRef idx="2">
-            <a:schemeClr val="accent1">
-              <a:shade val="50000"/>
-            </a:schemeClr>
-          </a:lnRef>
-          <a:fillRef idx="1">
-            <a:schemeClr val="accent1"/>
-          </a:fillRef>
-          <a:effectRef idx="0">
-            <a:schemeClr val="accent1"/>
-          </a:effectRef>
-          <a:fontRef idx="minor">
-            <a:schemeClr val="lt1"/>
-          </a:fontRef>
-        </p:style>
-        <p:txBody>
-          <a:bodyPr lIns="90000" tIns="46800" rIns="90000" bIns="360000" rtlCol="0" anchor="ctr"/>
-          <a:lstStyle/>
-          <a:p>
-            <a:pPr algn="ctr"/>
-            <a:endParaRPr kumimoji="1" lang="ja-JP" altLang="en-US" sz="9600" dirty="0"/>
-          </a:p>
-        </p:txBody>
-      </p:sp>
-      <p:sp>
-        <p:nvSpPr>
-          <p:cNvPr id="11" name="正方形/長方形 10"/>
-          <p:cNvSpPr/>
-          <p:nvPr/>
-        </p:nvSpPr>
-        <p:spPr>
-          <a:xfrm>
-            <a:off x="6738939" y="862013"/>
-            <a:ext cx="219074" cy="219075"/>
-          </a:xfrm>
-          <a:prstGeom prst="rect">
-            <a:avLst/>
-          </a:prstGeom>
-          <a:solidFill>
-            <a:srgbClr val="0070C0"/>
-          </a:solidFill>
-          <a:ln>
-            <a:noFill/>
-          </a:ln>
-          <a:effectLst>
-            <a:outerShdw blurRad="57785" dist="33020" dir="3180000" algn="ctr">
-              <a:srgbClr val="000000">
-                <a:alpha val="30000"/>
-              </a:srgbClr>
-            </a:outerShdw>
-          </a:effectLst>
-        </p:spPr>
-        <p:style>
-          <a:lnRef idx="2">
-            <a:schemeClr val="accent1">
-              <a:shade val="50000"/>
-            </a:schemeClr>
-          </a:lnRef>
-          <a:fillRef idx="1">
-            <a:schemeClr val="accent1"/>
-          </a:fillRef>
-          <a:effectRef idx="0">
-            <a:schemeClr val="accent1"/>
-          </a:effectRef>
-          <a:fontRef idx="minor">
-            <a:schemeClr val="lt1"/>
-          </a:fontRef>
-        </p:style>
-        <p:txBody>
-          <a:bodyPr lIns="90000" tIns="46800" rIns="90000" bIns="360000" rtlCol="0" anchor="ctr"/>
-          <a:lstStyle/>
-          <a:p>
-            <a:pPr algn="ctr"/>
-            <a:endParaRPr kumimoji="1" lang="ja-JP" altLang="en-US" sz="9600" dirty="0"/>
-          </a:p>
-        </p:txBody>
-      </p:sp>
-      <p:sp>
-        <p:nvSpPr>
-          <p:cNvPr id="12" name="正方形/長方形 11"/>
-          <p:cNvSpPr/>
-          <p:nvPr/>
-        </p:nvSpPr>
-        <p:spPr>
-          <a:xfrm>
-            <a:off x="7055644" y="862013"/>
-            <a:ext cx="219074" cy="219075"/>
-          </a:xfrm>
-          <a:prstGeom prst="rect">
-            <a:avLst/>
-          </a:prstGeom>
-          <a:solidFill>
-            <a:srgbClr val="0070C0"/>
-          </a:solidFill>
-          <a:ln>
-            <a:noFill/>
-          </a:ln>
-          <a:effectLst>
-            <a:outerShdw blurRad="57785" dist="33020" dir="3180000" algn="ctr">
-              <a:srgbClr val="000000">
-                <a:alpha val="30000"/>
-              </a:srgbClr>
-            </a:outerShdw>
-          </a:effectLst>
-        </p:spPr>
-        <p:style>
-          <a:lnRef idx="2">
-            <a:schemeClr val="accent1">
-              <a:shade val="50000"/>
-            </a:schemeClr>
-          </a:lnRef>
-          <a:fillRef idx="1">
-            <a:schemeClr val="accent1"/>
-          </a:fillRef>
-          <a:effectRef idx="0">
-            <a:schemeClr val="accent1"/>
-          </a:effectRef>
-          <a:fontRef idx="minor">
-            <a:schemeClr val="lt1"/>
-          </a:fontRef>
-        </p:style>
-        <p:txBody>
-          <a:bodyPr lIns="90000" tIns="46800" rIns="90000" bIns="360000" rtlCol="0" anchor="ctr"/>
-          <a:lstStyle/>
-          <a:p>
-            <a:pPr algn="ctr"/>
-            <a:endParaRPr kumimoji="1" lang="ja-JP" altLang="en-US" sz="9600" dirty="0"/>
-          </a:p>
-        </p:txBody>
-      </p:sp>
     </p:spTree>
     <p:extLst>
       <p:ext uri="{BB962C8B-B14F-4D97-AF65-F5344CB8AC3E}">
-        <p14:creationId xmlns:p14="http://schemas.microsoft.com/office/powerpoint/2010/main" val="3667381605"/>
+        <p14:creationId xmlns:p14="http://schemas.microsoft.com/office/powerpoint/2010/main" val="2818900275"/>
       </p:ext>
     </p:extLst>
   </p:cSld>
   <p:clrMapOvr>
     <a:masterClrMapping/>
   </p:clrMapOvr>
-  <p:timing>
-    <p:tnLst>
-      <p:par>
-        <p:cTn id="1" dur="indefinite" restart="never" nodeType="tmRoot"/>
-      </p:par>
-    </p:tnLst>
-  </p:timing>
 </p:sld>
 </file>
 

--- a/workspace/graphics [自動保存済み].pptx
+++ b/workspace/graphics [自動保存済み].pptx
@@ -16,6 +16,7 @@
     <p:sldId id="266" r:id="rId10"/>
     <p:sldId id="264" r:id="rId11"/>
     <p:sldId id="265" r:id="rId12"/>
+    <p:sldId id="267" r:id="rId13"/>
   </p:sldIdLst>
   <p:sldSz cx="12192000" cy="6858000"/>
   <p:notesSz cx="6858000" cy="9144000"/>
@@ -264,7 +265,7 @@
           <a:p>
             <a:fld id="{BDE6B29A-3B0B-4CF2-A9D6-582E4DDF12B3}" type="datetimeFigureOut">
               <a:rPr kumimoji="1" lang="ja-JP" altLang="en-US" smtClean="0"/>
-              <a:t>2016/6/1</a:t>
+              <a:t>2016/6/5</a:t>
             </a:fld>
             <a:endParaRPr kumimoji="1" lang="ja-JP" altLang="en-US"/>
           </a:p>
@@ -466,7 +467,7 @@
           <a:p>
             <a:fld id="{BDE6B29A-3B0B-4CF2-A9D6-582E4DDF12B3}" type="datetimeFigureOut">
               <a:rPr kumimoji="1" lang="ja-JP" altLang="en-US" smtClean="0"/>
-              <a:t>2016/6/1</a:t>
+              <a:t>2016/6/5</a:t>
             </a:fld>
             <a:endParaRPr kumimoji="1" lang="ja-JP" altLang="en-US"/>
           </a:p>
@@ -678,7 +679,7 @@
           <a:p>
             <a:fld id="{BDE6B29A-3B0B-4CF2-A9D6-582E4DDF12B3}" type="datetimeFigureOut">
               <a:rPr kumimoji="1" lang="ja-JP" altLang="en-US" smtClean="0"/>
-              <a:t>2016/6/1</a:t>
+              <a:t>2016/6/5</a:t>
             </a:fld>
             <a:endParaRPr kumimoji="1" lang="ja-JP" altLang="en-US"/>
           </a:p>
@@ -880,7 +881,7 @@
           <a:p>
             <a:fld id="{BDE6B29A-3B0B-4CF2-A9D6-582E4DDF12B3}" type="datetimeFigureOut">
               <a:rPr kumimoji="1" lang="ja-JP" altLang="en-US" smtClean="0"/>
-              <a:t>2016/6/1</a:t>
+              <a:t>2016/6/5</a:t>
             </a:fld>
             <a:endParaRPr kumimoji="1" lang="ja-JP" altLang="en-US"/>
           </a:p>
@@ -1126,7 +1127,7 @@
           <a:p>
             <a:fld id="{BDE6B29A-3B0B-4CF2-A9D6-582E4DDF12B3}" type="datetimeFigureOut">
               <a:rPr kumimoji="1" lang="ja-JP" altLang="en-US" smtClean="0"/>
-              <a:t>2016/6/1</a:t>
+              <a:t>2016/6/5</a:t>
             </a:fld>
             <a:endParaRPr kumimoji="1" lang="ja-JP" altLang="en-US"/>
           </a:p>
@@ -1422,7 +1423,7 @@
           <a:p>
             <a:fld id="{BDE6B29A-3B0B-4CF2-A9D6-582E4DDF12B3}" type="datetimeFigureOut">
               <a:rPr kumimoji="1" lang="ja-JP" altLang="en-US" smtClean="0"/>
-              <a:t>2016/6/1</a:t>
+              <a:t>2016/6/5</a:t>
             </a:fld>
             <a:endParaRPr kumimoji="1" lang="ja-JP" altLang="en-US"/>
           </a:p>
@@ -1853,7 +1854,7 @@
           <a:p>
             <a:fld id="{BDE6B29A-3B0B-4CF2-A9D6-582E4DDF12B3}" type="datetimeFigureOut">
               <a:rPr kumimoji="1" lang="ja-JP" altLang="en-US" smtClean="0"/>
-              <a:t>2016/6/1</a:t>
+              <a:t>2016/6/5</a:t>
             </a:fld>
             <a:endParaRPr kumimoji="1" lang="ja-JP" altLang="en-US"/>
           </a:p>
@@ -1971,7 +1972,7 @@
           <a:p>
             <a:fld id="{BDE6B29A-3B0B-4CF2-A9D6-582E4DDF12B3}" type="datetimeFigureOut">
               <a:rPr kumimoji="1" lang="ja-JP" altLang="en-US" smtClean="0"/>
-              <a:t>2016/6/1</a:t>
+              <a:t>2016/6/5</a:t>
             </a:fld>
             <a:endParaRPr kumimoji="1" lang="ja-JP" altLang="en-US"/>
           </a:p>
@@ -2066,7 +2067,7 @@
           <a:p>
             <a:fld id="{BDE6B29A-3B0B-4CF2-A9D6-582E4DDF12B3}" type="datetimeFigureOut">
               <a:rPr kumimoji="1" lang="ja-JP" altLang="en-US" smtClean="0"/>
-              <a:t>2016/6/1</a:t>
+              <a:t>2016/6/5</a:t>
             </a:fld>
             <a:endParaRPr kumimoji="1" lang="ja-JP" altLang="en-US"/>
           </a:p>
@@ -2375,7 +2376,7 @@
           <a:p>
             <a:fld id="{BDE6B29A-3B0B-4CF2-A9D6-582E4DDF12B3}" type="datetimeFigureOut">
               <a:rPr kumimoji="1" lang="ja-JP" altLang="en-US" smtClean="0"/>
-              <a:t>2016/6/1</a:t>
+              <a:t>2016/6/5</a:t>
             </a:fld>
             <a:endParaRPr kumimoji="1" lang="ja-JP" altLang="en-US"/>
           </a:p>
@@ -2628,7 +2629,7 @@
           <a:p>
             <a:fld id="{BDE6B29A-3B0B-4CF2-A9D6-582E4DDF12B3}" type="datetimeFigureOut">
               <a:rPr kumimoji="1" lang="ja-JP" altLang="en-US" smtClean="0"/>
-              <a:t>2016/6/1</a:t>
+              <a:t>2016/6/5</a:t>
             </a:fld>
             <a:endParaRPr kumimoji="1" lang="ja-JP" altLang="en-US"/>
           </a:p>
@@ -2873,7 +2874,7 @@
           <a:p>
             <a:fld id="{BDE6B29A-3B0B-4CF2-A9D6-582E4DDF12B3}" type="datetimeFigureOut">
               <a:rPr kumimoji="1" lang="ja-JP" altLang="en-US" smtClean="0"/>
-              <a:t>2016/6/1</a:t>
+              <a:t>2016/6/5</a:t>
             </a:fld>
             <a:endParaRPr kumimoji="1" lang="ja-JP" altLang="en-US"/>
           </a:p>
@@ -4457,6 +4458,342 @@
 </p:sld>
 </file>
 
+<file path=ppt/slides/slide12.xml><?xml version="1.0" encoding="utf-8"?>
+<p:sld xmlns:a="http://schemas.openxmlformats.org/drawingml/2006/main" xmlns:r="http://schemas.openxmlformats.org/officeDocument/2006/relationships" xmlns:p="http://schemas.openxmlformats.org/presentationml/2006/main">
+  <p:cSld>
+    <p:spTree>
+      <p:nvGrpSpPr>
+        <p:cNvPr id="1" name=""/>
+        <p:cNvGrpSpPr/>
+        <p:nvPr/>
+      </p:nvGrpSpPr>
+      <p:grpSpPr>
+        <a:xfrm>
+          <a:off x="0" y="0"/>
+          <a:ext cx="0" cy="0"/>
+          <a:chOff x="0" y="0"/>
+          <a:chExt cx="0" cy="0"/>
+        </a:xfrm>
+      </p:grpSpPr>
+      <p:sp>
+        <p:nvSpPr>
+          <p:cNvPr id="2" name="テキスト ボックス 1"/>
+          <p:cNvSpPr txBox="1"/>
+          <p:nvPr/>
+        </p:nvSpPr>
+        <p:spPr>
+          <a:xfrm>
+            <a:off x="1920240" y="1197033"/>
+            <a:ext cx="1562793" cy="369332"/>
+          </a:xfrm>
+          <a:prstGeom prst="rect">
+            <a:avLst/>
+          </a:prstGeom>
+          <a:solidFill>
+            <a:srgbClr val="D2E270"/>
+          </a:solidFill>
+        </p:spPr>
+        <p:txBody>
+          <a:bodyPr wrap="square" rtlCol="0">
+            <a:spAutoFit/>
+          </a:bodyPr>
+          <a:lstStyle/>
+          <a:p>
+            <a:r>
+              <a:rPr kumimoji="1" lang="ja-JP" altLang="en-US" dirty="0" smtClean="0">
+                <a:latin typeface="03スマートフォントUI" panose="02000600000000000000" pitchFamily="50" charset="-128"/>
+                <a:ea typeface="03スマートフォントUI" panose="02000600000000000000" pitchFamily="50" charset="-128"/>
+              </a:rPr>
+              <a:t>タイトル編集</a:t>
+            </a:r>
+            <a:endParaRPr kumimoji="1" lang="ja-JP" altLang="en-US" dirty="0">
+              <a:latin typeface="03スマートフォントUI" panose="02000600000000000000" pitchFamily="50" charset="-128"/>
+              <a:ea typeface="03スマートフォントUI" panose="02000600000000000000" pitchFamily="50" charset="-128"/>
+            </a:endParaRPr>
+          </a:p>
+        </p:txBody>
+      </p:sp>
+      <p:sp>
+        <p:nvSpPr>
+          <p:cNvPr id="3" name="正方形/長方形 2"/>
+          <p:cNvSpPr/>
+          <p:nvPr/>
+        </p:nvSpPr>
+        <p:spPr>
+          <a:xfrm>
+            <a:off x="1520715" y="1883734"/>
+            <a:ext cx="9493135" cy="1271847"/>
+          </a:xfrm>
+          <a:prstGeom prst="rect">
+            <a:avLst/>
+          </a:prstGeom>
+          <a:gradFill flip="none" rotWithShape="1">
+            <a:gsLst>
+              <a:gs pos="0">
+                <a:srgbClr val="FFFF00"/>
+              </a:gs>
+              <a:gs pos="30000">
+                <a:schemeClr val="accent4">
+                  <a:lumMod val="40000"/>
+                  <a:lumOff val="60000"/>
+                </a:schemeClr>
+              </a:gs>
+              <a:gs pos="62000">
+                <a:srgbClr val="FFFF00"/>
+              </a:gs>
+              <a:gs pos="100000">
+                <a:srgbClr val="D2E270"/>
+              </a:gs>
+            </a:gsLst>
+            <a:lin ang="13800000" scaled="0"/>
+            <a:tileRect/>
+          </a:gradFill>
+          <a:ln>
+            <a:noFill/>
+          </a:ln>
+          <a:effectLst>
+            <a:outerShdw blurRad="254000" sx="102000" sy="102000" algn="ctr" rotWithShape="0">
+              <a:prstClr val="black">
+                <a:alpha val="40000"/>
+              </a:prstClr>
+            </a:outerShdw>
+          </a:effectLst>
+        </p:spPr>
+        <p:style>
+          <a:lnRef idx="2">
+            <a:schemeClr val="accent1">
+              <a:shade val="50000"/>
+            </a:schemeClr>
+          </a:lnRef>
+          <a:fillRef idx="1">
+            <a:schemeClr val="accent1"/>
+          </a:fillRef>
+          <a:effectRef idx="0">
+            <a:schemeClr val="accent1"/>
+          </a:effectRef>
+          <a:fontRef idx="minor">
+            <a:schemeClr val="lt1"/>
+          </a:fontRef>
+        </p:style>
+        <p:txBody>
+          <a:bodyPr lIns="90000" tIns="46800" rIns="90000" bIns="360000" rtlCol="0" anchor="ctr"/>
+          <a:lstStyle/>
+          <a:p>
+            <a:pPr algn="ctr"/>
+            <a:endParaRPr kumimoji="1" lang="ja-JP" altLang="en-US" sz="9600" dirty="0"/>
+          </a:p>
+        </p:txBody>
+      </p:sp>
+      <p:sp>
+        <p:nvSpPr>
+          <p:cNvPr id="4" name="正方形/長方形 3"/>
+          <p:cNvSpPr/>
+          <p:nvPr/>
+        </p:nvSpPr>
+        <p:spPr>
+          <a:xfrm>
+            <a:off x="1520713" y="3337033"/>
+            <a:ext cx="9493135" cy="1271847"/>
+          </a:xfrm>
+          <a:prstGeom prst="rect">
+            <a:avLst/>
+          </a:prstGeom>
+          <a:gradFill flip="none" rotWithShape="1">
+            <a:gsLst>
+              <a:gs pos="0">
+                <a:schemeClr val="bg1">
+                  <a:lumMod val="85000"/>
+                </a:schemeClr>
+              </a:gs>
+              <a:gs pos="30000">
+                <a:schemeClr val="bg1">
+                  <a:lumMod val="75000"/>
+                </a:schemeClr>
+              </a:gs>
+              <a:gs pos="62000">
+                <a:schemeClr val="bg1">
+                  <a:lumMod val="95000"/>
+                </a:schemeClr>
+              </a:gs>
+              <a:gs pos="100000">
+                <a:schemeClr val="bg1">
+                  <a:lumMod val="85000"/>
+                </a:schemeClr>
+              </a:gs>
+            </a:gsLst>
+            <a:lin ang="13800000" scaled="0"/>
+            <a:tileRect/>
+          </a:gradFill>
+          <a:ln>
+            <a:noFill/>
+          </a:ln>
+          <a:effectLst>
+            <a:outerShdw blurRad="254000" sx="102000" sy="102000" algn="ctr" rotWithShape="0">
+              <a:prstClr val="black">
+                <a:alpha val="40000"/>
+              </a:prstClr>
+            </a:outerShdw>
+          </a:effectLst>
+        </p:spPr>
+        <p:style>
+          <a:lnRef idx="2">
+            <a:schemeClr val="accent1">
+              <a:shade val="50000"/>
+            </a:schemeClr>
+          </a:lnRef>
+          <a:fillRef idx="1">
+            <a:schemeClr val="accent1"/>
+          </a:fillRef>
+          <a:effectRef idx="0">
+            <a:schemeClr val="accent1"/>
+          </a:effectRef>
+          <a:fontRef idx="minor">
+            <a:schemeClr val="lt1"/>
+          </a:fontRef>
+        </p:style>
+        <p:txBody>
+          <a:bodyPr lIns="90000" tIns="46800" rIns="90000" bIns="360000" rtlCol="0" anchor="ctr"/>
+          <a:lstStyle/>
+          <a:p>
+            <a:pPr algn="ctr"/>
+            <a:endParaRPr kumimoji="1" lang="ja-JP" altLang="en-US" sz="9600" dirty="0"/>
+          </a:p>
+        </p:txBody>
+      </p:sp>
+      <p:sp>
+        <p:nvSpPr>
+          <p:cNvPr id="5" name="正方形/長方形 4"/>
+          <p:cNvSpPr/>
+          <p:nvPr/>
+        </p:nvSpPr>
+        <p:spPr>
+          <a:xfrm>
+            <a:off x="1520714" y="4790332"/>
+            <a:ext cx="9493135" cy="1271847"/>
+          </a:xfrm>
+          <a:prstGeom prst="rect">
+            <a:avLst/>
+          </a:prstGeom>
+          <a:gradFill flip="none" rotWithShape="1">
+            <a:gsLst>
+              <a:gs pos="0">
+                <a:srgbClr val="734707"/>
+              </a:gs>
+              <a:gs pos="30000">
+                <a:srgbClr val="DA7200"/>
+              </a:gs>
+              <a:gs pos="62000">
+                <a:srgbClr val="734707"/>
+              </a:gs>
+              <a:gs pos="100000">
+                <a:srgbClr val="DA7200"/>
+              </a:gs>
+            </a:gsLst>
+            <a:lin ang="13800000" scaled="0"/>
+            <a:tileRect/>
+          </a:gradFill>
+          <a:ln>
+            <a:noFill/>
+          </a:ln>
+          <a:effectLst>
+            <a:outerShdw blurRad="254000" sx="102000" sy="102000" algn="ctr" rotWithShape="0">
+              <a:prstClr val="black">
+                <a:alpha val="40000"/>
+              </a:prstClr>
+            </a:outerShdw>
+          </a:effectLst>
+        </p:spPr>
+        <p:style>
+          <a:lnRef idx="2">
+            <a:schemeClr val="accent1">
+              <a:shade val="50000"/>
+            </a:schemeClr>
+          </a:lnRef>
+          <a:fillRef idx="1">
+            <a:schemeClr val="accent1"/>
+          </a:fillRef>
+          <a:effectRef idx="0">
+            <a:schemeClr val="accent1"/>
+          </a:effectRef>
+          <a:fontRef idx="minor">
+            <a:schemeClr val="lt1"/>
+          </a:fontRef>
+        </p:style>
+        <p:txBody>
+          <a:bodyPr lIns="90000" tIns="46800" rIns="90000" bIns="360000" rtlCol="0" anchor="ctr"/>
+          <a:lstStyle/>
+          <a:p>
+            <a:pPr algn="ctr"/>
+            <a:endParaRPr kumimoji="1" lang="ja-JP" altLang="en-US" sz="9600" dirty="0"/>
+          </a:p>
+        </p:txBody>
+      </p:sp>
+      <p:sp>
+        <p:nvSpPr>
+          <p:cNvPr id="6" name="正方形/長方形 5"/>
+          <p:cNvSpPr/>
+          <p:nvPr/>
+        </p:nvSpPr>
+        <p:spPr>
+          <a:xfrm>
+            <a:off x="1520713" y="243740"/>
+            <a:ext cx="9493135" cy="1271847"/>
+          </a:xfrm>
+          <a:prstGeom prst="rect">
+            <a:avLst/>
+          </a:prstGeom>
+          <a:solidFill>
+            <a:schemeClr val="bg1"/>
+          </a:solidFill>
+          <a:ln>
+            <a:noFill/>
+          </a:ln>
+          <a:effectLst>
+            <a:outerShdw blurRad="254000" sx="102000" sy="102000" algn="ctr" rotWithShape="0">
+              <a:prstClr val="black">
+                <a:alpha val="40000"/>
+              </a:prstClr>
+            </a:outerShdw>
+          </a:effectLst>
+        </p:spPr>
+        <p:style>
+          <a:lnRef idx="2">
+            <a:schemeClr val="accent1">
+              <a:shade val="50000"/>
+            </a:schemeClr>
+          </a:lnRef>
+          <a:fillRef idx="1">
+            <a:schemeClr val="accent1"/>
+          </a:fillRef>
+          <a:effectRef idx="0">
+            <a:schemeClr val="accent1"/>
+          </a:effectRef>
+          <a:fontRef idx="minor">
+            <a:schemeClr val="lt1"/>
+          </a:fontRef>
+        </p:style>
+        <p:txBody>
+          <a:bodyPr lIns="90000" tIns="46800" rIns="90000" bIns="360000" rtlCol="0" anchor="ctr"/>
+          <a:lstStyle/>
+          <a:p>
+            <a:pPr algn="ctr"/>
+            <a:endParaRPr kumimoji="1" lang="ja-JP" altLang="en-US" sz="9600" dirty="0"/>
+          </a:p>
+        </p:txBody>
+      </p:sp>
+    </p:spTree>
+    <p:extLst>
+      <p:ext uri="{BB962C8B-B14F-4D97-AF65-F5344CB8AC3E}">
+        <p14:creationId xmlns:p14="http://schemas.microsoft.com/office/powerpoint/2010/main" val="579707924"/>
+      </p:ext>
+    </p:extLst>
+  </p:cSld>
+  <p:clrMapOvr>
+    <a:masterClrMapping/>
+  </p:clrMapOvr>
+</p:sld>
+</file>
+
 <file path=ppt/slides/slide2.xml><?xml version="1.0" encoding="utf-8"?>
 <p:sld xmlns:a="http://schemas.openxmlformats.org/drawingml/2006/main" xmlns:r="http://schemas.openxmlformats.org/officeDocument/2006/relationships" xmlns:p="http://schemas.openxmlformats.org/presentationml/2006/main">
   <p:cSld>
@@ -7181,7 +7518,7 @@
         </p:nvSpPr>
         <p:spPr>
           <a:xfrm>
-            <a:off x="1506071" y="1734670"/>
+            <a:off x="699737" y="521011"/>
             <a:ext cx="7200000" cy="1800000"/>
           </a:xfrm>
           <a:prstGeom prst="rect">
